--- a/assets/files/HKNECE329ReviewSession3FA19.pptx
+++ b/assets/files/HKNECE329ReviewSession3FA19.pptx
@@ -1,36 +1,34 @@
 
 <file path=ppt/presentation.xml><?xml version="1.0" encoding="utf-8"?>
-<p:presentation xmlns:a="http://schemas.openxmlformats.org/drawingml/2006/main" xmlns:r="http://schemas.openxmlformats.org/officeDocument/2006/relationships" xmlns:mc="http://schemas.openxmlformats.org/markup-compatibility/2006" xmlns:mv="urn:schemas-microsoft-com:mac:vml" xmlns:p="http://schemas.openxmlformats.org/presentationml/2006/main" xmlns:c="http://schemas.openxmlformats.org/drawingml/2006/chart" xmlns:dgm="http://schemas.openxmlformats.org/drawingml/2006/diagram" xmlns:o="urn:schemas-microsoft-com:office:office" xmlns:v="urn:schemas-microsoft-com:vml" xmlns:pvml="urn:schemas-microsoft-com:office:powerpoint" xmlns:com="http://schemas.openxmlformats.org/drawingml/2006/compatibility" xmlns:p14="http://schemas.microsoft.com/office/powerpoint/2010/main" xmlns:p15="http://schemas.microsoft.com/office/powerpoint/2012/main" autoCompressPictures="0" strictFirstAndLastChars="0" saveSubsetFonts="1">
+<p:presentation xmlns:a="http://schemas.openxmlformats.org/drawingml/2006/main" xmlns:r="http://schemas.openxmlformats.org/officeDocument/2006/relationships" xmlns:p="http://schemas.openxmlformats.org/presentationml/2006/main" strictFirstAndLastChars="0" saveSubsetFonts="1" autoCompressPictures="0">
   <p:sldMasterIdLst>
-    <p:sldMasterId id="2147483659" r:id="rId4"/>
+    <p:sldMasterId id="2147483659" r:id="rId1"/>
   </p:sldMasterIdLst>
   <p:notesMasterIdLst>
-    <p:notesMasterId r:id="rId5"/>
+    <p:notesMasterId r:id="rId18"/>
   </p:notesMasterIdLst>
   <p:sldIdLst>
-    <p:sldId id="256" r:id="rId6"/>
-    <p:sldId id="257" r:id="rId7"/>
-    <p:sldId id="258" r:id="rId8"/>
-    <p:sldId id="259" r:id="rId9"/>
-    <p:sldId id="260" r:id="rId10"/>
-    <p:sldId id="261" r:id="rId11"/>
-    <p:sldId id="262" r:id="rId12"/>
-    <p:sldId id="263" r:id="rId13"/>
-    <p:sldId id="264" r:id="rId14"/>
-    <p:sldId id="265" r:id="rId15"/>
-    <p:sldId id="266" r:id="rId16"/>
-    <p:sldId id="267" r:id="rId17"/>
-    <p:sldId id="268" r:id="rId18"/>
-    <p:sldId id="269" r:id="rId19"/>
-    <p:sldId id="270" r:id="rId20"/>
-    <p:sldId id="271" r:id="rId21"/>
-    <p:sldId id="272" r:id="rId22"/>
-    <p:sldId id="273" r:id="rId23"/>
+    <p:sldId id="256" r:id="rId2"/>
+    <p:sldId id="257" r:id="rId3"/>
+    <p:sldId id="258" r:id="rId4"/>
+    <p:sldId id="259" r:id="rId5"/>
+    <p:sldId id="260" r:id="rId6"/>
+    <p:sldId id="261" r:id="rId7"/>
+    <p:sldId id="262" r:id="rId8"/>
+    <p:sldId id="263" r:id="rId9"/>
+    <p:sldId id="264" r:id="rId10"/>
+    <p:sldId id="265" r:id="rId11"/>
+    <p:sldId id="266" r:id="rId12"/>
+    <p:sldId id="269" r:id="rId13"/>
+    <p:sldId id="270" r:id="rId14"/>
+    <p:sldId id="271" r:id="rId15"/>
+    <p:sldId id="272" r:id="rId16"/>
+    <p:sldId id="273" r:id="rId17"/>
   </p:sldIdLst>
-  <p:sldSz cy="5143500" cx="9144000"/>
+  <p:sldSz cx="9144000" cy="5143500" type="screen16x9"/>
   <p:notesSz cx="6858000" cy="9144000"/>
   <p:defaultTextStyle>
-    <a:defPPr lvl="0" marR="0" rtl="0" algn="l">
+    <a:defPPr marR="0" lvl="0" algn="l" rtl="0">
       <a:lnSpc>
         <a:spcPct val="100000"/>
       </a:lnSpc>
@@ -41,7 +39,7 @@
         <a:spcPts val="0"/>
       </a:spcAft>
     </a:defPPr>
-    <a:lvl1pPr lvl="0" marR="0" rtl="0" algn="l">
+    <a:lvl1pPr marR="0" lvl="0" algn="l" rtl="0">
       <a:lnSpc>
         <a:spcPct val="100000"/>
       </a:lnSpc>
@@ -55,7 +53,7 @@
         <a:srgbClr val="000000"/>
       </a:buClr>
       <a:buFont typeface="Arial"/>
-      <a:defRPr b="0" i="0" sz="1400" u="none" cap="none" strike="noStrike">
+      <a:defRPr sz="1400" b="0" i="0" u="none" strike="noStrike" cap="none">
         <a:solidFill>
           <a:srgbClr val="000000"/>
         </a:solidFill>
@@ -65,7 +63,7 @@
         <a:sym typeface="Arial"/>
       </a:defRPr>
     </a:lvl1pPr>
-    <a:lvl2pPr lvl="1" marR="0" rtl="0" algn="l">
+    <a:lvl2pPr marR="0" lvl="1" algn="l" rtl="0">
       <a:lnSpc>
         <a:spcPct val="100000"/>
       </a:lnSpc>
@@ -79,7 +77,7 @@
         <a:srgbClr val="000000"/>
       </a:buClr>
       <a:buFont typeface="Arial"/>
-      <a:defRPr b="0" i="0" sz="1400" u="none" cap="none" strike="noStrike">
+      <a:defRPr sz="1400" b="0" i="0" u="none" strike="noStrike" cap="none">
         <a:solidFill>
           <a:srgbClr val="000000"/>
         </a:solidFill>
@@ -89,7 +87,7 @@
         <a:sym typeface="Arial"/>
       </a:defRPr>
     </a:lvl2pPr>
-    <a:lvl3pPr lvl="2" marR="0" rtl="0" algn="l">
+    <a:lvl3pPr marR="0" lvl="2" algn="l" rtl="0">
       <a:lnSpc>
         <a:spcPct val="100000"/>
       </a:lnSpc>
@@ -103,7 +101,7 @@
         <a:srgbClr val="000000"/>
       </a:buClr>
       <a:buFont typeface="Arial"/>
-      <a:defRPr b="0" i="0" sz="1400" u="none" cap="none" strike="noStrike">
+      <a:defRPr sz="1400" b="0" i="0" u="none" strike="noStrike" cap="none">
         <a:solidFill>
           <a:srgbClr val="000000"/>
         </a:solidFill>
@@ -113,7 +111,7 @@
         <a:sym typeface="Arial"/>
       </a:defRPr>
     </a:lvl3pPr>
-    <a:lvl4pPr lvl="3" marR="0" rtl="0" algn="l">
+    <a:lvl4pPr marR="0" lvl="3" algn="l" rtl="0">
       <a:lnSpc>
         <a:spcPct val="100000"/>
       </a:lnSpc>
@@ -127,7 +125,7 @@
         <a:srgbClr val="000000"/>
       </a:buClr>
       <a:buFont typeface="Arial"/>
-      <a:defRPr b="0" i="0" sz="1400" u="none" cap="none" strike="noStrike">
+      <a:defRPr sz="1400" b="0" i="0" u="none" strike="noStrike" cap="none">
         <a:solidFill>
           <a:srgbClr val="000000"/>
         </a:solidFill>
@@ -137,7 +135,7 @@
         <a:sym typeface="Arial"/>
       </a:defRPr>
     </a:lvl4pPr>
-    <a:lvl5pPr lvl="4" marR="0" rtl="0" algn="l">
+    <a:lvl5pPr marR="0" lvl="4" algn="l" rtl="0">
       <a:lnSpc>
         <a:spcPct val="100000"/>
       </a:lnSpc>
@@ -151,7 +149,7 @@
         <a:srgbClr val="000000"/>
       </a:buClr>
       <a:buFont typeface="Arial"/>
-      <a:defRPr b="0" i="0" sz="1400" u="none" cap="none" strike="noStrike">
+      <a:defRPr sz="1400" b="0" i="0" u="none" strike="noStrike" cap="none">
         <a:solidFill>
           <a:srgbClr val="000000"/>
         </a:solidFill>
@@ -161,7 +159,7 @@
         <a:sym typeface="Arial"/>
       </a:defRPr>
     </a:lvl5pPr>
-    <a:lvl6pPr lvl="5" marR="0" rtl="0" algn="l">
+    <a:lvl6pPr marR="0" lvl="5" algn="l" rtl="0">
       <a:lnSpc>
         <a:spcPct val="100000"/>
       </a:lnSpc>
@@ -175,7 +173,7 @@
         <a:srgbClr val="000000"/>
       </a:buClr>
       <a:buFont typeface="Arial"/>
-      <a:defRPr b="0" i="0" sz="1400" u="none" cap="none" strike="noStrike">
+      <a:defRPr sz="1400" b="0" i="0" u="none" strike="noStrike" cap="none">
         <a:solidFill>
           <a:srgbClr val="000000"/>
         </a:solidFill>
@@ -185,7 +183,7 @@
         <a:sym typeface="Arial"/>
       </a:defRPr>
     </a:lvl6pPr>
-    <a:lvl7pPr lvl="6" marR="0" rtl="0" algn="l">
+    <a:lvl7pPr marR="0" lvl="6" algn="l" rtl="0">
       <a:lnSpc>
         <a:spcPct val="100000"/>
       </a:lnSpc>
@@ -199,7 +197,7 @@
         <a:srgbClr val="000000"/>
       </a:buClr>
       <a:buFont typeface="Arial"/>
-      <a:defRPr b="0" i="0" sz="1400" u="none" cap="none" strike="noStrike">
+      <a:defRPr sz="1400" b="0" i="0" u="none" strike="noStrike" cap="none">
         <a:solidFill>
           <a:srgbClr val="000000"/>
         </a:solidFill>
@@ -209,7 +207,7 @@
         <a:sym typeface="Arial"/>
       </a:defRPr>
     </a:lvl7pPr>
-    <a:lvl8pPr lvl="7" marR="0" rtl="0" algn="l">
+    <a:lvl8pPr marR="0" lvl="7" algn="l" rtl="0">
       <a:lnSpc>
         <a:spcPct val="100000"/>
       </a:lnSpc>
@@ -223,7 +221,7 @@
         <a:srgbClr val="000000"/>
       </a:buClr>
       <a:buFont typeface="Arial"/>
-      <a:defRPr b="0" i="0" sz="1400" u="none" cap="none" strike="noStrike">
+      <a:defRPr sz="1400" b="0" i="0" u="none" strike="noStrike" cap="none">
         <a:solidFill>
           <a:srgbClr val="000000"/>
         </a:solidFill>
@@ -233,7 +231,7 @@
         <a:sym typeface="Arial"/>
       </a:defRPr>
     </a:lvl8pPr>
-    <a:lvl9pPr lvl="8" marR="0" rtl="0" algn="l">
+    <a:lvl9pPr marR="0" lvl="8" algn="l" rtl="0">
       <a:lnSpc>
         <a:spcPct val="100000"/>
       </a:lnSpc>
@@ -247,7 +245,7 @@
         <a:srgbClr val="000000"/>
       </a:buClr>
       <a:buFont typeface="Arial"/>
-      <a:defRPr b="0" i="0" sz="1400" u="none" cap="none" strike="noStrike">
+      <a:defRPr sz="1400" b="0" i="0" u="none" strike="noStrike" cap="none">
         <a:solidFill>
           <a:srgbClr val="000000"/>
         </a:solidFill>
@@ -260,7 +258,7 @@
   </p:defaultTextStyle>
   <p:extLst>
     <p:ext uri="{EFAFB233-063F-42B5-8137-9DF3F51BA10A}">
-      <p15:sldGuideLst>
+      <p15:sldGuideLst xmlns:p15="http://schemas.microsoft.com/office/powerpoint/2012/main">
         <p15:guide id="1" orient="horz" pos="1620">
           <p15:clr>
             <a:srgbClr val="A4A3A4"/>
@@ -278,11 +276,16 @@
 </file>
 
 <file path=ppt/notesMasters/notesMaster1.xml><?xml version="1.0" encoding="utf-8"?>
-<p:notesMaster xmlns:a="http://schemas.openxmlformats.org/drawingml/2006/main" xmlns:r="http://schemas.openxmlformats.org/officeDocument/2006/relationships" xmlns:mc="http://schemas.openxmlformats.org/markup-compatibility/2006" xmlns:mv="urn:schemas-microsoft-com:mac:vml" xmlns:p="http://schemas.openxmlformats.org/presentationml/2006/main" xmlns:c="http://schemas.openxmlformats.org/drawingml/2006/chart" xmlns:dgm="http://schemas.openxmlformats.org/drawingml/2006/diagram" xmlns:o="urn:schemas-microsoft-com:office:office" xmlns:v="urn:schemas-microsoft-com:vml" xmlns:pvml="urn:schemas-microsoft-com:office:powerpoint" xmlns:com="http://schemas.openxmlformats.org/drawingml/2006/compatibility" xmlns:p14="http://schemas.microsoft.com/office/powerpoint/2010/main" xmlns:p15="http://schemas.microsoft.com/office/powerpoint/2012/main">
+<p:notesMaster xmlns:a="http://schemas.openxmlformats.org/drawingml/2006/main" xmlns:r="http://schemas.openxmlformats.org/officeDocument/2006/relationships" xmlns:p="http://schemas.openxmlformats.org/presentationml/2006/main">
   <p:cSld>
+    <p:bg>
+      <p:bgRef idx="1001">
+        <a:schemeClr val="bg1"/>
+      </p:bgRef>
+    </p:bg>
     <p:spTree>
       <p:nvGrpSpPr>
-        <p:cNvPr id="2" name="Shape 2"/>
+        <p:cNvPr id="1" name="Shape 2"/>
         <p:cNvGrpSpPr/>
         <p:nvPr/>
       </p:nvGrpSpPr>
@@ -297,9 +300,11 @@
       <p:sp>
         <p:nvSpPr>
           <p:cNvPr id="3" name="Google Shape;3;n"/>
-          <p:cNvSpPr/>
+          <p:cNvSpPr>
+            <a:spLocks noGrp="1" noRot="1" noChangeAspect="1"/>
+          </p:cNvSpPr>
           <p:nvPr>
-            <p:ph idx="2" type="sldImg"/>
+            <p:ph type="sldImg" idx="2"/>
           </p:nvPr>
         </p:nvSpPr>
         <p:spPr>
@@ -308,9 +313,13 @@
             <a:ext cx="6096075" cy="3429000"/>
           </a:xfrm>
           <a:custGeom>
-            <a:rect b="b" l="l" r="r" t="t"/>
+            <a:avLst/>
+            <a:gdLst/>
+            <a:ahLst/>
+            <a:cxnLst/>
+            <a:rect l="l" t="t" r="r" b="b"/>
             <a:pathLst>
-              <a:path extrusionOk="0" h="120000" w="120000">
+              <a:path w="120000" h="120000" extrusionOk="0">
                 <a:moveTo>
                   <a:pt x="0" y="0"/>
                 </a:moveTo>
@@ -328,23 +337,25 @@
             </a:pathLst>
           </a:custGeom>
           <a:noFill/>
-          <a:ln cap="flat" cmpd="sng" w="9525">
+          <a:ln w="9525" cap="flat" cmpd="sng">
             <a:solidFill>
               <a:srgbClr val="000000"/>
             </a:solidFill>
             <a:prstDash val="solid"/>
             <a:round/>
-            <a:headEnd len="sm" w="sm" type="none"/>
-            <a:tailEnd len="sm" w="sm" type="none"/>
+            <a:headEnd type="none" w="sm" len="sm"/>
+            <a:tailEnd type="none" w="sm" len="sm"/>
           </a:ln>
         </p:spPr>
       </p:sp>
       <p:sp>
         <p:nvSpPr>
           <p:cNvPr id="4" name="Google Shape;4;n"/>
-          <p:cNvSpPr txBox="1"/>
+          <p:cNvSpPr txBox="1">
+            <a:spLocks noGrp="1"/>
+          </p:cNvSpPr>
           <p:nvPr>
-            <p:ph idx="1" type="body"/>
+            <p:ph type="body" idx="1"/>
           </p:nvPr>
         </p:nvSpPr>
         <p:spPr>
@@ -361,11 +372,11 @@
           </a:ln>
         </p:spPr>
         <p:txBody>
-          <a:bodyPr anchorCtr="0" anchor="t" bIns="91425" lIns="91425" spcFirstLastPara="1" rIns="91425" wrap="square" tIns="91425">
+          <a:bodyPr spcFirstLastPara="1" wrap="square" lIns="91425" tIns="91425" rIns="91425" bIns="91425" anchor="t" anchorCtr="0">
             <a:noAutofit/>
           </a:bodyPr>
           <a:lstStyle>
-            <a:lvl1pPr indent="-298450" lvl="0" marL="457200">
+            <a:lvl1pPr marL="457200" lvl="0" indent="-298450">
               <a:spcBef>
                 <a:spcPts val="0"/>
               </a:spcBef>
@@ -376,7 +387,7 @@
               <a:buChar char="●"/>
               <a:defRPr sz="1100"/>
             </a:lvl1pPr>
-            <a:lvl2pPr indent="-298450" lvl="1" marL="914400">
+            <a:lvl2pPr marL="914400" lvl="1" indent="-298450">
               <a:spcBef>
                 <a:spcPts val="0"/>
               </a:spcBef>
@@ -387,7 +398,7 @@
               <a:buChar char="○"/>
               <a:defRPr sz="1100"/>
             </a:lvl2pPr>
-            <a:lvl3pPr indent="-298450" lvl="2" marL="1371600">
+            <a:lvl3pPr marL="1371600" lvl="2" indent="-298450">
               <a:spcBef>
                 <a:spcPts val="0"/>
               </a:spcBef>
@@ -398,7 +409,7 @@
               <a:buChar char="■"/>
               <a:defRPr sz="1100"/>
             </a:lvl3pPr>
-            <a:lvl4pPr indent="-298450" lvl="3" marL="1828800">
+            <a:lvl4pPr marL="1828800" lvl="3" indent="-298450">
               <a:spcBef>
                 <a:spcPts val="0"/>
               </a:spcBef>
@@ -409,7 +420,7 @@
               <a:buChar char="●"/>
               <a:defRPr sz="1100"/>
             </a:lvl4pPr>
-            <a:lvl5pPr indent="-298450" lvl="4" marL="2286000">
+            <a:lvl5pPr marL="2286000" lvl="4" indent="-298450">
               <a:spcBef>
                 <a:spcPts val="0"/>
               </a:spcBef>
@@ -420,7 +431,7 @@
               <a:buChar char="○"/>
               <a:defRPr sz="1100"/>
             </a:lvl5pPr>
-            <a:lvl6pPr indent="-298450" lvl="5" marL="2743200">
+            <a:lvl6pPr marL="2743200" lvl="5" indent="-298450">
               <a:spcBef>
                 <a:spcPts val="0"/>
               </a:spcBef>
@@ -431,7 +442,7 @@
               <a:buChar char="■"/>
               <a:defRPr sz="1100"/>
             </a:lvl6pPr>
-            <a:lvl7pPr indent="-298450" lvl="6" marL="3200400">
+            <a:lvl7pPr marL="3200400" lvl="6" indent="-298450">
               <a:spcBef>
                 <a:spcPts val="0"/>
               </a:spcBef>
@@ -442,7 +453,7 @@
               <a:buChar char="●"/>
               <a:defRPr sz="1100"/>
             </a:lvl7pPr>
-            <a:lvl8pPr indent="-298450" lvl="7" marL="3657600">
+            <a:lvl8pPr marL="3657600" lvl="7" indent="-298450">
               <a:spcBef>
                 <a:spcPts val="0"/>
               </a:spcBef>
@@ -453,7 +464,7 @@
               <a:buChar char="○"/>
               <a:defRPr sz="1100"/>
             </a:lvl8pPr>
-            <a:lvl9pPr indent="-298450" lvl="8" marL="4114800">
+            <a:lvl9pPr marL="4114800" lvl="8" indent="-298450">
               <a:spcBef>
                 <a:spcPts val="0"/>
               </a:spcBef>
@@ -465,14 +476,16 @@
               <a:defRPr sz="1100"/>
             </a:lvl9pPr>
           </a:lstStyle>
-          <a:p/>
+          <a:p>
+            <a:endParaRPr/>
+          </a:p>
         </p:txBody>
       </p:sp>
     </p:spTree>
   </p:cSld>
-  <p:clrMap accent1="accent1" accent2="accent2" accent3="accent3" accent4="accent4" accent5="accent5" accent6="accent6" bg1="lt1" bg2="dk2" tx1="dk1" tx2="lt2" folHlink="folHlink" hlink="hlink"/>
+  <p:clrMap bg1="lt1" tx1="dk1" bg2="dk2" tx2="lt2" accent1="accent1" accent2="accent2" accent3="accent3" accent4="accent4" accent5="accent5" accent6="accent6" hlink="hlink" folHlink="folHlink"/>
   <p:notesStyle>
-    <a:defPPr lvl="0" marR="0" rtl="0" algn="l">
+    <a:defPPr marR="0" lvl="0" algn="l" rtl="0">
       <a:lnSpc>
         <a:spcPct val="100000"/>
       </a:lnSpc>
@@ -483,7 +496,7 @@
         <a:spcPts val="0"/>
       </a:spcAft>
     </a:defPPr>
-    <a:lvl1pPr lvl="0" marR="0" rtl="0" algn="l">
+    <a:lvl1pPr marR="0" lvl="0" algn="l" rtl="0">
       <a:lnSpc>
         <a:spcPct val="100000"/>
       </a:lnSpc>
@@ -497,7 +510,7 @@
         <a:srgbClr val="000000"/>
       </a:buClr>
       <a:buFont typeface="Arial"/>
-      <a:defRPr b="0" i="0" sz="1400" u="none" cap="none" strike="noStrike">
+      <a:defRPr sz="1400" b="0" i="0" u="none" strike="noStrike" cap="none">
         <a:solidFill>
           <a:srgbClr val="000000"/>
         </a:solidFill>
@@ -507,7 +520,7 @@
         <a:sym typeface="Arial"/>
       </a:defRPr>
     </a:lvl1pPr>
-    <a:lvl2pPr lvl="1" marR="0" rtl="0" algn="l">
+    <a:lvl2pPr marR="0" lvl="1" algn="l" rtl="0">
       <a:lnSpc>
         <a:spcPct val="100000"/>
       </a:lnSpc>
@@ -521,7 +534,7 @@
         <a:srgbClr val="000000"/>
       </a:buClr>
       <a:buFont typeface="Arial"/>
-      <a:defRPr b="0" i="0" sz="1400" u="none" cap="none" strike="noStrike">
+      <a:defRPr sz="1400" b="0" i="0" u="none" strike="noStrike" cap="none">
         <a:solidFill>
           <a:srgbClr val="000000"/>
         </a:solidFill>
@@ -531,7 +544,7 @@
         <a:sym typeface="Arial"/>
       </a:defRPr>
     </a:lvl2pPr>
-    <a:lvl3pPr lvl="2" marR="0" rtl="0" algn="l">
+    <a:lvl3pPr marR="0" lvl="2" algn="l" rtl="0">
       <a:lnSpc>
         <a:spcPct val="100000"/>
       </a:lnSpc>
@@ -545,7 +558,7 @@
         <a:srgbClr val="000000"/>
       </a:buClr>
       <a:buFont typeface="Arial"/>
-      <a:defRPr b="0" i="0" sz="1400" u="none" cap="none" strike="noStrike">
+      <a:defRPr sz="1400" b="0" i="0" u="none" strike="noStrike" cap="none">
         <a:solidFill>
           <a:srgbClr val="000000"/>
         </a:solidFill>
@@ -555,7 +568,7 @@
         <a:sym typeface="Arial"/>
       </a:defRPr>
     </a:lvl3pPr>
-    <a:lvl4pPr lvl="3" marR="0" rtl="0" algn="l">
+    <a:lvl4pPr marR="0" lvl="3" algn="l" rtl="0">
       <a:lnSpc>
         <a:spcPct val="100000"/>
       </a:lnSpc>
@@ -569,7 +582,7 @@
         <a:srgbClr val="000000"/>
       </a:buClr>
       <a:buFont typeface="Arial"/>
-      <a:defRPr b="0" i="0" sz="1400" u="none" cap="none" strike="noStrike">
+      <a:defRPr sz="1400" b="0" i="0" u="none" strike="noStrike" cap="none">
         <a:solidFill>
           <a:srgbClr val="000000"/>
         </a:solidFill>
@@ -579,7 +592,7 @@
         <a:sym typeface="Arial"/>
       </a:defRPr>
     </a:lvl4pPr>
-    <a:lvl5pPr lvl="4" marR="0" rtl="0" algn="l">
+    <a:lvl5pPr marR="0" lvl="4" algn="l" rtl="0">
       <a:lnSpc>
         <a:spcPct val="100000"/>
       </a:lnSpc>
@@ -593,7 +606,7 @@
         <a:srgbClr val="000000"/>
       </a:buClr>
       <a:buFont typeface="Arial"/>
-      <a:defRPr b="0" i="0" sz="1400" u="none" cap="none" strike="noStrike">
+      <a:defRPr sz="1400" b="0" i="0" u="none" strike="noStrike" cap="none">
         <a:solidFill>
           <a:srgbClr val="000000"/>
         </a:solidFill>
@@ -603,7 +616,7 @@
         <a:sym typeface="Arial"/>
       </a:defRPr>
     </a:lvl5pPr>
-    <a:lvl6pPr lvl="5" marR="0" rtl="0" algn="l">
+    <a:lvl6pPr marR="0" lvl="5" algn="l" rtl="0">
       <a:lnSpc>
         <a:spcPct val="100000"/>
       </a:lnSpc>
@@ -617,7 +630,7 @@
         <a:srgbClr val="000000"/>
       </a:buClr>
       <a:buFont typeface="Arial"/>
-      <a:defRPr b="0" i="0" sz="1400" u="none" cap="none" strike="noStrike">
+      <a:defRPr sz="1400" b="0" i="0" u="none" strike="noStrike" cap="none">
         <a:solidFill>
           <a:srgbClr val="000000"/>
         </a:solidFill>
@@ -627,7 +640,7 @@
         <a:sym typeface="Arial"/>
       </a:defRPr>
     </a:lvl6pPr>
-    <a:lvl7pPr lvl="6" marR="0" rtl="0" algn="l">
+    <a:lvl7pPr marR="0" lvl="6" algn="l" rtl="0">
       <a:lnSpc>
         <a:spcPct val="100000"/>
       </a:lnSpc>
@@ -641,7 +654,7 @@
         <a:srgbClr val="000000"/>
       </a:buClr>
       <a:buFont typeface="Arial"/>
-      <a:defRPr b="0" i="0" sz="1400" u="none" cap="none" strike="noStrike">
+      <a:defRPr sz="1400" b="0" i="0" u="none" strike="noStrike" cap="none">
         <a:solidFill>
           <a:srgbClr val="000000"/>
         </a:solidFill>
@@ -651,7 +664,7 @@
         <a:sym typeface="Arial"/>
       </a:defRPr>
     </a:lvl7pPr>
-    <a:lvl8pPr lvl="7" marR="0" rtl="0" algn="l">
+    <a:lvl8pPr marR="0" lvl="7" algn="l" rtl="0">
       <a:lnSpc>
         <a:spcPct val="100000"/>
       </a:lnSpc>
@@ -665,7 +678,7 @@
         <a:srgbClr val="000000"/>
       </a:buClr>
       <a:buFont typeface="Arial"/>
-      <a:defRPr b="0" i="0" sz="1400" u="none" cap="none" strike="noStrike">
+      <a:defRPr sz="1400" b="0" i="0" u="none" strike="noStrike" cap="none">
         <a:solidFill>
           <a:srgbClr val="000000"/>
         </a:solidFill>
@@ -675,7 +688,7 @@
         <a:sym typeface="Arial"/>
       </a:defRPr>
     </a:lvl8pPr>
-    <a:lvl9pPr lvl="8" marR="0" rtl="0" algn="l">
+    <a:lvl9pPr marR="0" lvl="8" algn="l" rtl="0">
       <a:lnSpc>
         <a:spcPct val="100000"/>
       </a:lnSpc>
@@ -689,7 +702,7 @@
         <a:srgbClr val="000000"/>
       </a:buClr>
       <a:buFont typeface="Arial"/>
-      <a:defRPr b="0" i="0" sz="1400" u="none" cap="none" strike="noStrike">
+      <a:defRPr sz="1400" b="0" i="0" u="none" strike="noStrike" cap="none">
         <a:solidFill>
           <a:srgbClr val="000000"/>
         </a:solidFill>
@@ -704,11 +717,11 @@
 </file>
 
 <file path=ppt/notesSlides/notesSlide1.xml><?xml version="1.0" encoding="utf-8"?>
-<p:notes xmlns:a="http://schemas.openxmlformats.org/drawingml/2006/main" xmlns:r="http://schemas.openxmlformats.org/officeDocument/2006/relationships" xmlns:mc="http://schemas.openxmlformats.org/markup-compatibility/2006" xmlns:mv="urn:schemas-microsoft-com:mac:vml" xmlns:p="http://schemas.openxmlformats.org/presentationml/2006/main" xmlns:c="http://schemas.openxmlformats.org/drawingml/2006/chart" xmlns:dgm="http://schemas.openxmlformats.org/drawingml/2006/diagram" xmlns:o="urn:schemas-microsoft-com:office:office" xmlns:v="urn:schemas-microsoft-com:vml" xmlns:pvml="urn:schemas-microsoft-com:office:powerpoint" xmlns:com="http://schemas.openxmlformats.org/drawingml/2006/compatibility" xmlns:p14="http://schemas.microsoft.com/office/powerpoint/2010/main" xmlns:p15="http://schemas.microsoft.com/office/powerpoint/2012/main" showMasterPhAnim="0" showMasterSp="0">
+<p:notes xmlns:a="http://schemas.openxmlformats.org/drawingml/2006/main" xmlns:r="http://schemas.openxmlformats.org/officeDocument/2006/relationships" xmlns:p="http://schemas.openxmlformats.org/presentationml/2006/main" showMasterSp="0" showMasterPhAnim="0">
   <p:cSld>
     <p:spTree>
       <p:nvGrpSpPr>
-        <p:cNvPr id="50" name="Shape 50"/>
+        <p:cNvPr id="1" name="Shape 50"/>
         <p:cNvGrpSpPr/>
         <p:nvPr/>
       </p:nvGrpSpPr>
@@ -723,9 +736,11 @@
       <p:sp>
         <p:nvSpPr>
           <p:cNvPr id="51" name="Google Shape;51;p:notes"/>
-          <p:cNvSpPr/>
+          <p:cNvSpPr>
+            <a:spLocks noGrp="1" noRot="1" noChangeAspect="1"/>
+          </p:cNvSpPr>
           <p:nvPr>
-            <p:ph idx="2" type="sldImg"/>
+            <p:ph type="sldImg" idx="2"/>
           </p:nvPr>
         </p:nvSpPr>
         <p:spPr>
@@ -734,9 +749,13 @@
             <a:ext cx="6096075" cy="3429000"/>
           </a:xfrm>
           <a:custGeom>
-            <a:rect b="b" l="l" r="r" t="t"/>
+            <a:avLst/>
+            <a:gdLst/>
+            <a:ahLst/>
+            <a:cxnLst/>
+            <a:rect l="l" t="t" r="r" b="b"/>
             <a:pathLst>
-              <a:path extrusionOk="0" h="120000" w="120000">
+              <a:path w="120000" h="120000" extrusionOk="0">
                 <a:moveTo>
                   <a:pt x="0" y="0"/>
                 </a:moveTo>
@@ -758,9 +777,11 @@
       <p:sp>
         <p:nvSpPr>
           <p:cNvPr id="52" name="Google Shape;52;p:notes"/>
-          <p:cNvSpPr txBox="1"/>
+          <p:cNvSpPr txBox="1">
+            <a:spLocks noGrp="1"/>
+          </p:cNvSpPr>
           <p:nvPr>
-            <p:ph idx="1" type="body"/>
+            <p:ph type="body" idx="1"/>
           </p:nvPr>
         </p:nvSpPr>
         <p:spPr>
@@ -773,12 +794,12 @@
           </a:prstGeom>
         </p:spPr>
         <p:txBody>
-          <a:bodyPr anchorCtr="0" anchor="t" bIns="91425" lIns="91425" spcFirstLastPara="1" rIns="91425" wrap="square" tIns="91425">
+          <a:bodyPr spcFirstLastPara="1" wrap="square" lIns="91425" tIns="91425" rIns="91425" bIns="91425" anchor="t" anchorCtr="0">
             <a:noAutofit/>
           </a:bodyPr>
           <a:lstStyle/>
           <a:p>
-            <a:pPr indent="0" lvl="0" marL="0" rtl="0" algn="l">
+            <a:pPr marL="0" lvl="0" indent="0" algn="l" rtl="0">
               <a:spcBef>
                 <a:spcPts val="0"/>
               </a:spcBef>
@@ -787,9 +808,6 @@
               </a:spcAft>
               <a:buNone/>
             </a:pPr>
-            <a:r>
-              <a:t/>
-            </a:r>
             <a:endParaRPr/>
           </a:p>
         </p:txBody>
@@ -803,11 +821,11 @@
 </file>
 
 <file path=ppt/notesSlides/notesSlide10.xml><?xml version="1.0" encoding="utf-8"?>
-<p:notes xmlns:a="http://schemas.openxmlformats.org/drawingml/2006/main" xmlns:r="http://schemas.openxmlformats.org/officeDocument/2006/relationships" xmlns:mc="http://schemas.openxmlformats.org/markup-compatibility/2006" xmlns:mv="urn:schemas-microsoft-com:mac:vml" xmlns:p="http://schemas.openxmlformats.org/presentationml/2006/main" xmlns:c="http://schemas.openxmlformats.org/drawingml/2006/chart" xmlns:dgm="http://schemas.openxmlformats.org/drawingml/2006/diagram" xmlns:o="urn:schemas-microsoft-com:office:office" xmlns:v="urn:schemas-microsoft-com:vml" xmlns:pvml="urn:schemas-microsoft-com:office:powerpoint" xmlns:com="http://schemas.openxmlformats.org/drawingml/2006/compatibility" xmlns:p14="http://schemas.microsoft.com/office/powerpoint/2010/main" xmlns:p15="http://schemas.microsoft.com/office/powerpoint/2012/main" showMasterPhAnim="0" showMasterSp="0">
+<p:notes xmlns:a="http://schemas.openxmlformats.org/drawingml/2006/main" xmlns:r="http://schemas.openxmlformats.org/officeDocument/2006/relationships" xmlns:p="http://schemas.openxmlformats.org/presentationml/2006/main" showMasterSp="0" showMasterPhAnim="0">
   <p:cSld>
     <p:spTree>
       <p:nvGrpSpPr>
-        <p:cNvPr id="114" name="Shape 114"/>
+        <p:cNvPr id="1" name="Shape 114"/>
         <p:cNvGrpSpPr/>
         <p:nvPr/>
       </p:nvGrpSpPr>
@@ -822,9 +840,11 @@
       <p:sp>
         <p:nvSpPr>
           <p:cNvPr id="115" name="Google Shape;115;g6af830668e_0_32:notes"/>
-          <p:cNvSpPr/>
+          <p:cNvSpPr>
+            <a:spLocks noGrp="1" noRot="1" noChangeAspect="1"/>
+          </p:cNvSpPr>
           <p:nvPr>
-            <p:ph idx="2" type="sldImg"/>
+            <p:ph type="sldImg" idx="2"/>
           </p:nvPr>
         </p:nvSpPr>
         <p:spPr>
@@ -833,9 +853,13 @@
             <a:ext cx="6096000" cy="3429000"/>
           </a:xfrm>
           <a:custGeom>
-            <a:rect b="b" l="l" r="r" t="t"/>
+            <a:avLst/>
+            <a:gdLst/>
+            <a:ahLst/>
+            <a:cxnLst/>
+            <a:rect l="l" t="t" r="r" b="b"/>
             <a:pathLst>
-              <a:path extrusionOk="0" h="120000" w="120000">
+              <a:path w="120000" h="120000" extrusionOk="0">
                 <a:moveTo>
                   <a:pt x="0" y="0"/>
                 </a:moveTo>
@@ -857,9 +881,11 @@
       <p:sp>
         <p:nvSpPr>
           <p:cNvPr id="116" name="Google Shape;116;g6af830668e_0_32:notes"/>
-          <p:cNvSpPr txBox="1"/>
+          <p:cNvSpPr txBox="1">
+            <a:spLocks noGrp="1"/>
+          </p:cNvSpPr>
           <p:nvPr>
-            <p:ph idx="1" type="body"/>
+            <p:ph type="body" idx="1"/>
           </p:nvPr>
         </p:nvSpPr>
         <p:spPr>
@@ -872,12 +898,12 @@
           </a:prstGeom>
         </p:spPr>
         <p:txBody>
-          <a:bodyPr anchorCtr="0" anchor="t" bIns="91425" lIns="91425" spcFirstLastPara="1" rIns="91425" wrap="square" tIns="91425">
+          <a:bodyPr spcFirstLastPara="1" wrap="square" lIns="91425" tIns="91425" rIns="91425" bIns="91425" anchor="t" anchorCtr="0">
             <a:noAutofit/>
           </a:bodyPr>
           <a:lstStyle/>
           <a:p>
-            <a:pPr indent="0" lvl="0" marL="0" rtl="0" algn="l">
+            <a:pPr marL="0" lvl="0" indent="0" algn="l" rtl="0">
               <a:spcBef>
                 <a:spcPts val="0"/>
               </a:spcBef>
@@ -888,11 +914,7 @@
             </a:pPr>
             <a:r>
               <a:rPr lang="en"/>
-              <a:t>$</a:t>
-            </a:r>
-            <a:r>
-              <a:rPr lang="en"/>
-              <a:t>\begin{array}{l}{P_{\text {incident }}=V^{+} I^{+}} \\ {P_{\text {reflected}}=V^{-} I^{-}} \\ {P_{\text {transmitted}}=V^{++} I^{++}}\end{array}$</a:t>
+              <a:t>$\begin{array}{l}{P_{\text {incident }}=V^{+} I^{+}} \\ {P_{\text {reflected}}=V^{-} I^{-}} \\ {P_{\text {transmitted}}=V^{++} I^{++}}\end{array}$</a:t>
             </a:r>
             <a:endParaRPr/>
           </a:p>
@@ -907,11 +929,11 @@
 </file>
 
 <file path=ppt/notesSlides/notesSlide11.xml><?xml version="1.0" encoding="utf-8"?>
-<p:notes xmlns:a="http://schemas.openxmlformats.org/drawingml/2006/main" xmlns:r="http://schemas.openxmlformats.org/officeDocument/2006/relationships" xmlns:mc="http://schemas.openxmlformats.org/markup-compatibility/2006" xmlns:mv="urn:schemas-microsoft-com:mac:vml" xmlns:p="http://schemas.openxmlformats.org/presentationml/2006/main" xmlns:c="http://schemas.openxmlformats.org/drawingml/2006/chart" xmlns:dgm="http://schemas.openxmlformats.org/drawingml/2006/diagram" xmlns:o="urn:schemas-microsoft-com:office:office" xmlns:v="urn:schemas-microsoft-com:vml" xmlns:pvml="urn:schemas-microsoft-com:office:powerpoint" xmlns:com="http://schemas.openxmlformats.org/drawingml/2006/compatibility" xmlns:p14="http://schemas.microsoft.com/office/powerpoint/2010/main" xmlns:p15="http://schemas.microsoft.com/office/powerpoint/2012/main" showMasterPhAnim="0" showMasterSp="0">
+<p:notes xmlns:a="http://schemas.openxmlformats.org/drawingml/2006/main" xmlns:r="http://schemas.openxmlformats.org/officeDocument/2006/relationships" xmlns:p="http://schemas.openxmlformats.org/presentationml/2006/main" showMasterSp="0" showMasterPhAnim="0">
   <p:cSld>
     <p:spTree>
       <p:nvGrpSpPr>
-        <p:cNvPr id="123" name="Shape 123"/>
+        <p:cNvPr id="1" name="Shape 123"/>
         <p:cNvGrpSpPr/>
         <p:nvPr/>
       </p:nvGrpSpPr>
@@ -926,9 +948,11 @@
       <p:sp>
         <p:nvSpPr>
           <p:cNvPr id="124" name="Google Shape;124;g6af830668e_0_37:notes"/>
-          <p:cNvSpPr/>
+          <p:cNvSpPr>
+            <a:spLocks noGrp="1" noRot="1" noChangeAspect="1"/>
+          </p:cNvSpPr>
           <p:nvPr>
-            <p:ph idx="2" type="sldImg"/>
+            <p:ph type="sldImg" idx="2"/>
           </p:nvPr>
         </p:nvSpPr>
         <p:spPr>
@@ -937,9 +961,13 @@
             <a:ext cx="6096000" cy="3429000"/>
           </a:xfrm>
           <a:custGeom>
-            <a:rect b="b" l="l" r="r" t="t"/>
+            <a:avLst/>
+            <a:gdLst/>
+            <a:ahLst/>
+            <a:cxnLst/>
+            <a:rect l="l" t="t" r="r" b="b"/>
             <a:pathLst>
-              <a:path extrusionOk="0" h="120000" w="120000">
+              <a:path w="120000" h="120000" extrusionOk="0">
                 <a:moveTo>
                   <a:pt x="0" y="0"/>
                 </a:moveTo>
@@ -961,9 +989,11 @@
       <p:sp>
         <p:nvSpPr>
           <p:cNvPr id="125" name="Google Shape;125;g6af830668e_0_37:notes"/>
-          <p:cNvSpPr txBox="1"/>
+          <p:cNvSpPr txBox="1">
+            <a:spLocks noGrp="1"/>
+          </p:cNvSpPr>
           <p:nvPr>
-            <p:ph idx="1" type="body"/>
+            <p:ph type="body" idx="1"/>
           </p:nvPr>
         </p:nvSpPr>
         <p:spPr>
@@ -976,12 +1006,12 @@
           </a:prstGeom>
         </p:spPr>
         <p:txBody>
-          <a:bodyPr anchorCtr="0" anchor="t" bIns="91425" lIns="91425" spcFirstLastPara="1" rIns="91425" wrap="square" tIns="91425">
+          <a:bodyPr spcFirstLastPara="1" wrap="square" lIns="91425" tIns="91425" rIns="91425" bIns="91425" anchor="t" anchorCtr="0">
             <a:noAutofit/>
           </a:bodyPr>
           <a:lstStyle/>
           <a:p>
-            <a:pPr indent="0" lvl="0" marL="0" rtl="0" algn="l">
+            <a:pPr marL="0" lvl="0" indent="0" algn="l" rtl="0">
               <a:spcBef>
                 <a:spcPts val="0"/>
               </a:spcBef>
@@ -1007,11 +1037,11 @@
 </file>
 
 <file path=ppt/notesSlides/notesSlide12.xml><?xml version="1.0" encoding="utf-8"?>
-<p:notes xmlns:a="http://schemas.openxmlformats.org/drawingml/2006/main" xmlns:r="http://schemas.openxmlformats.org/officeDocument/2006/relationships" xmlns:mc="http://schemas.openxmlformats.org/markup-compatibility/2006" xmlns:mv="urn:schemas-microsoft-com:mac:vml" xmlns:p="http://schemas.openxmlformats.org/presentationml/2006/main" xmlns:c="http://schemas.openxmlformats.org/drawingml/2006/chart" xmlns:dgm="http://schemas.openxmlformats.org/drawingml/2006/diagram" xmlns:o="urn:schemas-microsoft-com:office:office" xmlns:v="urn:schemas-microsoft-com:vml" xmlns:pvml="urn:schemas-microsoft-com:office:powerpoint" xmlns:com="http://schemas.openxmlformats.org/drawingml/2006/compatibility" xmlns:p14="http://schemas.microsoft.com/office/powerpoint/2010/main" xmlns:p15="http://schemas.microsoft.com/office/powerpoint/2012/main" showMasterPhAnim="0" showMasterSp="0">
+<p:notes xmlns:a="http://schemas.openxmlformats.org/drawingml/2006/main" xmlns:r="http://schemas.openxmlformats.org/officeDocument/2006/relationships" xmlns:p="http://schemas.openxmlformats.org/presentationml/2006/main" showMasterSp="0" showMasterPhAnim="0">
   <p:cSld>
     <p:spTree>
       <p:nvGrpSpPr>
-        <p:cNvPr id="131" name="Shape 131"/>
+        <p:cNvPr id="1" name="Shape 143"/>
         <p:cNvGrpSpPr/>
         <p:nvPr/>
       </p:nvGrpSpPr>
@@ -1025,10 +1055,12 @@
       </p:grpSpPr>
       <p:sp>
         <p:nvSpPr>
-          <p:cNvPr id="132" name="Google Shape;132;g6af830668e_0_42:notes"/>
-          <p:cNvSpPr/>
+          <p:cNvPr id="144" name="Google Shape;144;g6af830668e_0_67:notes"/>
+          <p:cNvSpPr>
+            <a:spLocks noGrp="1" noRot="1" noChangeAspect="1"/>
+          </p:cNvSpPr>
           <p:nvPr>
-            <p:ph idx="2" type="sldImg"/>
+            <p:ph type="sldImg" idx="2"/>
           </p:nvPr>
         </p:nvSpPr>
         <p:spPr>
@@ -1037,9 +1069,13 @@
             <a:ext cx="6096000" cy="3429000"/>
           </a:xfrm>
           <a:custGeom>
-            <a:rect b="b" l="l" r="r" t="t"/>
+            <a:avLst/>
+            <a:gdLst/>
+            <a:ahLst/>
+            <a:cxnLst/>
+            <a:rect l="l" t="t" r="r" b="b"/>
             <a:pathLst>
-              <a:path extrusionOk="0" h="120000" w="120000">
+              <a:path w="120000" h="120000" extrusionOk="0">
                 <a:moveTo>
                   <a:pt x="0" y="0"/>
                 </a:moveTo>
@@ -1060,10 +1096,12 @@
       </p:sp>
       <p:sp>
         <p:nvSpPr>
-          <p:cNvPr id="133" name="Google Shape;133;g6af830668e_0_42:notes"/>
-          <p:cNvSpPr txBox="1"/>
+          <p:cNvPr id="145" name="Google Shape;145;g6af830668e_0_67:notes"/>
+          <p:cNvSpPr txBox="1">
+            <a:spLocks noGrp="1"/>
+          </p:cNvSpPr>
           <p:nvPr>
-            <p:ph idx="1" type="body"/>
+            <p:ph type="body" idx="1"/>
           </p:nvPr>
         </p:nvSpPr>
         <p:spPr>
@@ -1076,12 +1114,12 @@
           </a:prstGeom>
         </p:spPr>
         <p:txBody>
-          <a:bodyPr anchorCtr="0" anchor="t" bIns="91425" lIns="91425" spcFirstLastPara="1" rIns="91425" wrap="square" tIns="91425">
+          <a:bodyPr spcFirstLastPara="1" wrap="square" lIns="91425" tIns="91425" rIns="91425" bIns="91425" anchor="t" anchorCtr="0">
             <a:noAutofit/>
           </a:bodyPr>
           <a:lstStyle/>
           <a:p>
-            <a:pPr indent="0" lvl="0" marL="0" rtl="0" algn="l">
+            <a:pPr marL="0" lvl="0" indent="0" algn="l" rtl="0">
               <a:spcBef>
                 <a:spcPts val="0"/>
               </a:spcBef>
@@ -1090,9 +1128,6 @@
               </a:spcAft>
               <a:buNone/>
             </a:pPr>
-            <a:r>
-              <a:t/>
-            </a:r>
             <a:endParaRPr/>
           </a:p>
         </p:txBody>
@@ -1106,11 +1141,11 @@
 </file>
 
 <file path=ppt/notesSlides/notesSlide13.xml><?xml version="1.0" encoding="utf-8"?>
-<p:notes xmlns:a="http://schemas.openxmlformats.org/drawingml/2006/main" xmlns:r="http://schemas.openxmlformats.org/officeDocument/2006/relationships" xmlns:mc="http://schemas.openxmlformats.org/markup-compatibility/2006" xmlns:mv="urn:schemas-microsoft-com:mac:vml" xmlns:p="http://schemas.openxmlformats.org/presentationml/2006/main" xmlns:c="http://schemas.openxmlformats.org/drawingml/2006/chart" xmlns:dgm="http://schemas.openxmlformats.org/drawingml/2006/diagram" xmlns:o="urn:schemas-microsoft-com:office:office" xmlns:v="urn:schemas-microsoft-com:vml" xmlns:pvml="urn:schemas-microsoft-com:office:powerpoint" xmlns:com="http://schemas.openxmlformats.org/drawingml/2006/compatibility" xmlns:p14="http://schemas.microsoft.com/office/powerpoint/2010/main" xmlns:p15="http://schemas.microsoft.com/office/powerpoint/2012/main" showMasterPhAnim="0" showMasterSp="0">
+<p:notes xmlns:a="http://schemas.openxmlformats.org/drawingml/2006/main" xmlns:r="http://schemas.openxmlformats.org/officeDocument/2006/relationships" xmlns:p="http://schemas.openxmlformats.org/presentationml/2006/main" showMasterSp="0" showMasterPhAnim="0">
   <p:cSld>
     <p:spTree>
       <p:nvGrpSpPr>
-        <p:cNvPr id="137" name="Shape 137"/>
+        <p:cNvPr id="1" name="Shape 148"/>
         <p:cNvGrpSpPr/>
         <p:nvPr/>
       </p:nvGrpSpPr>
@@ -1124,10 +1159,12 @@
       </p:grpSpPr>
       <p:sp>
         <p:nvSpPr>
-          <p:cNvPr id="138" name="Google Shape;138;g6af830668e_0_57:notes"/>
-          <p:cNvSpPr/>
+          <p:cNvPr id="149" name="Google Shape;149;g6af830668e_0_81:notes"/>
+          <p:cNvSpPr>
+            <a:spLocks noGrp="1" noRot="1" noChangeAspect="1"/>
+          </p:cNvSpPr>
           <p:nvPr>
-            <p:ph idx="2" type="sldImg"/>
+            <p:ph type="sldImg" idx="2"/>
           </p:nvPr>
         </p:nvSpPr>
         <p:spPr>
@@ -1136,9 +1173,13 @@
             <a:ext cx="6096000" cy="3429000"/>
           </a:xfrm>
           <a:custGeom>
-            <a:rect b="b" l="l" r="r" t="t"/>
+            <a:avLst/>
+            <a:gdLst/>
+            <a:ahLst/>
+            <a:cxnLst/>
+            <a:rect l="l" t="t" r="r" b="b"/>
             <a:pathLst>
-              <a:path extrusionOk="0" h="120000" w="120000">
+              <a:path w="120000" h="120000" extrusionOk="0">
                 <a:moveTo>
                   <a:pt x="0" y="0"/>
                 </a:moveTo>
@@ -1159,10 +1200,12 @@
       </p:sp>
       <p:sp>
         <p:nvSpPr>
-          <p:cNvPr id="139" name="Google Shape;139;g6af830668e_0_57:notes"/>
-          <p:cNvSpPr txBox="1"/>
+          <p:cNvPr id="150" name="Google Shape;150;g6af830668e_0_81:notes"/>
+          <p:cNvSpPr txBox="1">
+            <a:spLocks noGrp="1"/>
+          </p:cNvSpPr>
           <p:nvPr>
-            <p:ph idx="1" type="body"/>
+            <p:ph type="body" idx="1"/>
           </p:nvPr>
         </p:nvSpPr>
         <p:spPr>
@@ -1175,12 +1218,12 @@
           </a:prstGeom>
         </p:spPr>
         <p:txBody>
-          <a:bodyPr anchorCtr="0" anchor="t" bIns="91425" lIns="91425" spcFirstLastPara="1" rIns="91425" wrap="square" tIns="91425">
+          <a:bodyPr spcFirstLastPara="1" wrap="square" lIns="91425" tIns="91425" rIns="91425" bIns="91425" anchor="t" anchorCtr="0">
             <a:noAutofit/>
           </a:bodyPr>
           <a:lstStyle/>
           <a:p>
-            <a:pPr indent="0" lvl="0" marL="0" rtl="0" algn="l">
+            <a:pPr marL="0" lvl="0" indent="0" algn="l" rtl="0">
               <a:spcBef>
                 <a:spcPts val="0"/>
               </a:spcBef>
@@ -1189,9 +1232,6 @@
               </a:spcAft>
               <a:buNone/>
             </a:pPr>
-            <a:r>
-              <a:t/>
-            </a:r>
             <a:endParaRPr/>
           </a:p>
         </p:txBody>
@@ -1205,11 +1245,11 @@
 </file>
 
 <file path=ppt/notesSlides/notesSlide14.xml><?xml version="1.0" encoding="utf-8"?>
-<p:notes xmlns:a="http://schemas.openxmlformats.org/drawingml/2006/main" xmlns:r="http://schemas.openxmlformats.org/officeDocument/2006/relationships" xmlns:mc="http://schemas.openxmlformats.org/markup-compatibility/2006" xmlns:mv="urn:schemas-microsoft-com:mac:vml" xmlns:p="http://schemas.openxmlformats.org/presentationml/2006/main" xmlns:c="http://schemas.openxmlformats.org/drawingml/2006/chart" xmlns:dgm="http://schemas.openxmlformats.org/drawingml/2006/diagram" xmlns:o="urn:schemas-microsoft-com:office:office" xmlns:v="urn:schemas-microsoft-com:vml" xmlns:pvml="urn:schemas-microsoft-com:office:powerpoint" xmlns:com="http://schemas.openxmlformats.org/drawingml/2006/compatibility" xmlns:p14="http://schemas.microsoft.com/office/powerpoint/2010/main" xmlns:p15="http://schemas.microsoft.com/office/powerpoint/2012/main" showMasterPhAnim="0" showMasterSp="0">
+<p:notes xmlns:a="http://schemas.openxmlformats.org/drawingml/2006/main" xmlns:r="http://schemas.openxmlformats.org/officeDocument/2006/relationships" xmlns:p="http://schemas.openxmlformats.org/presentationml/2006/main" showMasterSp="0" showMasterPhAnim="0">
   <p:cSld>
     <p:spTree>
       <p:nvGrpSpPr>
-        <p:cNvPr id="143" name="Shape 143"/>
+        <p:cNvPr id="1" name="Shape 154"/>
         <p:cNvGrpSpPr/>
         <p:nvPr/>
       </p:nvGrpSpPr>
@@ -1223,10 +1263,12 @@
       </p:grpSpPr>
       <p:sp>
         <p:nvSpPr>
-          <p:cNvPr id="144" name="Google Shape;144;g6af830668e_0_67:notes"/>
-          <p:cNvSpPr/>
+          <p:cNvPr id="155" name="Google Shape;155;g6af830668e_0_71:notes"/>
+          <p:cNvSpPr>
+            <a:spLocks noGrp="1" noRot="1" noChangeAspect="1"/>
+          </p:cNvSpPr>
           <p:nvPr>
-            <p:ph idx="2" type="sldImg"/>
+            <p:ph type="sldImg" idx="2"/>
           </p:nvPr>
         </p:nvSpPr>
         <p:spPr>
@@ -1235,9 +1277,13 @@
             <a:ext cx="6096000" cy="3429000"/>
           </a:xfrm>
           <a:custGeom>
-            <a:rect b="b" l="l" r="r" t="t"/>
+            <a:avLst/>
+            <a:gdLst/>
+            <a:ahLst/>
+            <a:cxnLst/>
+            <a:rect l="l" t="t" r="r" b="b"/>
             <a:pathLst>
-              <a:path extrusionOk="0" h="120000" w="120000">
+              <a:path w="120000" h="120000" extrusionOk="0">
                 <a:moveTo>
                   <a:pt x="0" y="0"/>
                 </a:moveTo>
@@ -1258,10 +1304,12 @@
       </p:sp>
       <p:sp>
         <p:nvSpPr>
-          <p:cNvPr id="145" name="Google Shape;145;g6af830668e_0_67:notes"/>
-          <p:cNvSpPr txBox="1"/>
+          <p:cNvPr id="156" name="Google Shape;156;g6af830668e_0_71:notes"/>
+          <p:cNvSpPr txBox="1">
+            <a:spLocks noGrp="1"/>
+          </p:cNvSpPr>
           <p:nvPr>
-            <p:ph idx="1" type="body"/>
+            <p:ph type="body" idx="1"/>
           </p:nvPr>
         </p:nvSpPr>
         <p:spPr>
@@ -1274,12 +1322,12 @@
           </a:prstGeom>
         </p:spPr>
         <p:txBody>
-          <a:bodyPr anchorCtr="0" anchor="t" bIns="91425" lIns="91425" spcFirstLastPara="1" rIns="91425" wrap="square" tIns="91425">
+          <a:bodyPr spcFirstLastPara="1" wrap="square" lIns="91425" tIns="91425" rIns="91425" bIns="91425" anchor="t" anchorCtr="0">
             <a:noAutofit/>
           </a:bodyPr>
           <a:lstStyle/>
           <a:p>
-            <a:pPr indent="0" lvl="0" marL="0" rtl="0" algn="l">
+            <a:pPr marL="0" lvl="0" indent="0" algn="l" rtl="0">
               <a:spcBef>
                 <a:spcPts val="0"/>
               </a:spcBef>
@@ -1288,9 +1336,6 @@
               </a:spcAft>
               <a:buNone/>
             </a:pPr>
-            <a:r>
-              <a:t/>
-            </a:r>
             <a:endParaRPr/>
           </a:p>
         </p:txBody>
@@ -1304,11 +1349,11 @@
 </file>
 
 <file path=ppt/notesSlides/notesSlide15.xml><?xml version="1.0" encoding="utf-8"?>
-<p:notes xmlns:a="http://schemas.openxmlformats.org/drawingml/2006/main" xmlns:r="http://schemas.openxmlformats.org/officeDocument/2006/relationships" xmlns:mc="http://schemas.openxmlformats.org/markup-compatibility/2006" xmlns:mv="urn:schemas-microsoft-com:mac:vml" xmlns:p="http://schemas.openxmlformats.org/presentationml/2006/main" xmlns:c="http://schemas.openxmlformats.org/drawingml/2006/chart" xmlns:dgm="http://schemas.openxmlformats.org/drawingml/2006/diagram" xmlns:o="urn:schemas-microsoft-com:office:office" xmlns:v="urn:schemas-microsoft-com:vml" xmlns:pvml="urn:schemas-microsoft-com:office:powerpoint" xmlns:com="http://schemas.openxmlformats.org/drawingml/2006/compatibility" xmlns:p14="http://schemas.microsoft.com/office/powerpoint/2010/main" xmlns:p15="http://schemas.microsoft.com/office/powerpoint/2012/main" showMasterPhAnim="0" showMasterSp="0">
+<p:notes xmlns:a="http://schemas.openxmlformats.org/drawingml/2006/main" xmlns:r="http://schemas.openxmlformats.org/officeDocument/2006/relationships" xmlns:p="http://schemas.openxmlformats.org/presentationml/2006/main" showMasterSp="0" showMasterPhAnim="0">
   <p:cSld>
     <p:spTree>
       <p:nvGrpSpPr>
-        <p:cNvPr id="148" name="Shape 148"/>
+        <p:cNvPr id="1" name="Shape 160"/>
         <p:cNvGrpSpPr/>
         <p:nvPr/>
       </p:nvGrpSpPr>
@@ -1322,10 +1367,12 @@
       </p:grpSpPr>
       <p:sp>
         <p:nvSpPr>
-          <p:cNvPr id="149" name="Google Shape;149;g6af830668e_0_81:notes"/>
-          <p:cNvSpPr/>
+          <p:cNvPr id="161" name="Google Shape;161;g6af830668e_0_74:notes"/>
+          <p:cNvSpPr>
+            <a:spLocks noGrp="1" noRot="1" noChangeAspect="1"/>
+          </p:cNvSpPr>
           <p:nvPr>
-            <p:ph idx="2" type="sldImg"/>
+            <p:ph type="sldImg" idx="2"/>
           </p:nvPr>
         </p:nvSpPr>
         <p:spPr>
@@ -1334,9 +1381,13 @@
             <a:ext cx="6096000" cy="3429000"/>
           </a:xfrm>
           <a:custGeom>
-            <a:rect b="b" l="l" r="r" t="t"/>
+            <a:avLst/>
+            <a:gdLst/>
+            <a:ahLst/>
+            <a:cxnLst/>
+            <a:rect l="l" t="t" r="r" b="b"/>
             <a:pathLst>
-              <a:path extrusionOk="0" h="120000" w="120000">
+              <a:path w="120000" h="120000" extrusionOk="0">
                 <a:moveTo>
                   <a:pt x="0" y="0"/>
                 </a:moveTo>
@@ -1357,10 +1408,12 @@
       </p:sp>
       <p:sp>
         <p:nvSpPr>
-          <p:cNvPr id="150" name="Google Shape;150;g6af830668e_0_81:notes"/>
-          <p:cNvSpPr txBox="1"/>
+          <p:cNvPr id="162" name="Google Shape;162;g6af830668e_0_74:notes"/>
+          <p:cNvSpPr txBox="1">
+            <a:spLocks noGrp="1"/>
+          </p:cNvSpPr>
           <p:nvPr>
-            <p:ph idx="1" type="body"/>
+            <p:ph type="body" idx="1"/>
           </p:nvPr>
         </p:nvSpPr>
         <p:spPr>
@@ -1373,12 +1426,12 @@
           </a:prstGeom>
         </p:spPr>
         <p:txBody>
-          <a:bodyPr anchorCtr="0" anchor="t" bIns="91425" lIns="91425" spcFirstLastPara="1" rIns="91425" wrap="square" tIns="91425">
+          <a:bodyPr spcFirstLastPara="1" wrap="square" lIns="91425" tIns="91425" rIns="91425" bIns="91425" anchor="t" anchorCtr="0">
             <a:noAutofit/>
           </a:bodyPr>
           <a:lstStyle/>
           <a:p>
-            <a:pPr indent="0" lvl="0" marL="0" rtl="0" algn="l">
+            <a:pPr marL="0" lvl="0" indent="0" algn="l" rtl="0">
               <a:spcBef>
                 <a:spcPts val="0"/>
               </a:spcBef>
@@ -1387,9 +1440,6 @@
               </a:spcAft>
               <a:buNone/>
             </a:pPr>
-            <a:r>
-              <a:t/>
-            </a:r>
             <a:endParaRPr/>
           </a:p>
         </p:txBody>
@@ -1403,11 +1453,11 @@
 </file>
 
 <file path=ppt/notesSlides/notesSlide16.xml><?xml version="1.0" encoding="utf-8"?>
-<p:notes xmlns:a="http://schemas.openxmlformats.org/drawingml/2006/main" xmlns:r="http://schemas.openxmlformats.org/officeDocument/2006/relationships" xmlns:mc="http://schemas.openxmlformats.org/markup-compatibility/2006" xmlns:mv="urn:schemas-microsoft-com:mac:vml" xmlns:p="http://schemas.openxmlformats.org/presentationml/2006/main" xmlns:c="http://schemas.openxmlformats.org/drawingml/2006/chart" xmlns:dgm="http://schemas.openxmlformats.org/drawingml/2006/diagram" xmlns:o="urn:schemas-microsoft-com:office:office" xmlns:v="urn:schemas-microsoft-com:vml" xmlns:pvml="urn:schemas-microsoft-com:office:powerpoint" xmlns:com="http://schemas.openxmlformats.org/drawingml/2006/compatibility" xmlns:p14="http://schemas.microsoft.com/office/powerpoint/2010/main" xmlns:p15="http://schemas.microsoft.com/office/powerpoint/2012/main" showMasterPhAnim="0" showMasterSp="0">
+<p:notes xmlns:a="http://schemas.openxmlformats.org/drawingml/2006/main" xmlns:r="http://schemas.openxmlformats.org/officeDocument/2006/relationships" xmlns:p="http://schemas.openxmlformats.org/presentationml/2006/main" showMasterSp="0" showMasterPhAnim="0">
   <p:cSld>
     <p:spTree>
       <p:nvGrpSpPr>
-        <p:cNvPr id="154" name="Shape 154"/>
+        <p:cNvPr id="1" name="Shape 167"/>
         <p:cNvGrpSpPr/>
         <p:nvPr/>
       </p:nvGrpSpPr>
@@ -1421,10 +1471,12 @@
       </p:grpSpPr>
       <p:sp>
         <p:nvSpPr>
-          <p:cNvPr id="155" name="Google Shape;155;g6af830668e_0_71:notes"/>
-          <p:cNvSpPr/>
+          <p:cNvPr id="168" name="Google Shape;168;g6af830668e_0_77:notes"/>
+          <p:cNvSpPr>
+            <a:spLocks noGrp="1" noRot="1" noChangeAspect="1"/>
+          </p:cNvSpPr>
           <p:nvPr>
-            <p:ph idx="2" type="sldImg"/>
+            <p:ph type="sldImg" idx="2"/>
           </p:nvPr>
         </p:nvSpPr>
         <p:spPr>
@@ -1433,9 +1485,13 @@
             <a:ext cx="6096000" cy="3429000"/>
           </a:xfrm>
           <a:custGeom>
-            <a:rect b="b" l="l" r="r" t="t"/>
+            <a:avLst/>
+            <a:gdLst/>
+            <a:ahLst/>
+            <a:cxnLst/>
+            <a:rect l="l" t="t" r="r" b="b"/>
             <a:pathLst>
-              <a:path extrusionOk="0" h="120000" w="120000">
+              <a:path w="120000" h="120000" extrusionOk="0">
                 <a:moveTo>
                   <a:pt x="0" y="0"/>
                 </a:moveTo>
@@ -1456,10 +1512,12 @@
       </p:sp>
       <p:sp>
         <p:nvSpPr>
-          <p:cNvPr id="156" name="Google Shape;156;g6af830668e_0_71:notes"/>
-          <p:cNvSpPr txBox="1"/>
+          <p:cNvPr id="169" name="Google Shape;169;g6af830668e_0_77:notes"/>
+          <p:cNvSpPr txBox="1">
+            <a:spLocks noGrp="1"/>
+          </p:cNvSpPr>
           <p:nvPr>
-            <p:ph idx="1" type="body"/>
+            <p:ph type="body" idx="1"/>
           </p:nvPr>
         </p:nvSpPr>
         <p:spPr>
@@ -1472,12 +1530,12 @@
           </a:prstGeom>
         </p:spPr>
         <p:txBody>
-          <a:bodyPr anchorCtr="0" anchor="t" bIns="91425" lIns="91425" spcFirstLastPara="1" rIns="91425" wrap="square" tIns="91425">
+          <a:bodyPr spcFirstLastPara="1" wrap="square" lIns="91425" tIns="91425" rIns="91425" bIns="91425" anchor="t" anchorCtr="0">
             <a:noAutofit/>
           </a:bodyPr>
           <a:lstStyle/>
           <a:p>
-            <a:pPr indent="0" lvl="0" marL="0" rtl="0" algn="l">
+            <a:pPr marL="0" lvl="0" indent="0" algn="l" rtl="0">
               <a:spcBef>
                 <a:spcPts val="0"/>
               </a:spcBef>
@@ -1486,9 +1544,6 @@
               </a:spcAft>
               <a:buNone/>
             </a:pPr>
-            <a:r>
-              <a:t/>
-            </a:r>
             <a:endParaRPr/>
           </a:p>
         </p:txBody>
@@ -1501,12 +1556,12 @@
 </p:notes>
 </file>
 
-<file path=ppt/notesSlides/notesSlide17.xml><?xml version="1.0" encoding="utf-8"?>
-<p:notes xmlns:a="http://schemas.openxmlformats.org/drawingml/2006/main" xmlns:r="http://schemas.openxmlformats.org/officeDocument/2006/relationships" xmlns:mc="http://schemas.openxmlformats.org/markup-compatibility/2006" xmlns:mv="urn:schemas-microsoft-com:mac:vml" xmlns:p="http://schemas.openxmlformats.org/presentationml/2006/main" xmlns:c="http://schemas.openxmlformats.org/drawingml/2006/chart" xmlns:dgm="http://schemas.openxmlformats.org/drawingml/2006/diagram" xmlns:o="urn:schemas-microsoft-com:office:office" xmlns:v="urn:schemas-microsoft-com:vml" xmlns:pvml="urn:schemas-microsoft-com:office:powerpoint" xmlns:com="http://schemas.openxmlformats.org/drawingml/2006/compatibility" xmlns:p14="http://schemas.microsoft.com/office/powerpoint/2010/main" xmlns:p15="http://schemas.microsoft.com/office/powerpoint/2012/main" showMasterPhAnim="0" showMasterSp="0">
+<file path=ppt/notesSlides/notesSlide2.xml><?xml version="1.0" encoding="utf-8"?>
+<p:notes xmlns:a="http://schemas.openxmlformats.org/drawingml/2006/main" xmlns:r="http://schemas.openxmlformats.org/officeDocument/2006/relationships" xmlns:p="http://schemas.openxmlformats.org/presentationml/2006/main" showMasterSp="0" showMasterPhAnim="0">
   <p:cSld>
     <p:spTree>
       <p:nvGrpSpPr>
-        <p:cNvPr id="160" name="Shape 160"/>
+        <p:cNvPr id="1" name="Shape 56"/>
         <p:cNvGrpSpPr/>
         <p:nvPr/>
       </p:nvGrpSpPr>
@@ -1520,10 +1575,12 @@
       </p:grpSpPr>
       <p:sp>
         <p:nvSpPr>
-          <p:cNvPr id="161" name="Google Shape;161;g6af830668e_0_74:notes"/>
-          <p:cNvSpPr/>
+          <p:cNvPr id="57" name="Google Shape;57;g6af830668e_0_0:notes"/>
+          <p:cNvSpPr>
+            <a:spLocks noGrp="1" noRot="1" noChangeAspect="1"/>
+          </p:cNvSpPr>
           <p:nvPr>
-            <p:ph idx="2" type="sldImg"/>
+            <p:ph type="sldImg" idx="2"/>
           </p:nvPr>
         </p:nvSpPr>
         <p:spPr>
@@ -1532,9 +1589,13 @@
             <a:ext cx="6096000" cy="3429000"/>
           </a:xfrm>
           <a:custGeom>
-            <a:rect b="b" l="l" r="r" t="t"/>
+            <a:avLst/>
+            <a:gdLst/>
+            <a:ahLst/>
+            <a:cxnLst/>
+            <a:rect l="l" t="t" r="r" b="b"/>
             <a:pathLst>
-              <a:path extrusionOk="0" h="120000" w="120000">
+              <a:path w="120000" h="120000" extrusionOk="0">
                 <a:moveTo>
                   <a:pt x="0" y="0"/>
                 </a:moveTo>
@@ -1555,10 +1616,12 @@
       </p:sp>
       <p:sp>
         <p:nvSpPr>
-          <p:cNvPr id="162" name="Google Shape;162;g6af830668e_0_74:notes"/>
-          <p:cNvSpPr txBox="1"/>
+          <p:cNvPr id="58" name="Google Shape;58;g6af830668e_0_0:notes"/>
+          <p:cNvSpPr txBox="1">
+            <a:spLocks noGrp="1"/>
+          </p:cNvSpPr>
           <p:nvPr>
-            <p:ph idx="1" type="body"/>
+            <p:ph type="body" idx="1"/>
           </p:nvPr>
         </p:nvSpPr>
         <p:spPr>
@@ -1571,12 +1634,12 @@
           </a:prstGeom>
         </p:spPr>
         <p:txBody>
-          <a:bodyPr anchorCtr="0" anchor="t" bIns="91425" lIns="91425" spcFirstLastPara="1" rIns="91425" wrap="square" tIns="91425">
+          <a:bodyPr spcFirstLastPara="1" wrap="square" lIns="91425" tIns="91425" rIns="91425" bIns="91425" anchor="t" anchorCtr="0">
             <a:noAutofit/>
           </a:bodyPr>
           <a:lstStyle/>
           <a:p>
-            <a:pPr indent="0" lvl="0" marL="0" rtl="0" algn="l">
+            <a:pPr marL="0" lvl="0" indent="0" algn="l" rtl="0">
               <a:spcBef>
                 <a:spcPts val="0"/>
               </a:spcBef>
@@ -1585,9 +1648,6 @@
               </a:spcAft>
               <a:buNone/>
             </a:pPr>
-            <a:r>
-              <a:t/>
-            </a:r>
             <a:endParaRPr/>
           </a:p>
         </p:txBody>
@@ -1600,12 +1660,12 @@
 </p:notes>
 </file>
 
-<file path=ppt/notesSlides/notesSlide18.xml><?xml version="1.0" encoding="utf-8"?>
-<p:notes xmlns:a="http://schemas.openxmlformats.org/drawingml/2006/main" xmlns:r="http://schemas.openxmlformats.org/officeDocument/2006/relationships" xmlns:mc="http://schemas.openxmlformats.org/markup-compatibility/2006" xmlns:mv="urn:schemas-microsoft-com:mac:vml" xmlns:p="http://schemas.openxmlformats.org/presentationml/2006/main" xmlns:c="http://schemas.openxmlformats.org/drawingml/2006/chart" xmlns:dgm="http://schemas.openxmlformats.org/drawingml/2006/diagram" xmlns:o="urn:schemas-microsoft-com:office:office" xmlns:v="urn:schemas-microsoft-com:vml" xmlns:pvml="urn:schemas-microsoft-com:office:powerpoint" xmlns:com="http://schemas.openxmlformats.org/drawingml/2006/compatibility" xmlns:p14="http://schemas.microsoft.com/office/powerpoint/2010/main" xmlns:p15="http://schemas.microsoft.com/office/powerpoint/2012/main" showMasterPhAnim="0" showMasterSp="0">
+<file path=ppt/notesSlides/notesSlide3.xml><?xml version="1.0" encoding="utf-8"?>
+<p:notes xmlns:a="http://schemas.openxmlformats.org/drawingml/2006/main" xmlns:r="http://schemas.openxmlformats.org/officeDocument/2006/relationships" xmlns:p="http://schemas.openxmlformats.org/presentationml/2006/main" showMasterSp="0" showMasterPhAnim="0">
   <p:cSld>
     <p:spTree>
       <p:nvGrpSpPr>
-        <p:cNvPr id="167" name="Shape 167"/>
+        <p:cNvPr id="1" name="Shape 61"/>
         <p:cNvGrpSpPr/>
         <p:nvPr/>
       </p:nvGrpSpPr>
@@ -1619,10 +1679,12 @@
       </p:grpSpPr>
       <p:sp>
         <p:nvSpPr>
-          <p:cNvPr id="168" name="Google Shape;168;g6af830668e_0_77:notes"/>
-          <p:cNvSpPr/>
+          <p:cNvPr id="62" name="Google Shape;62;g6af830668e_0_100:notes"/>
+          <p:cNvSpPr>
+            <a:spLocks noGrp="1" noRot="1" noChangeAspect="1"/>
+          </p:cNvSpPr>
           <p:nvPr>
-            <p:ph idx="2" type="sldImg"/>
+            <p:ph type="sldImg" idx="2"/>
           </p:nvPr>
         </p:nvSpPr>
         <p:spPr>
@@ -1631,9 +1693,13 @@
             <a:ext cx="6096000" cy="3429000"/>
           </a:xfrm>
           <a:custGeom>
-            <a:rect b="b" l="l" r="r" t="t"/>
+            <a:avLst/>
+            <a:gdLst/>
+            <a:ahLst/>
+            <a:cxnLst/>
+            <a:rect l="l" t="t" r="r" b="b"/>
             <a:pathLst>
-              <a:path extrusionOk="0" h="120000" w="120000">
+              <a:path w="120000" h="120000" extrusionOk="0">
                 <a:moveTo>
                   <a:pt x="0" y="0"/>
                 </a:moveTo>
@@ -1654,10 +1720,12 @@
       </p:sp>
       <p:sp>
         <p:nvSpPr>
-          <p:cNvPr id="169" name="Google Shape;169;g6af830668e_0_77:notes"/>
-          <p:cNvSpPr txBox="1"/>
+          <p:cNvPr id="63" name="Google Shape;63;g6af830668e_0_100:notes"/>
+          <p:cNvSpPr txBox="1">
+            <a:spLocks noGrp="1"/>
+          </p:cNvSpPr>
           <p:nvPr>
-            <p:ph idx="1" type="body"/>
+            <p:ph type="body" idx="1"/>
           </p:nvPr>
         </p:nvSpPr>
         <p:spPr>
@@ -1670,12 +1738,12 @@
           </a:prstGeom>
         </p:spPr>
         <p:txBody>
-          <a:bodyPr anchorCtr="0" anchor="t" bIns="91425" lIns="91425" spcFirstLastPara="1" rIns="91425" wrap="square" tIns="91425">
+          <a:bodyPr spcFirstLastPara="1" wrap="square" lIns="91425" tIns="91425" rIns="91425" bIns="91425" anchor="t" anchorCtr="0">
             <a:noAutofit/>
           </a:bodyPr>
           <a:lstStyle/>
           <a:p>
-            <a:pPr indent="0" lvl="0" marL="0" rtl="0" algn="l">
+            <a:pPr marL="0" lvl="0" indent="0" algn="l" rtl="0">
               <a:spcBef>
                 <a:spcPts val="0"/>
               </a:spcBef>
@@ -1684,9 +1752,6 @@
               </a:spcAft>
               <a:buNone/>
             </a:pPr>
-            <a:r>
-              <a:t/>
-            </a:r>
             <a:endParaRPr/>
           </a:p>
         </p:txBody>
@@ -1699,12 +1764,12 @@
 </p:notes>
 </file>
 
-<file path=ppt/notesSlides/notesSlide2.xml><?xml version="1.0" encoding="utf-8"?>
-<p:notes xmlns:a="http://schemas.openxmlformats.org/drawingml/2006/main" xmlns:r="http://schemas.openxmlformats.org/officeDocument/2006/relationships" xmlns:mc="http://schemas.openxmlformats.org/markup-compatibility/2006" xmlns:mv="urn:schemas-microsoft-com:mac:vml" xmlns:p="http://schemas.openxmlformats.org/presentationml/2006/main" xmlns:c="http://schemas.openxmlformats.org/drawingml/2006/chart" xmlns:dgm="http://schemas.openxmlformats.org/drawingml/2006/diagram" xmlns:o="urn:schemas-microsoft-com:office:office" xmlns:v="urn:schemas-microsoft-com:vml" xmlns:pvml="urn:schemas-microsoft-com:office:powerpoint" xmlns:com="http://schemas.openxmlformats.org/drawingml/2006/compatibility" xmlns:p14="http://schemas.microsoft.com/office/powerpoint/2010/main" xmlns:p15="http://schemas.microsoft.com/office/powerpoint/2012/main" showMasterPhAnim="0" showMasterSp="0">
+<file path=ppt/notesSlides/notesSlide4.xml><?xml version="1.0" encoding="utf-8"?>
+<p:notes xmlns:a="http://schemas.openxmlformats.org/drawingml/2006/main" xmlns:r="http://schemas.openxmlformats.org/officeDocument/2006/relationships" xmlns:p="http://schemas.openxmlformats.org/presentationml/2006/main" showMasterSp="0" showMasterPhAnim="0">
   <p:cSld>
     <p:spTree>
       <p:nvGrpSpPr>
-        <p:cNvPr id="56" name="Shape 56"/>
+        <p:cNvPr id="1" name="Shape 66"/>
         <p:cNvGrpSpPr/>
         <p:nvPr/>
       </p:nvGrpSpPr>
@@ -1718,10 +1783,12 @@
       </p:grpSpPr>
       <p:sp>
         <p:nvSpPr>
-          <p:cNvPr id="57" name="Google Shape;57;g6af830668e_0_0:notes"/>
-          <p:cNvSpPr/>
+          <p:cNvPr id="67" name="Google Shape;67;g6af830668e_0_139:notes"/>
+          <p:cNvSpPr>
+            <a:spLocks noGrp="1" noRot="1" noChangeAspect="1"/>
+          </p:cNvSpPr>
           <p:nvPr>
-            <p:ph idx="2" type="sldImg"/>
+            <p:ph type="sldImg" idx="2"/>
           </p:nvPr>
         </p:nvSpPr>
         <p:spPr>
@@ -1730,9 +1797,13 @@
             <a:ext cx="6096000" cy="3429000"/>
           </a:xfrm>
           <a:custGeom>
-            <a:rect b="b" l="l" r="r" t="t"/>
+            <a:avLst/>
+            <a:gdLst/>
+            <a:ahLst/>
+            <a:cxnLst/>
+            <a:rect l="l" t="t" r="r" b="b"/>
             <a:pathLst>
-              <a:path extrusionOk="0" h="120000" w="120000">
+              <a:path w="120000" h="120000" extrusionOk="0">
                 <a:moveTo>
                   <a:pt x="0" y="0"/>
                 </a:moveTo>
@@ -1753,10 +1824,12 @@
       </p:sp>
       <p:sp>
         <p:nvSpPr>
-          <p:cNvPr id="58" name="Google Shape;58;g6af830668e_0_0:notes"/>
-          <p:cNvSpPr txBox="1"/>
+          <p:cNvPr id="68" name="Google Shape;68;g6af830668e_0_139:notes"/>
+          <p:cNvSpPr txBox="1">
+            <a:spLocks noGrp="1"/>
+          </p:cNvSpPr>
           <p:nvPr>
-            <p:ph idx="1" type="body"/>
+            <p:ph type="body" idx="1"/>
           </p:nvPr>
         </p:nvSpPr>
         <p:spPr>
@@ -1769,210 +1842,12 @@
           </a:prstGeom>
         </p:spPr>
         <p:txBody>
-          <a:bodyPr anchorCtr="0" anchor="t" bIns="91425" lIns="91425" spcFirstLastPara="1" rIns="91425" wrap="square" tIns="91425">
+          <a:bodyPr spcFirstLastPara="1" wrap="square" lIns="91425" tIns="91425" rIns="91425" bIns="91425" anchor="t" anchorCtr="0">
             <a:noAutofit/>
           </a:bodyPr>
           <a:lstStyle/>
           <a:p>
-            <a:pPr indent="0" lvl="0" marL="0" rtl="0" algn="l">
-              <a:spcBef>
-                <a:spcPts val="0"/>
-              </a:spcBef>
-              <a:spcAft>
-                <a:spcPts val="0"/>
-              </a:spcAft>
-              <a:buNone/>
-            </a:pPr>
-            <a:r>
-              <a:t/>
-            </a:r>
-            <a:endParaRPr/>
-          </a:p>
-        </p:txBody>
-      </p:sp>
-    </p:spTree>
-  </p:cSld>
-  <p:clrMapOvr>
-    <a:masterClrMapping/>
-  </p:clrMapOvr>
-</p:notes>
-</file>
-
-<file path=ppt/notesSlides/notesSlide3.xml><?xml version="1.0" encoding="utf-8"?>
-<p:notes xmlns:a="http://schemas.openxmlformats.org/drawingml/2006/main" xmlns:r="http://schemas.openxmlformats.org/officeDocument/2006/relationships" xmlns:mc="http://schemas.openxmlformats.org/markup-compatibility/2006" xmlns:mv="urn:schemas-microsoft-com:mac:vml" xmlns:p="http://schemas.openxmlformats.org/presentationml/2006/main" xmlns:c="http://schemas.openxmlformats.org/drawingml/2006/chart" xmlns:dgm="http://schemas.openxmlformats.org/drawingml/2006/diagram" xmlns:o="urn:schemas-microsoft-com:office:office" xmlns:v="urn:schemas-microsoft-com:vml" xmlns:pvml="urn:schemas-microsoft-com:office:powerpoint" xmlns:com="http://schemas.openxmlformats.org/drawingml/2006/compatibility" xmlns:p14="http://schemas.microsoft.com/office/powerpoint/2010/main" xmlns:p15="http://schemas.microsoft.com/office/powerpoint/2012/main" showMasterPhAnim="0" showMasterSp="0">
-  <p:cSld>
-    <p:spTree>
-      <p:nvGrpSpPr>
-        <p:cNvPr id="61" name="Shape 61"/>
-        <p:cNvGrpSpPr/>
-        <p:nvPr/>
-      </p:nvGrpSpPr>
-      <p:grpSpPr>
-        <a:xfrm>
-          <a:off x="0" y="0"/>
-          <a:ext cx="0" cy="0"/>
-          <a:chOff x="0" y="0"/>
-          <a:chExt cx="0" cy="0"/>
-        </a:xfrm>
-      </p:grpSpPr>
-      <p:sp>
-        <p:nvSpPr>
-          <p:cNvPr id="62" name="Google Shape;62;g6af830668e_0_100:notes"/>
-          <p:cNvSpPr/>
-          <p:nvPr>
-            <p:ph idx="2" type="sldImg"/>
-          </p:nvPr>
-        </p:nvSpPr>
-        <p:spPr>
-          <a:xfrm>
-            <a:off x="381300" y="685800"/>
-            <a:ext cx="6096000" cy="3429000"/>
-          </a:xfrm>
-          <a:custGeom>
-            <a:rect b="b" l="l" r="r" t="t"/>
-            <a:pathLst>
-              <a:path extrusionOk="0" h="120000" w="120000">
-                <a:moveTo>
-                  <a:pt x="0" y="0"/>
-                </a:moveTo>
-                <a:lnTo>
-                  <a:pt x="120000" y="0"/>
-                </a:lnTo>
-                <a:lnTo>
-                  <a:pt x="120000" y="120000"/>
-                </a:lnTo>
-                <a:lnTo>
-                  <a:pt x="0" y="120000"/>
-                </a:lnTo>
-                <a:close/>
-              </a:path>
-            </a:pathLst>
-          </a:custGeom>
-        </p:spPr>
-      </p:sp>
-      <p:sp>
-        <p:nvSpPr>
-          <p:cNvPr id="63" name="Google Shape;63;g6af830668e_0_100:notes"/>
-          <p:cNvSpPr txBox="1"/>
-          <p:nvPr>
-            <p:ph idx="1" type="body"/>
-          </p:nvPr>
-        </p:nvSpPr>
-        <p:spPr>
-          <a:xfrm>
-            <a:off x="685800" y="4343400"/>
-            <a:ext cx="5486400" cy="4114800"/>
-          </a:xfrm>
-          <a:prstGeom prst="rect">
-            <a:avLst/>
-          </a:prstGeom>
-        </p:spPr>
-        <p:txBody>
-          <a:bodyPr anchorCtr="0" anchor="t" bIns="91425" lIns="91425" spcFirstLastPara="1" rIns="91425" wrap="square" tIns="91425">
-            <a:noAutofit/>
-          </a:bodyPr>
-          <a:lstStyle/>
-          <a:p>
-            <a:pPr indent="0" lvl="0" marL="0" rtl="0" algn="l">
-              <a:spcBef>
-                <a:spcPts val="0"/>
-              </a:spcBef>
-              <a:spcAft>
-                <a:spcPts val="0"/>
-              </a:spcAft>
-              <a:buNone/>
-            </a:pPr>
-            <a:r>
-              <a:t/>
-            </a:r>
-            <a:endParaRPr/>
-          </a:p>
-        </p:txBody>
-      </p:sp>
-    </p:spTree>
-  </p:cSld>
-  <p:clrMapOvr>
-    <a:masterClrMapping/>
-  </p:clrMapOvr>
-</p:notes>
-</file>
-
-<file path=ppt/notesSlides/notesSlide4.xml><?xml version="1.0" encoding="utf-8"?>
-<p:notes xmlns:a="http://schemas.openxmlformats.org/drawingml/2006/main" xmlns:r="http://schemas.openxmlformats.org/officeDocument/2006/relationships" xmlns:mc="http://schemas.openxmlformats.org/markup-compatibility/2006" xmlns:mv="urn:schemas-microsoft-com:mac:vml" xmlns:p="http://schemas.openxmlformats.org/presentationml/2006/main" xmlns:c="http://schemas.openxmlformats.org/drawingml/2006/chart" xmlns:dgm="http://schemas.openxmlformats.org/drawingml/2006/diagram" xmlns:o="urn:schemas-microsoft-com:office:office" xmlns:v="urn:schemas-microsoft-com:vml" xmlns:pvml="urn:schemas-microsoft-com:office:powerpoint" xmlns:com="http://schemas.openxmlformats.org/drawingml/2006/compatibility" xmlns:p14="http://schemas.microsoft.com/office/powerpoint/2010/main" xmlns:p15="http://schemas.microsoft.com/office/powerpoint/2012/main" showMasterPhAnim="0" showMasterSp="0">
-  <p:cSld>
-    <p:spTree>
-      <p:nvGrpSpPr>
-        <p:cNvPr id="66" name="Shape 66"/>
-        <p:cNvGrpSpPr/>
-        <p:nvPr/>
-      </p:nvGrpSpPr>
-      <p:grpSpPr>
-        <a:xfrm>
-          <a:off x="0" y="0"/>
-          <a:ext cx="0" cy="0"/>
-          <a:chOff x="0" y="0"/>
-          <a:chExt cx="0" cy="0"/>
-        </a:xfrm>
-      </p:grpSpPr>
-      <p:sp>
-        <p:nvSpPr>
-          <p:cNvPr id="67" name="Google Shape;67;g6af830668e_0_139:notes"/>
-          <p:cNvSpPr/>
-          <p:nvPr>
-            <p:ph idx="2" type="sldImg"/>
-          </p:nvPr>
-        </p:nvSpPr>
-        <p:spPr>
-          <a:xfrm>
-            <a:off x="381300" y="685800"/>
-            <a:ext cx="6096000" cy="3429000"/>
-          </a:xfrm>
-          <a:custGeom>
-            <a:rect b="b" l="l" r="r" t="t"/>
-            <a:pathLst>
-              <a:path extrusionOk="0" h="120000" w="120000">
-                <a:moveTo>
-                  <a:pt x="0" y="0"/>
-                </a:moveTo>
-                <a:lnTo>
-                  <a:pt x="120000" y="0"/>
-                </a:lnTo>
-                <a:lnTo>
-                  <a:pt x="120000" y="120000"/>
-                </a:lnTo>
-                <a:lnTo>
-                  <a:pt x="0" y="120000"/>
-                </a:lnTo>
-                <a:close/>
-              </a:path>
-            </a:pathLst>
-          </a:custGeom>
-        </p:spPr>
-      </p:sp>
-      <p:sp>
-        <p:nvSpPr>
-          <p:cNvPr id="68" name="Google Shape;68;g6af830668e_0_139:notes"/>
-          <p:cNvSpPr txBox="1"/>
-          <p:nvPr>
-            <p:ph idx="1" type="body"/>
-          </p:nvPr>
-        </p:nvSpPr>
-        <p:spPr>
-          <a:xfrm>
-            <a:off x="685800" y="4343400"/>
-            <a:ext cx="5486400" cy="4114800"/>
-          </a:xfrm>
-          <a:prstGeom prst="rect">
-            <a:avLst/>
-          </a:prstGeom>
-        </p:spPr>
-        <p:txBody>
-          <a:bodyPr anchorCtr="0" anchor="t" bIns="91425" lIns="91425" spcFirstLastPara="1" rIns="91425" wrap="square" tIns="91425">
-            <a:noAutofit/>
-          </a:bodyPr>
-          <a:lstStyle/>
-          <a:p>
-            <a:pPr indent="0" lvl="0" marL="0" rtl="0" algn="l">
+            <a:pPr marL="0" lvl="0" indent="0" algn="l" rtl="0">
               <a:spcBef>
                 <a:spcPts val="0"/>
               </a:spcBef>
@@ -1998,11 +1873,11 @@
 </file>
 
 <file path=ppt/notesSlides/notesSlide5.xml><?xml version="1.0" encoding="utf-8"?>
-<p:notes xmlns:a="http://schemas.openxmlformats.org/drawingml/2006/main" xmlns:r="http://schemas.openxmlformats.org/officeDocument/2006/relationships" xmlns:mc="http://schemas.openxmlformats.org/markup-compatibility/2006" xmlns:mv="urn:schemas-microsoft-com:mac:vml" xmlns:p="http://schemas.openxmlformats.org/presentationml/2006/main" xmlns:c="http://schemas.openxmlformats.org/drawingml/2006/chart" xmlns:dgm="http://schemas.openxmlformats.org/drawingml/2006/diagram" xmlns:o="urn:schemas-microsoft-com:office:office" xmlns:v="urn:schemas-microsoft-com:vml" xmlns:pvml="urn:schemas-microsoft-com:office:powerpoint" xmlns:com="http://schemas.openxmlformats.org/drawingml/2006/compatibility" xmlns:p14="http://schemas.microsoft.com/office/powerpoint/2010/main" xmlns:p15="http://schemas.microsoft.com/office/powerpoint/2012/main" showMasterPhAnim="0" showMasterSp="0">
+<p:notes xmlns:a="http://schemas.openxmlformats.org/drawingml/2006/main" xmlns:r="http://schemas.openxmlformats.org/officeDocument/2006/relationships" xmlns:p="http://schemas.openxmlformats.org/presentationml/2006/main" showMasterSp="0" showMasterPhAnim="0">
   <p:cSld>
     <p:spTree>
       <p:nvGrpSpPr>
-        <p:cNvPr id="74" name="Shape 74"/>
+        <p:cNvPr id="1" name="Shape 74"/>
         <p:cNvGrpSpPr/>
         <p:nvPr/>
       </p:nvGrpSpPr>
@@ -2017,9 +1892,11 @@
       <p:sp>
         <p:nvSpPr>
           <p:cNvPr id="75" name="Google Shape;75;g6af830668e_0_6:notes"/>
-          <p:cNvSpPr/>
+          <p:cNvSpPr>
+            <a:spLocks noGrp="1" noRot="1" noChangeAspect="1"/>
+          </p:cNvSpPr>
           <p:nvPr>
-            <p:ph idx="2" type="sldImg"/>
+            <p:ph type="sldImg" idx="2"/>
           </p:nvPr>
         </p:nvSpPr>
         <p:spPr>
@@ -2028,9 +1905,13 @@
             <a:ext cx="6096000" cy="3429000"/>
           </a:xfrm>
           <a:custGeom>
-            <a:rect b="b" l="l" r="r" t="t"/>
+            <a:avLst/>
+            <a:gdLst/>
+            <a:ahLst/>
+            <a:cxnLst/>
+            <a:rect l="l" t="t" r="r" b="b"/>
             <a:pathLst>
-              <a:path extrusionOk="0" h="120000" w="120000">
+              <a:path w="120000" h="120000" extrusionOk="0">
                 <a:moveTo>
                   <a:pt x="0" y="0"/>
                 </a:moveTo>
@@ -2052,9 +1933,11 @@
       <p:sp>
         <p:nvSpPr>
           <p:cNvPr id="76" name="Google Shape;76;g6af830668e_0_6:notes"/>
-          <p:cNvSpPr txBox="1"/>
+          <p:cNvSpPr txBox="1">
+            <a:spLocks noGrp="1"/>
+          </p:cNvSpPr>
           <p:nvPr>
-            <p:ph idx="1" type="body"/>
+            <p:ph type="body" idx="1"/>
           </p:nvPr>
         </p:nvSpPr>
         <p:spPr>
@@ -2067,12 +1950,12 @@
           </a:prstGeom>
         </p:spPr>
         <p:txBody>
-          <a:bodyPr anchorCtr="0" anchor="t" bIns="91425" lIns="91425" spcFirstLastPara="1" rIns="91425" wrap="square" tIns="91425">
+          <a:bodyPr spcFirstLastPara="1" wrap="square" lIns="91425" tIns="91425" rIns="91425" bIns="91425" anchor="t" anchorCtr="0">
             <a:noAutofit/>
           </a:bodyPr>
           <a:lstStyle/>
           <a:p>
-            <a:pPr indent="0" lvl="0" marL="0" rtl="0" algn="l">
+            <a:pPr marL="0" lvl="0" indent="0" algn="l" rtl="0">
               <a:spcBef>
                 <a:spcPts val="0"/>
               </a:spcBef>
@@ -2088,7 +1971,7 @@
             <a:endParaRPr/>
           </a:p>
           <a:p>
-            <a:pPr indent="0" lvl="0" marL="0" rtl="0" algn="l">
+            <a:pPr marL="0" lvl="0" indent="0" algn="l" rtl="0">
               <a:spcBef>
                 <a:spcPts val="0"/>
               </a:spcBef>
@@ -2104,7 +1987,7 @@
             <a:endParaRPr/>
           </a:p>
           <a:p>
-            <a:pPr indent="0" lvl="0" marL="0" rtl="0" algn="l">
+            <a:pPr marL="0" lvl="0" indent="0" algn="l" rtl="0">
               <a:spcBef>
                 <a:spcPts val="0"/>
               </a:spcBef>
@@ -2120,7 +2003,7 @@
             <a:endParaRPr/>
           </a:p>
           <a:p>
-            <a:pPr indent="0" lvl="0" marL="0" rtl="0" algn="l">
+            <a:pPr marL="0" lvl="0" indent="0" algn="l" rtl="0">
               <a:spcBef>
                 <a:spcPts val="0"/>
               </a:spcBef>
@@ -2146,11 +2029,11 @@
 </file>
 
 <file path=ppt/notesSlides/notesSlide6.xml><?xml version="1.0" encoding="utf-8"?>
-<p:notes xmlns:a="http://schemas.openxmlformats.org/drawingml/2006/main" xmlns:r="http://schemas.openxmlformats.org/officeDocument/2006/relationships" xmlns:mc="http://schemas.openxmlformats.org/markup-compatibility/2006" xmlns:mv="urn:schemas-microsoft-com:mac:vml" xmlns:p="http://schemas.openxmlformats.org/presentationml/2006/main" xmlns:c="http://schemas.openxmlformats.org/drawingml/2006/chart" xmlns:dgm="http://schemas.openxmlformats.org/drawingml/2006/diagram" xmlns:o="urn:schemas-microsoft-com:office:office" xmlns:v="urn:schemas-microsoft-com:vml" xmlns:pvml="urn:schemas-microsoft-com:office:powerpoint" xmlns:com="http://schemas.openxmlformats.org/drawingml/2006/compatibility" xmlns:p14="http://schemas.microsoft.com/office/powerpoint/2010/main" xmlns:p15="http://schemas.microsoft.com/office/powerpoint/2012/main" showMasterPhAnim="0" showMasterSp="0">
+<p:notes xmlns:a="http://schemas.openxmlformats.org/drawingml/2006/main" xmlns:r="http://schemas.openxmlformats.org/officeDocument/2006/relationships" xmlns:p="http://schemas.openxmlformats.org/presentationml/2006/main" showMasterSp="0" showMasterPhAnim="0">
   <p:cSld>
     <p:spTree>
       <p:nvGrpSpPr>
-        <p:cNvPr id="84" name="Shape 84"/>
+        <p:cNvPr id="1" name="Shape 84"/>
         <p:cNvGrpSpPr/>
         <p:nvPr/>
       </p:nvGrpSpPr>
@@ -2165,9 +2048,11 @@
       <p:sp>
         <p:nvSpPr>
           <p:cNvPr id="85" name="Google Shape;85;g6af830668e_0_11:notes"/>
-          <p:cNvSpPr/>
+          <p:cNvSpPr>
+            <a:spLocks noGrp="1" noRot="1" noChangeAspect="1"/>
+          </p:cNvSpPr>
           <p:nvPr>
-            <p:ph idx="2" type="sldImg"/>
+            <p:ph type="sldImg" idx="2"/>
           </p:nvPr>
         </p:nvSpPr>
         <p:spPr>
@@ -2176,9 +2061,13 @@
             <a:ext cx="6096000" cy="3429000"/>
           </a:xfrm>
           <a:custGeom>
-            <a:rect b="b" l="l" r="r" t="t"/>
+            <a:avLst/>
+            <a:gdLst/>
+            <a:ahLst/>
+            <a:cxnLst/>
+            <a:rect l="l" t="t" r="r" b="b"/>
             <a:pathLst>
-              <a:path extrusionOk="0" h="120000" w="120000">
+              <a:path w="120000" h="120000" extrusionOk="0">
                 <a:moveTo>
                   <a:pt x="0" y="0"/>
                 </a:moveTo>
@@ -2200,9 +2089,11 @@
       <p:sp>
         <p:nvSpPr>
           <p:cNvPr id="86" name="Google Shape;86;g6af830668e_0_11:notes"/>
-          <p:cNvSpPr txBox="1"/>
+          <p:cNvSpPr txBox="1">
+            <a:spLocks noGrp="1"/>
+          </p:cNvSpPr>
           <p:nvPr>
-            <p:ph idx="1" type="body"/>
+            <p:ph type="body" idx="1"/>
           </p:nvPr>
         </p:nvSpPr>
         <p:spPr>
@@ -2215,12 +2106,12 @@
           </a:prstGeom>
         </p:spPr>
         <p:txBody>
-          <a:bodyPr anchorCtr="0" anchor="t" bIns="91425" lIns="91425" spcFirstLastPara="1" rIns="91425" wrap="square" tIns="91425">
+          <a:bodyPr spcFirstLastPara="1" wrap="square" lIns="91425" tIns="91425" rIns="91425" bIns="91425" anchor="t" anchorCtr="0">
             <a:noAutofit/>
           </a:bodyPr>
           <a:lstStyle/>
           <a:p>
-            <a:pPr indent="0" lvl="0" marL="0" rtl="0" algn="l">
+            <a:pPr marL="0" lvl="0" indent="0" algn="l" rtl="0">
               <a:spcBef>
                 <a:spcPts val="0"/>
               </a:spcBef>
@@ -2229,9 +2120,6 @@
               </a:spcAft>
               <a:buNone/>
             </a:pPr>
-            <a:r>
-              <a:t/>
-            </a:r>
             <a:endParaRPr/>
           </a:p>
         </p:txBody>
@@ -2245,11 +2133,11 @@
 </file>
 
 <file path=ppt/notesSlides/notesSlide7.xml><?xml version="1.0" encoding="utf-8"?>
-<p:notes xmlns:a="http://schemas.openxmlformats.org/drawingml/2006/main" xmlns:r="http://schemas.openxmlformats.org/officeDocument/2006/relationships" xmlns:mc="http://schemas.openxmlformats.org/markup-compatibility/2006" xmlns:mv="urn:schemas-microsoft-com:mac:vml" xmlns:p="http://schemas.openxmlformats.org/presentationml/2006/main" xmlns:c="http://schemas.openxmlformats.org/drawingml/2006/chart" xmlns:dgm="http://schemas.openxmlformats.org/drawingml/2006/diagram" xmlns:o="urn:schemas-microsoft-com:office:office" xmlns:v="urn:schemas-microsoft-com:vml" xmlns:pvml="urn:schemas-microsoft-com:office:powerpoint" xmlns:com="http://schemas.openxmlformats.org/drawingml/2006/compatibility" xmlns:p14="http://schemas.microsoft.com/office/powerpoint/2010/main" xmlns:p15="http://schemas.microsoft.com/office/powerpoint/2012/main" showMasterPhAnim="0" showMasterSp="0">
+<p:notes xmlns:a="http://schemas.openxmlformats.org/drawingml/2006/main" xmlns:r="http://schemas.openxmlformats.org/officeDocument/2006/relationships" xmlns:p="http://schemas.openxmlformats.org/presentationml/2006/main" showMasterSp="0" showMasterPhAnim="0">
   <p:cSld>
     <p:spTree>
       <p:nvGrpSpPr>
-        <p:cNvPr id="92" name="Shape 92"/>
+        <p:cNvPr id="1" name="Shape 92"/>
         <p:cNvGrpSpPr/>
         <p:nvPr/>
       </p:nvGrpSpPr>
@@ -2264,9 +2152,11 @@
       <p:sp>
         <p:nvSpPr>
           <p:cNvPr id="93" name="Google Shape;93;g6af830668e_0_16:notes"/>
-          <p:cNvSpPr/>
+          <p:cNvSpPr>
+            <a:spLocks noGrp="1" noRot="1" noChangeAspect="1"/>
+          </p:cNvSpPr>
           <p:nvPr>
-            <p:ph idx="2" type="sldImg"/>
+            <p:ph type="sldImg" idx="2"/>
           </p:nvPr>
         </p:nvSpPr>
         <p:spPr>
@@ -2275,9 +2165,13 @@
             <a:ext cx="6096000" cy="3429000"/>
           </a:xfrm>
           <a:custGeom>
-            <a:rect b="b" l="l" r="r" t="t"/>
+            <a:avLst/>
+            <a:gdLst/>
+            <a:ahLst/>
+            <a:cxnLst/>
+            <a:rect l="l" t="t" r="r" b="b"/>
             <a:pathLst>
-              <a:path extrusionOk="0" h="120000" w="120000">
+              <a:path w="120000" h="120000" extrusionOk="0">
                 <a:moveTo>
                   <a:pt x="0" y="0"/>
                 </a:moveTo>
@@ -2299,9 +2193,11 @@
       <p:sp>
         <p:nvSpPr>
           <p:cNvPr id="94" name="Google Shape;94;g6af830668e_0_16:notes"/>
-          <p:cNvSpPr txBox="1"/>
+          <p:cNvSpPr txBox="1">
+            <a:spLocks noGrp="1"/>
+          </p:cNvSpPr>
           <p:nvPr>
-            <p:ph idx="1" type="body"/>
+            <p:ph type="body" idx="1"/>
           </p:nvPr>
         </p:nvSpPr>
         <p:spPr>
@@ -2314,12 +2210,12 @@
           </a:prstGeom>
         </p:spPr>
         <p:txBody>
-          <a:bodyPr anchorCtr="0" anchor="t" bIns="91425" lIns="91425" spcFirstLastPara="1" rIns="91425" wrap="square" tIns="91425">
+          <a:bodyPr spcFirstLastPara="1" wrap="square" lIns="91425" tIns="91425" rIns="91425" bIns="91425" anchor="t" anchorCtr="0">
             <a:noAutofit/>
           </a:bodyPr>
           <a:lstStyle/>
           <a:p>
-            <a:pPr indent="0" lvl="0" marL="0" rtl="0" algn="l">
+            <a:pPr marL="0" lvl="0" indent="0" algn="l" rtl="0">
               <a:spcBef>
                 <a:spcPts val="0"/>
               </a:spcBef>
@@ -2328,9 +2224,6 @@
               </a:spcAft>
               <a:buNone/>
             </a:pPr>
-            <a:r>
-              <a:t/>
-            </a:r>
             <a:endParaRPr/>
           </a:p>
         </p:txBody>
@@ -2344,11 +2237,11 @@
 </file>
 
 <file path=ppt/notesSlides/notesSlide8.xml><?xml version="1.0" encoding="utf-8"?>
-<p:notes xmlns:a="http://schemas.openxmlformats.org/drawingml/2006/main" xmlns:r="http://schemas.openxmlformats.org/officeDocument/2006/relationships" xmlns:mc="http://schemas.openxmlformats.org/markup-compatibility/2006" xmlns:mv="urn:schemas-microsoft-com:mac:vml" xmlns:p="http://schemas.openxmlformats.org/presentationml/2006/main" xmlns:c="http://schemas.openxmlformats.org/drawingml/2006/chart" xmlns:dgm="http://schemas.openxmlformats.org/drawingml/2006/diagram" xmlns:o="urn:schemas-microsoft-com:office:office" xmlns:v="urn:schemas-microsoft-com:vml" xmlns:pvml="urn:schemas-microsoft-com:office:powerpoint" xmlns:com="http://schemas.openxmlformats.org/drawingml/2006/compatibility" xmlns:p14="http://schemas.microsoft.com/office/powerpoint/2010/main" xmlns:p15="http://schemas.microsoft.com/office/powerpoint/2012/main" showMasterPhAnim="0" showMasterSp="0">
+<p:notes xmlns:a="http://schemas.openxmlformats.org/drawingml/2006/main" xmlns:r="http://schemas.openxmlformats.org/officeDocument/2006/relationships" xmlns:p="http://schemas.openxmlformats.org/presentationml/2006/main" showMasterSp="0" showMasterPhAnim="0">
   <p:cSld>
     <p:spTree>
       <p:nvGrpSpPr>
-        <p:cNvPr id="97" name="Shape 97"/>
+        <p:cNvPr id="1" name="Shape 97"/>
         <p:cNvGrpSpPr/>
         <p:nvPr/>
       </p:nvGrpSpPr>
@@ -2363,9 +2256,11 @@
       <p:sp>
         <p:nvSpPr>
           <p:cNvPr id="98" name="Google Shape;98;g6af830668e_0_22:notes"/>
-          <p:cNvSpPr/>
+          <p:cNvSpPr>
+            <a:spLocks noGrp="1" noRot="1" noChangeAspect="1"/>
+          </p:cNvSpPr>
           <p:nvPr>
-            <p:ph idx="2" type="sldImg"/>
+            <p:ph type="sldImg" idx="2"/>
           </p:nvPr>
         </p:nvSpPr>
         <p:spPr>
@@ -2374,9 +2269,13 @@
             <a:ext cx="6096000" cy="3429000"/>
           </a:xfrm>
           <a:custGeom>
-            <a:rect b="b" l="l" r="r" t="t"/>
+            <a:avLst/>
+            <a:gdLst/>
+            <a:ahLst/>
+            <a:cxnLst/>
+            <a:rect l="l" t="t" r="r" b="b"/>
             <a:pathLst>
-              <a:path extrusionOk="0" h="120000" w="120000">
+              <a:path w="120000" h="120000" extrusionOk="0">
                 <a:moveTo>
                   <a:pt x="0" y="0"/>
                 </a:moveTo>
@@ -2398,9 +2297,11 @@
       <p:sp>
         <p:nvSpPr>
           <p:cNvPr id="99" name="Google Shape;99;g6af830668e_0_22:notes"/>
-          <p:cNvSpPr txBox="1"/>
+          <p:cNvSpPr txBox="1">
+            <a:spLocks noGrp="1"/>
+          </p:cNvSpPr>
           <p:nvPr>
-            <p:ph idx="1" type="body"/>
+            <p:ph type="body" idx="1"/>
           </p:nvPr>
         </p:nvSpPr>
         <p:spPr>
@@ -2413,12 +2314,12 @@
           </a:prstGeom>
         </p:spPr>
         <p:txBody>
-          <a:bodyPr anchorCtr="0" anchor="t" bIns="91425" lIns="91425" spcFirstLastPara="1" rIns="91425" wrap="square" tIns="91425">
+          <a:bodyPr spcFirstLastPara="1" wrap="square" lIns="91425" tIns="91425" rIns="91425" bIns="91425" anchor="t" anchorCtr="0">
             <a:noAutofit/>
           </a:bodyPr>
           <a:lstStyle/>
           <a:p>
-            <a:pPr indent="0" lvl="0" marL="0" rtl="0" algn="l">
+            <a:pPr marL="0" lvl="0" indent="0" algn="l" rtl="0">
               <a:spcBef>
                 <a:spcPts val="0"/>
               </a:spcBef>
@@ -2434,7 +2335,7 @@
             <a:endParaRPr/>
           </a:p>
           <a:p>
-            <a:pPr indent="0" lvl="0" marL="0" rtl="0" algn="l">
+            <a:pPr marL="0" lvl="0" indent="0" algn="l" rtl="0">
               <a:spcBef>
                 <a:spcPts val="0"/>
               </a:spcBef>
@@ -2450,7 +2351,7 @@
             <a:endParaRPr/>
           </a:p>
           <a:p>
-            <a:pPr indent="0" lvl="0" marL="0" rtl="0" algn="l">
+            <a:pPr marL="0" lvl="0" indent="0" algn="l" rtl="0">
               <a:spcBef>
                 <a:spcPts val="0"/>
               </a:spcBef>
@@ -2466,7 +2367,7 @@
             <a:endParaRPr/>
           </a:p>
           <a:p>
-            <a:pPr indent="0" lvl="0" marL="0" rtl="0" algn="l">
+            <a:pPr marL="0" lvl="0" indent="0" algn="l" rtl="0">
               <a:spcBef>
                 <a:spcPts val="0"/>
               </a:spcBef>
@@ -2492,11 +2393,11 @@
 </file>
 
 <file path=ppt/notesSlides/notesSlide9.xml><?xml version="1.0" encoding="utf-8"?>
-<p:notes xmlns:a="http://schemas.openxmlformats.org/drawingml/2006/main" xmlns:r="http://schemas.openxmlformats.org/officeDocument/2006/relationships" xmlns:mc="http://schemas.openxmlformats.org/markup-compatibility/2006" xmlns:mv="urn:schemas-microsoft-com:mac:vml" xmlns:p="http://schemas.openxmlformats.org/presentationml/2006/main" xmlns:c="http://schemas.openxmlformats.org/drawingml/2006/chart" xmlns:dgm="http://schemas.openxmlformats.org/drawingml/2006/diagram" xmlns:o="urn:schemas-microsoft-com:office:office" xmlns:v="urn:schemas-microsoft-com:vml" xmlns:pvml="urn:schemas-microsoft-com:office:powerpoint" xmlns:com="http://schemas.openxmlformats.org/drawingml/2006/compatibility" xmlns:p14="http://schemas.microsoft.com/office/powerpoint/2010/main" xmlns:p15="http://schemas.microsoft.com/office/powerpoint/2012/main" showMasterPhAnim="0" showMasterSp="0">
+<p:notes xmlns:a="http://schemas.openxmlformats.org/drawingml/2006/main" xmlns:r="http://schemas.openxmlformats.org/officeDocument/2006/relationships" xmlns:p="http://schemas.openxmlformats.org/presentationml/2006/main" showMasterSp="0" showMasterPhAnim="0">
   <p:cSld>
     <p:spTree>
       <p:nvGrpSpPr>
-        <p:cNvPr id="107" name="Shape 107"/>
+        <p:cNvPr id="1" name="Shape 107"/>
         <p:cNvGrpSpPr/>
         <p:nvPr/>
       </p:nvGrpSpPr>
@@ -2511,9 +2412,11 @@
       <p:sp>
         <p:nvSpPr>
           <p:cNvPr id="108" name="Google Shape;108;g6af830668e_0_27:notes"/>
-          <p:cNvSpPr/>
+          <p:cNvSpPr>
+            <a:spLocks noGrp="1" noRot="1" noChangeAspect="1"/>
+          </p:cNvSpPr>
           <p:nvPr>
-            <p:ph idx="2" type="sldImg"/>
+            <p:ph type="sldImg" idx="2"/>
           </p:nvPr>
         </p:nvSpPr>
         <p:spPr>
@@ -2522,9 +2425,13 @@
             <a:ext cx="6096000" cy="3429000"/>
           </a:xfrm>
           <a:custGeom>
-            <a:rect b="b" l="l" r="r" t="t"/>
+            <a:avLst/>
+            <a:gdLst/>
+            <a:ahLst/>
+            <a:cxnLst/>
+            <a:rect l="l" t="t" r="r" b="b"/>
             <a:pathLst>
-              <a:path extrusionOk="0" h="120000" w="120000">
+              <a:path w="120000" h="120000" extrusionOk="0">
                 <a:moveTo>
                   <a:pt x="0" y="0"/>
                 </a:moveTo>
@@ -2546,9 +2453,11 @@
       <p:sp>
         <p:nvSpPr>
           <p:cNvPr id="109" name="Google Shape;109;g6af830668e_0_27:notes"/>
-          <p:cNvSpPr txBox="1"/>
+          <p:cNvSpPr txBox="1">
+            <a:spLocks noGrp="1"/>
+          </p:cNvSpPr>
           <p:nvPr>
-            <p:ph idx="1" type="body"/>
+            <p:ph type="body" idx="1"/>
           </p:nvPr>
         </p:nvSpPr>
         <p:spPr>
@@ -2561,12 +2470,12 @@
           </a:prstGeom>
         </p:spPr>
         <p:txBody>
-          <a:bodyPr anchorCtr="0" anchor="t" bIns="91425" lIns="91425" spcFirstLastPara="1" rIns="91425" wrap="square" tIns="91425">
+          <a:bodyPr spcFirstLastPara="1" wrap="square" lIns="91425" tIns="91425" rIns="91425" bIns="91425" anchor="t" anchorCtr="0">
             <a:noAutofit/>
           </a:bodyPr>
           <a:lstStyle/>
           <a:p>
-            <a:pPr indent="0" lvl="0" marL="0" rtl="0" algn="l">
+            <a:pPr marL="0" lvl="0" indent="0" algn="l" rtl="0">
               <a:spcBef>
                 <a:spcPts val="0"/>
               </a:spcBef>
@@ -2575,9 +2484,6 @@
               </a:spcAft>
               <a:buNone/>
             </a:pPr>
-            <a:r>
-              <a:t/>
-            </a:r>
             <a:endParaRPr/>
           </a:p>
         </p:txBody>
@@ -2591,11 +2497,11 @@
 </file>
 
 <file path=ppt/slideLayouts/slideLayout1.xml><?xml version="1.0" encoding="utf-8"?>
-<p:sldLayout xmlns:a="http://schemas.openxmlformats.org/drawingml/2006/main" xmlns:r="http://schemas.openxmlformats.org/officeDocument/2006/relationships" xmlns:mc="http://schemas.openxmlformats.org/markup-compatibility/2006" xmlns:mv="urn:schemas-microsoft-com:mac:vml" xmlns:p="http://schemas.openxmlformats.org/presentationml/2006/main" xmlns:c="http://schemas.openxmlformats.org/drawingml/2006/chart" xmlns:dgm="http://schemas.openxmlformats.org/drawingml/2006/diagram" xmlns:o="urn:schemas-microsoft-com:office:office" xmlns:v="urn:schemas-microsoft-com:vml" xmlns:pvml="urn:schemas-microsoft-com:office:powerpoint" xmlns:com="http://schemas.openxmlformats.org/drawingml/2006/compatibility" xmlns:p14="http://schemas.microsoft.com/office/powerpoint/2010/main" xmlns:p15="http://schemas.microsoft.com/office/powerpoint/2012/main" matchingName="Title slide" type="title">
+<p:sldLayout xmlns:a="http://schemas.openxmlformats.org/drawingml/2006/main" xmlns:r="http://schemas.openxmlformats.org/officeDocument/2006/relationships" xmlns:p="http://schemas.openxmlformats.org/presentationml/2006/main" matchingName="Title slide" type="title">
   <p:cSld name="TITLE">
     <p:spTree>
       <p:nvGrpSpPr>
-        <p:cNvPr id="9" name="Shape 9"/>
+        <p:cNvPr id="1" name="Shape 9"/>
         <p:cNvGrpSpPr/>
         <p:nvPr/>
       </p:nvGrpSpPr>
@@ -2610,7 +2516,9 @@
       <p:sp>
         <p:nvSpPr>
           <p:cNvPr id="10" name="Google Shape;10;p2"/>
-          <p:cNvSpPr txBox="1"/>
+          <p:cNvSpPr txBox="1">
+            <a:spLocks noGrp="1"/>
+          </p:cNvSpPr>
           <p:nvPr>
             <p:ph type="ctrTitle"/>
           </p:nvPr>
@@ -2625,7 +2533,7 @@
           </a:prstGeom>
         </p:spPr>
         <p:txBody>
-          <a:bodyPr anchorCtr="0" anchor="b" bIns="91425" lIns="91425" spcFirstLastPara="1" rIns="91425" wrap="square" tIns="91425">
+          <a:bodyPr spcFirstLastPara="1" wrap="square" lIns="91425" tIns="91425" rIns="91425" bIns="91425" anchor="b" anchorCtr="0">
             <a:noAutofit/>
           </a:bodyPr>
           <a:lstStyle>
@@ -2729,15 +2637,19 @@
               <a:defRPr sz="5200"/>
             </a:lvl9pPr>
           </a:lstStyle>
-          <a:p/>
+          <a:p>
+            <a:endParaRPr/>
+          </a:p>
         </p:txBody>
       </p:sp>
       <p:sp>
         <p:nvSpPr>
           <p:cNvPr id="11" name="Google Shape;11;p2"/>
-          <p:cNvSpPr txBox="1"/>
+          <p:cNvSpPr txBox="1">
+            <a:spLocks noGrp="1"/>
+          </p:cNvSpPr>
           <p:nvPr>
-            <p:ph idx="1" type="subTitle"/>
+            <p:ph type="subTitle" idx="1"/>
           </p:nvPr>
         </p:nvSpPr>
         <p:spPr>
@@ -2750,7 +2662,7 @@
           </a:prstGeom>
         </p:spPr>
         <p:txBody>
-          <a:bodyPr anchorCtr="0" anchor="t" bIns="91425" lIns="91425" spcFirstLastPara="1" rIns="91425" wrap="square" tIns="91425">
+          <a:bodyPr spcFirstLastPara="1" wrap="square" lIns="91425" tIns="91425" rIns="91425" bIns="91425" anchor="t" anchorCtr="0">
             <a:noAutofit/>
           </a:bodyPr>
           <a:lstStyle>
@@ -2881,15 +2793,19 @@
               <a:defRPr sz="2800"/>
             </a:lvl9pPr>
           </a:lstStyle>
-          <a:p/>
+          <a:p>
+            <a:endParaRPr/>
+          </a:p>
         </p:txBody>
       </p:sp>
       <p:sp>
         <p:nvSpPr>
           <p:cNvPr id="12" name="Google Shape;12;p2"/>
-          <p:cNvSpPr txBox="1"/>
+          <p:cNvSpPr txBox="1">
+            <a:spLocks noGrp="1"/>
+          </p:cNvSpPr>
           <p:nvPr>
-            <p:ph idx="12" type="sldNum"/>
+            <p:ph type="sldNum" idx="12"/>
           </p:nvPr>
         </p:nvSpPr>
         <p:spPr>
@@ -2902,7 +2818,7 @@
           </a:prstGeom>
         </p:spPr>
         <p:txBody>
-          <a:bodyPr anchorCtr="0" anchor="ctr" bIns="91425" lIns="91425" spcFirstLastPara="1" rIns="91425" wrap="square" tIns="91425">
+          <a:bodyPr spcFirstLastPara="1" wrap="square" lIns="91425" tIns="91425" rIns="91425" bIns="91425" anchor="ctr" anchorCtr="0">
             <a:noAutofit/>
           </a:bodyPr>
           <a:lstStyle>
@@ -2944,7 +2860,7 @@
             </a:lvl9pPr>
           </a:lstStyle>
           <a:p>
-            <a:pPr indent="0" lvl="0" marL="0" rtl="0" algn="r">
+            <a:pPr marL="0" lvl="0" indent="0" algn="r" rtl="0">
               <a:spcBef>
                 <a:spcPts val="0"/>
               </a:spcBef>
@@ -2970,11 +2886,11 @@
 </file>
 
 <file path=ppt/slideLayouts/slideLayout10.xml><?xml version="1.0" encoding="utf-8"?>
-<p:sldLayout xmlns:a="http://schemas.openxmlformats.org/drawingml/2006/main" xmlns:r="http://schemas.openxmlformats.org/officeDocument/2006/relationships" xmlns:mc="http://schemas.openxmlformats.org/markup-compatibility/2006" xmlns:mv="urn:schemas-microsoft-com:mac:vml" xmlns:p="http://schemas.openxmlformats.org/presentationml/2006/main" xmlns:c="http://schemas.openxmlformats.org/drawingml/2006/chart" xmlns:dgm="http://schemas.openxmlformats.org/drawingml/2006/diagram" xmlns:o="urn:schemas-microsoft-com:office:office" xmlns:v="urn:schemas-microsoft-com:vml" xmlns:pvml="urn:schemas-microsoft-com:office:powerpoint" xmlns:com="http://schemas.openxmlformats.org/drawingml/2006/compatibility" xmlns:p14="http://schemas.microsoft.com/office/powerpoint/2010/main" xmlns:p15="http://schemas.microsoft.com/office/powerpoint/2012/main" matchingName="Big number">
+<p:sldLayout xmlns:a="http://schemas.openxmlformats.org/drawingml/2006/main" xmlns:r="http://schemas.openxmlformats.org/officeDocument/2006/relationships" xmlns:p="http://schemas.openxmlformats.org/presentationml/2006/main" matchingName="Big number">
   <p:cSld name="BIG_NUMBER">
     <p:spTree>
       <p:nvGrpSpPr>
-        <p:cNvPr id="44" name="Shape 44"/>
+        <p:cNvPr id="1" name="Shape 44"/>
         <p:cNvGrpSpPr/>
         <p:nvPr/>
       </p:nvGrpSpPr>
@@ -2989,9 +2905,11 @@
       <p:sp>
         <p:nvSpPr>
           <p:cNvPr id="45" name="Google Shape;45;p11"/>
-          <p:cNvSpPr txBox="1"/>
+          <p:cNvSpPr txBox="1">
+            <a:spLocks noGrp="1"/>
+          </p:cNvSpPr>
           <p:nvPr>
-            <p:ph hasCustomPrompt="1" type="title"/>
+            <p:ph type="title" hasCustomPrompt="1"/>
           </p:nvPr>
         </p:nvSpPr>
         <p:spPr>
@@ -3004,7 +2922,7 @@
           </a:prstGeom>
         </p:spPr>
         <p:txBody>
-          <a:bodyPr anchorCtr="0" anchor="b" bIns="91425" lIns="91425" spcFirstLastPara="1" rIns="91425" wrap="square" tIns="91425">
+          <a:bodyPr spcFirstLastPara="1" wrap="square" lIns="91425" tIns="91425" rIns="91425" bIns="91425" anchor="b" anchorCtr="0">
             <a:noAutofit/>
           </a:bodyPr>
           <a:lstStyle>
@@ -3118,9 +3036,11 @@
       <p:sp>
         <p:nvSpPr>
           <p:cNvPr id="46" name="Google Shape;46;p11"/>
-          <p:cNvSpPr txBox="1"/>
+          <p:cNvSpPr txBox="1">
+            <a:spLocks noGrp="1"/>
+          </p:cNvSpPr>
           <p:nvPr>
-            <p:ph idx="1" type="body"/>
+            <p:ph type="body" idx="1"/>
           </p:nvPr>
         </p:nvSpPr>
         <p:spPr>
@@ -3133,11 +3053,11 @@
           </a:prstGeom>
         </p:spPr>
         <p:txBody>
-          <a:bodyPr anchorCtr="0" anchor="t" bIns="91425" lIns="91425" spcFirstLastPara="1" rIns="91425" wrap="square" tIns="91425">
+          <a:bodyPr spcFirstLastPara="1" wrap="square" lIns="91425" tIns="91425" rIns="91425" bIns="91425" anchor="t" anchorCtr="0">
             <a:noAutofit/>
           </a:bodyPr>
           <a:lstStyle>
-            <a:lvl1pPr indent="-342900" lvl="0" marL="457200" algn="ctr">
+            <a:lvl1pPr marL="457200" lvl="0" indent="-342900" algn="ctr">
               <a:spcBef>
                 <a:spcPts val="0"/>
               </a:spcBef>
@@ -3148,7 +3068,7 @@
               <a:buChar char="●"/>
               <a:defRPr/>
             </a:lvl1pPr>
-            <a:lvl2pPr indent="-317500" lvl="1" marL="914400" algn="ctr">
+            <a:lvl2pPr marL="914400" lvl="1" indent="-317500" algn="ctr">
               <a:spcBef>
                 <a:spcPts val="1600"/>
               </a:spcBef>
@@ -3159,7 +3079,7 @@
               <a:buChar char="○"/>
               <a:defRPr/>
             </a:lvl2pPr>
-            <a:lvl3pPr indent="-317500" lvl="2" marL="1371600" algn="ctr">
+            <a:lvl3pPr marL="1371600" lvl="2" indent="-317500" algn="ctr">
               <a:spcBef>
                 <a:spcPts val="1600"/>
               </a:spcBef>
@@ -3170,7 +3090,7 @@
               <a:buChar char="■"/>
               <a:defRPr/>
             </a:lvl3pPr>
-            <a:lvl4pPr indent="-317500" lvl="3" marL="1828800" algn="ctr">
+            <a:lvl4pPr marL="1828800" lvl="3" indent="-317500" algn="ctr">
               <a:spcBef>
                 <a:spcPts val="1600"/>
               </a:spcBef>
@@ -3181,7 +3101,7 @@
               <a:buChar char="●"/>
               <a:defRPr/>
             </a:lvl4pPr>
-            <a:lvl5pPr indent="-317500" lvl="4" marL="2286000" algn="ctr">
+            <a:lvl5pPr marL="2286000" lvl="4" indent="-317500" algn="ctr">
               <a:spcBef>
                 <a:spcPts val="1600"/>
               </a:spcBef>
@@ -3192,7 +3112,7 @@
               <a:buChar char="○"/>
               <a:defRPr/>
             </a:lvl5pPr>
-            <a:lvl6pPr indent="-317500" lvl="5" marL="2743200" algn="ctr">
+            <a:lvl6pPr marL="2743200" lvl="5" indent="-317500" algn="ctr">
               <a:spcBef>
                 <a:spcPts val="1600"/>
               </a:spcBef>
@@ -3203,7 +3123,7 @@
               <a:buChar char="■"/>
               <a:defRPr/>
             </a:lvl6pPr>
-            <a:lvl7pPr indent="-317500" lvl="6" marL="3200400" algn="ctr">
+            <a:lvl7pPr marL="3200400" lvl="6" indent="-317500" algn="ctr">
               <a:spcBef>
                 <a:spcPts val="1600"/>
               </a:spcBef>
@@ -3214,7 +3134,7 @@
               <a:buChar char="●"/>
               <a:defRPr/>
             </a:lvl7pPr>
-            <a:lvl8pPr indent="-317500" lvl="7" marL="3657600" algn="ctr">
+            <a:lvl8pPr marL="3657600" lvl="7" indent="-317500" algn="ctr">
               <a:spcBef>
                 <a:spcPts val="1600"/>
               </a:spcBef>
@@ -3225,7 +3145,7 @@
               <a:buChar char="○"/>
               <a:defRPr/>
             </a:lvl8pPr>
-            <a:lvl9pPr indent="-317500" lvl="8" marL="4114800" algn="ctr">
+            <a:lvl9pPr marL="4114800" lvl="8" indent="-317500" algn="ctr">
               <a:spcBef>
                 <a:spcPts val="1600"/>
               </a:spcBef>
@@ -3237,15 +3157,19 @@
               <a:defRPr/>
             </a:lvl9pPr>
           </a:lstStyle>
-          <a:p/>
+          <a:p>
+            <a:endParaRPr/>
+          </a:p>
         </p:txBody>
       </p:sp>
       <p:sp>
         <p:nvSpPr>
           <p:cNvPr id="47" name="Google Shape;47;p11"/>
-          <p:cNvSpPr txBox="1"/>
+          <p:cNvSpPr txBox="1">
+            <a:spLocks noGrp="1"/>
+          </p:cNvSpPr>
           <p:nvPr>
-            <p:ph idx="12" type="sldNum"/>
+            <p:ph type="sldNum" idx="12"/>
           </p:nvPr>
         </p:nvSpPr>
         <p:spPr>
@@ -3258,7 +3182,7 @@
           </a:prstGeom>
         </p:spPr>
         <p:txBody>
-          <a:bodyPr anchorCtr="0" anchor="ctr" bIns="91425" lIns="91425" spcFirstLastPara="1" rIns="91425" wrap="square" tIns="91425">
+          <a:bodyPr spcFirstLastPara="1" wrap="square" lIns="91425" tIns="91425" rIns="91425" bIns="91425" anchor="ctr" anchorCtr="0">
             <a:noAutofit/>
           </a:bodyPr>
           <a:lstStyle>
@@ -3300,7 +3224,7 @@
             </a:lvl9pPr>
           </a:lstStyle>
           <a:p>
-            <a:pPr indent="0" lvl="0" marL="0" rtl="0" algn="r">
+            <a:pPr marL="0" lvl="0" indent="0" algn="r" rtl="0">
               <a:spcBef>
                 <a:spcPts val="0"/>
               </a:spcBef>
@@ -3326,11 +3250,11 @@
 </file>
 
 <file path=ppt/slideLayouts/slideLayout11.xml><?xml version="1.0" encoding="utf-8"?>
-<p:sldLayout xmlns:a="http://schemas.openxmlformats.org/drawingml/2006/main" xmlns:r="http://schemas.openxmlformats.org/officeDocument/2006/relationships" xmlns:mc="http://schemas.openxmlformats.org/markup-compatibility/2006" xmlns:mv="urn:schemas-microsoft-com:mac:vml" xmlns:p="http://schemas.openxmlformats.org/presentationml/2006/main" xmlns:c="http://schemas.openxmlformats.org/drawingml/2006/chart" xmlns:dgm="http://schemas.openxmlformats.org/drawingml/2006/diagram" xmlns:o="urn:schemas-microsoft-com:office:office" xmlns:v="urn:schemas-microsoft-com:vml" xmlns:pvml="urn:schemas-microsoft-com:office:powerpoint" xmlns:com="http://schemas.openxmlformats.org/drawingml/2006/compatibility" xmlns:p14="http://schemas.microsoft.com/office/powerpoint/2010/main" xmlns:p15="http://schemas.microsoft.com/office/powerpoint/2012/main" matchingName="Blank" type="blank">
+<p:sldLayout xmlns:a="http://schemas.openxmlformats.org/drawingml/2006/main" xmlns:r="http://schemas.openxmlformats.org/officeDocument/2006/relationships" xmlns:p="http://schemas.openxmlformats.org/presentationml/2006/main" matchingName="Blank" type="blank">
   <p:cSld name="BLANK">
     <p:spTree>
       <p:nvGrpSpPr>
-        <p:cNvPr id="48" name="Shape 48"/>
+        <p:cNvPr id="1" name="Shape 48"/>
         <p:cNvGrpSpPr/>
         <p:nvPr/>
       </p:nvGrpSpPr>
@@ -3345,9 +3269,11 @@
       <p:sp>
         <p:nvSpPr>
           <p:cNvPr id="49" name="Google Shape;49;p12"/>
-          <p:cNvSpPr txBox="1"/>
+          <p:cNvSpPr txBox="1">
+            <a:spLocks noGrp="1"/>
+          </p:cNvSpPr>
           <p:nvPr>
-            <p:ph idx="12" type="sldNum"/>
+            <p:ph type="sldNum" idx="12"/>
           </p:nvPr>
         </p:nvSpPr>
         <p:spPr>
@@ -3360,7 +3286,7 @@
           </a:prstGeom>
         </p:spPr>
         <p:txBody>
-          <a:bodyPr anchorCtr="0" anchor="ctr" bIns="91425" lIns="91425" spcFirstLastPara="1" rIns="91425" wrap="square" tIns="91425">
+          <a:bodyPr spcFirstLastPara="1" wrap="square" lIns="91425" tIns="91425" rIns="91425" bIns="91425" anchor="ctr" anchorCtr="0">
             <a:noAutofit/>
           </a:bodyPr>
           <a:lstStyle>
@@ -3402,7 +3328,7 @@
             </a:lvl9pPr>
           </a:lstStyle>
           <a:p>
-            <a:pPr indent="0" lvl="0" marL="0" rtl="0" algn="r">
+            <a:pPr marL="0" lvl="0" indent="0" algn="r" rtl="0">
               <a:spcBef>
                 <a:spcPts val="0"/>
               </a:spcBef>
@@ -3428,11 +3354,11 @@
 </file>
 
 <file path=ppt/slideLayouts/slideLayout2.xml><?xml version="1.0" encoding="utf-8"?>
-<p:sldLayout xmlns:a="http://schemas.openxmlformats.org/drawingml/2006/main" xmlns:r="http://schemas.openxmlformats.org/officeDocument/2006/relationships" xmlns:mc="http://schemas.openxmlformats.org/markup-compatibility/2006" xmlns:mv="urn:schemas-microsoft-com:mac:vml" xmlns:p="http://schemas.openxmlformats.org/presentationml/2006/main" xmlns:c="http://schemas.openxmlformats.org/drawingml/2006/chart" xmlns:dgm="http://schemas.openxmlformats.org/drawingml/2006/diagram" xmlns:o="urn:schemas-microsoft-com:office:office" xmlns:v="urn:schemas-microsoft-com:vml" xmlns:pvml="urn:schemas-microsoft-com:office:powerpoint" xmlns:com="http://schemas.openxmlformats.org/drawingml/2006/compatibility" xmlns:p14="http://schemas.microsoft.com/office/powerpoint/2010/main" xmlns:p15="http://schemas.microsoft.com/office/powerpoint/2012/main" matchingName="Section header" type="secHead">
+<p:sldLayout xmlns:a="http://schemas.openxmlformats.org/drawingml/2006/main" xmlns:r="http://schemas.openxmlformats.org/officeDocument/2006/relationships" xmlns:p="http://schemas.openxmlformats.org/presentationml/2006/main" matchingName="Section header" type="secHead">
   <p:cSld name="SECTION_HEADER">
     <p:spTree>
       <p:nvGrpSpPr>
-        <p:cNvPr id="13" name="Shape 13"/>
+        <p:cNvPr id="1" name="Shape 13"/>
         <p:cNvGrpSpPr/>
         <p:nvPr/>
       </p:nvGrpSpPr>
@@ -3447,7 +3373,9 @@
       <p:sp>
         <p:nvSpPr>
           <p:cNvPr id="14" name="Google Shape;14;p3"/>
-          <p:cNvSpPr txBox="1"/>
+          <p:cNvSpPr txBox="1">
+            <a:spLocks noGrp="1"/>
+          </p:cNvSpPr>
           <p:nvPr>
             <p:ph type="title"/>
           </p:nvPr>
@@ -3462,7 +3390,7 @@
           </a:prstGeom>
         </p:spPr>
         <p:txBody>
-          <a:bodyPr anchorCtr="0" anchor="ctr" bIns="91425" lIns="91425" spcFirstLastPara="1" rIns="91425" wrap="square" tIns="91425">
+          <a:bodyPr spcFirstLastPara="1" wrap="square" lIns="91425" tIns="91425" rIns="91425" bIns="91425" anchor="ctr" anchorCtr="0">
             <a:noAutofit/>
           </a:bodyPr>
           <a:lstStyle>
@@ -3566,15 +3494,19 @@
               <a:defRPr sz="3600"/>
             </a:lvl9pPr>
           </a:lstStyle>
-          <a:p/>
+          <a:p>
+            <a:endParaRPr/>
+          </a:p>
         </p:txBody>
       </p:sp>
       <p:sp>
         <p:nvSpPr>
           <p:cNvPr id="15" name="Google Shape;15;p3"/>
-          <p:cNvSpPr txBox="1"/>
+          <p:cNvSpPr txBox="1">
+            <a:spLocks noGrp="1"/>
+          </p:cNvSpPr>
           <p:nvPr>
-            <p:ph idx="12" type="sldNum"/>
+            <p:ph type="sldNum" idx="12"/>
           </p:nvPr>
         </p:nvSpPr>
         <p:spPr>
@@ -3587,7 +3519,7 @@
           </a:prstGeom>
         </p:spPr>
         <p:txBody>
-          <a:bodyPr anchorCtr="0" anchor="ctr" bIns="91425" lIns="91425" spcFirstLastPara="1" rIns="91425" wrap="square" tIns="91425">
+          <a:bodyPr spcFirstLastPara="1" wrap="square" lIns="91425" tIns="91425" rIns="91425" bIns="91425" anchor="ctr" anchorCtr="0">
             <a:noAutofit/>
           </a:bodyPr>
           <a:lstStyle>
@@ -3629,7 +3561,7 @@
             </a:lvl9pPr>
           </a:lstStyle>
           <a:p>
-            <a:pPr indent="0" lvl="0" marL="0" rtl="0" algn="r">
+            <a:pPr marL="0" lvl="0" indent="0" algn="r" rtl="0">
               <a:spcBef>
                 <a:spcPts val="0"/>
               </a:spcBef>
@@ -3655,11 +3587,11 @@
 </file>
 
 <file path=ppt/slideLayouts/slideLayout3.xml><?xml version="1.0" encoding="utf-8"?>
-<p:sldLayout xmlns:a="http://schemas.openxmlformats.org/drawingml/2006/main" xmlns:r="http://schemas.openxmlformats.org/officeDocument/2006/relationships" xmlns:mc="http://schemas.openxmlformats.org/markup-compatibility/2006" xmlns:mv="urn:schemas-microsoft-com:mac:vml" xmlns:p="http://schemas.openxmlformats.org/presentationml/2006/main" xmlns:c="http://schemas.openxmlformats.org/drawingml/2006/chart" xmlns:dgm="http://schemas.openxmlformats.org/drawingml/2006/diagram" xmlns:o="urn:schemas-microsoft-com:office:office" xmlns:v="urn:schemas-microsoft-com:vml" xmlns:pvml="urn:schemas-microsoft-com:office:powerpoint" xmlns:com="http://schemas.openxmlformats.org/drawingml/2006/compatibility" xmlns:p14="http://schemas.microsoft.com/office/powerpoint/2010/main" xmlns:p15="http://schemas.microsoft.com/office/powerpoint/2012/main" matchingName="Title and body" type="tx">
+<p:sldLayout xmlns:a="http://schemas.openxmlformats.org/drawingml/2006/main" xmlns:r="http://schemas.openxmlformats.org/officeDocument/2006/relationships" xmlns:p="http://schemas.openxmlformats.org/presentationml/2006/main" matchingName="Title and body" type="tx">
   <p:cSld name="TITLE_AND_BODY">
     <p:spTree>
       <p:nvGrpSpPr>
-        <p:cNvPr id="16" name="Shape 16"/>
+        <p:cNvPr id="1" name="Shape 16"/>
         <p:cNvGrpSpPr/>
         <p:nvPr/>
       </p:nvGrpSpPr>
@@ -3674,7 +3606,9 @@
       <p:sp>
         <p:nvSpPr>
           <p:cNvPr id="17" name="Google Shape;17;p4"/>
-          <p:cNvSpPr txBox="1"/>
+          <p:cNvSpPr txBox="1">
+            <a:spLocks noGrp="1"/>
+          </p:cNvSpPr>
           <p:nvPr>
             <p:ph type="title"/>
           </p:nvPr>
@@ -3689,7 +3623,7 @@
           </a:prstGeom>
         </p:spPr>
         <p:txBody>
-          <a:bodyPr anchorCtr="0" anchor="t" bIns="91425" lIns="91425" spcFirstLastPara="1" rIns="91425" wrap="square" tIns="91425">
+          <a:bodyPr spcFirstLastPara="1" wrap="square" lIns="91425" tIns="91425" rIns="91425" bIns="91425" anchor="t" anchorCtr="0">
             <a:noAutofit/>
           </a:bodyPr>
           <a:lstStyle>
@@ -3793,15 +3727,19 @@
               <a:defRPr/>
             </a:lvl9pPr>
           </a:lstStyle>
-          <a:p/>
+          <a:p>
+            <a:endParaRPr/>
+          </a:p>
         </p:txBody>
       </p:sp>
       <p:sp>
         <p:nvSpPr>
           <p:cNvPr id="18" name="Google Shape;18;p4"/>
-          <p:cNvSpPr txBox="1"/>
+          <p:cNvSpPr txBox="1">
+            <a:spLocks noGrp="1"/>
+          </p:cNvSpPr>
           <p:nvPr>
-            <p:ph idx="1" type="body"/>
+            <p:ph type="body" idx="1"/>
           </p:nvPr>
         </p:nvSpPr>
         <p:spPr>
@@ -3814,11 +3752,11 @@
           </a:prstGeom>
         </p:spPr>
         <p:txBody>
-          <a:bodyPr anchorCtr="0" anchor="t" bIns="91425" lIns="91425" spcFirstLastPara="1" rIns="91425" wrap="square" tIns="91425">
+          <a:bodyPr spcFirstLastPara="1" wrap="square" lIns="91425" tIns="91425" rIns="91425" bIns="91425" anchor="t" anchorCtr="0">
             <a:noAutofit/>
           </a:bodyPr>
           <a:lstStyle>
-            <a:lvl1pPr indent="-342900" lvl="0" marL="457200">
+            <a:lvl1pPr marL="457200" lvl="0" indent="-342900">
               <a:spcBef>
                 <a:spcPts val="0"/>
               </a:spcBef>
@@ -3829,7 +3767,7 @@
               <a:buChar char="●"/>
               <a:defRPr/>
             </a:lvl1pPr>
-            <a:lvl2pPr indent="-317500" lvl="1" marL="914400">
+            <a:lvl2pPr marL="914400" lvl="1" indent="-317500">
               <a:spcBef>
                 <a:spcPts val="1600"/>
               </a:spcBef>
@@ -3840,7 +3778,7 @@
               <a:buChar char="○"/>
               <a:defRPr/>
             </a:lvl2pPr>
-            <a:lvl3pPr indent="-317500" lvl="2" marL="1371600">
+            <a:lvl3pPr marL="1371600" lvl="2" indent="-317500">
               <a:spcBef>
                 <a:spcPts val="1600"/>
               </a:spcBef>
@@ -3851,7 +3789,7 @@
               <a:buChar char="■"/>
               <a:defRPr/>
             </a:lvl3pPr>
-            <a:lvl4pPr indent="-317500" lvl="3" marL="1828800">
+            <a:lvl4pPr marL="1828800" lvl="3" indent="-317500">
               <a:spcBef>
                 <a:spcPts val="1600"/>
               </a:spcBef>
@@ -3862,7 +3800,7 @@
               <a:buChar char="●"/>
               <a:defRPr/>
             </a:lvl4pPr>
-            <a:lvl5pPr indent="-317500" lvl="4" marL="2286000">
+            <a:lvl5pPr marL="2286000" lvl="4" indent="-317500">
               <a:spcBef>
                 <a:spcPts val="1600"/>
               </a:spcBef>
@@ -3873,7 +3811,7 @@
               <a:buChar char="○"/>
               <a:defRPr/>
             </a:lvl5pPr>
-            <a:lvl6pPr indent="-317500" lvl="5" marL="2743200">
+            <a:lvl6pPr marL="2743200" lvl="5" indent="-317500">
               <a:spcBef>
                 <a:spcPts val="1600"/>
               </a:spcBef>
@@ -3884,7 +3822,7 @@
               <a:buChar char="■"/>
               <a:defRPr/>
             </a:lvl6pPr>
-            <a:lvl7pPr indent="-317500" lvl="6" marL="3200400">
+            <a:lvl7pPr marL="3200400" lvl="6" indent="-317500">
               <a:spcBef>
                 <a:spcPts val="1600"/>
               </a:spcBef>
@@ -3895,7 +3833,7 @@
               <a:buChar char="●"/>
               <a:defRPr/>
             </a:lvl7pPr>
-            <a:lvl8pPr indent="-317500" lvl="7" marL="3657600">
+            <a:lvl8pPr marL="3657600" lvl="7" indent="-317500">
               <a:spcBef>
                 <a:spcPts val="1600"/>
               </a:spcBef>
@@ -3906,7 +3844,7 @@
               <a:buChar char="○"/>
               <a:defRPr/>
             </a:lvl8pPr>
-            <a:lvl9pPr indent="-317500" lvl="8" marL="4114800">
+            <a:lvl9pPr marL="4114800" lvl="8" indent="-317500">
               <a:spcBef>
                 <a:spcPts val="1600"/>
               </a:spcBef>
@@ -3918,15 +3856,19 @@
               <a:defRPr/>
             </a:lvl9pPr>
           </a:lstStyle>
-          <a:p/>
+          <a:p>
+            <a:endParaRPr/>
+          </a:p>
         </p:txBody>
       </p:sp>
       <p:sp>
         <p:nvSpPr>
           <p:cNvPr id="19" name="Google Shape;19;p4"/>
-          <p:cNvSpPr txBox="1"/>
+          <p:cNvSpPr txBox="1">
+            <a:spLocks noGrp="1"/>
+          </p:cNvSpPr>
           <p:nvPr>
-            <p:ph idx="12" type="sldNum"/>
+            <p:ph type="sldNum" idx="12"/>
           </p:nvPr>
         </p:nvSpPr>
         <p:spPr>
@@ -3939,7 +3881,7 @@
           </a:prstGeom>
         </p:spPr>
         <p:txBody>
-          <a:bodyPr anchorCtr="0" anchor="ctr" bIns="91425" lIns="91425" spcFirstLastPara="1" rIns="91425" wrap="square" tIns="91425">
+          <a:bodyPr spcFirstLastPara="1" wrap="square" lIns="91425" tIns="91425" rIns="91425" bIns="91425" anchor="ctr" anchorCtr="0">
             <a:noAutofit/>
           </a:bodyPr>
           <a:lstStyle>
@@ -3981,7 +3923,7 @@
             </a:lvl9pPr>
           </a:lstStyle>
           <a:p>
-            <a:pPr indent="0" lvl="0" marL="0" rtl="0" algn="r">
+            <a:pPr marL="0" lvl="0" indent="0" algn="r" rtl="0">
               <a:spcBef>
                 <a:spcPts val="0"/>
               </a:spcBef>
@@ -4007,11 +3949,11 @@
 </file>
 
 <file path=ppt/slideLayouts/slideLayout4.xml><?xml version="1.0" encoding="utf-8"?>
-<p:sldLayout xmlns:a="http://schemas.openxmlformats.org/drawingml/2006/main" xmlns:r="http://schemas.openxmlformats.org/officeDocument/2006/relationships" xmlns:mc="http://schemas.openxmlformats.org/markup-compatibility/2006" xmlns:mv="urn:schemas-microsoft-com:mac:vml" xmlns:p="http://schemas.openxmlformats.org/presentationml/2006/main" xmlns:c="http://schemas.openxmlformats.org/drawingml/2006/chart" xmlns:dgm="http://schemas.openxmlformats.org/drawingml/2006/diagram" xmlns:o="urn:schemas-microsoft-com:office:office" xmlns:v="urn:schemas-microsoft-com:vml" xmlns:pvml="urn:schemas-microsoft-com:office:powerpoint" xmlns:com="http://schemas.openxmlformats.org/drawingml/2006/compatibility" xmlns:p14="http://schemas.microsoft.com/office/powerpoint/2010/main" xmlns:p15="http://schemas.microsoft.com/office/powerpoint/2012/main" matchingName="Title and two columns" type="twoColTx">
+<p:sldLayout xmlns:a="http://schemas.openxmlformats.org/drawingml/2006/main" xmlns:r="http://schemas.openxmlformats.org/officeDocument/2006/relationships" xmlns:p="http://schemas.openxmlformats.org/presentationml/2006/main" matchingName="Title and two columns" type="twoColTx">
   <p:cSld name="TITLE_AND_TWO_COLUMNS">
     <p:spTree>
       <p:nvGrpSpPr>
-        <p:cNvPr id="20" name="Shape 20"/>
+        <p:cNvPr id="1" name="Shape 20"/>
         <p:cNvGrpSpPr/>
         <p:nvPr/>
       </p:nvGrpSpPr>
@@ -4026,7 +3968,9 @@
       <p:sp>
         <p:nvSpPr>
           <p:cNvPr id="21" name="Google Shape;21;p5"/>
-          <p:cNvSpPr txBox="1"/>
+          <p:cNvSpPr txBox="1">
+            <a:spLocks noGrp="1"/>
+          </p:cNvSpPr>
           <p:nvPr>
             <p:ph type="title"/>
           </p:nvPr>
@@ -4041,7 +3985,7 @@
           </a:prstGeom>
         </p:spPr>
         <p:txBody>
-          <a:bodyPr anchorCtr="0" anchor="t" bIns="91425" lIns="91425" spcFirstLastPara="1" rIns="91425" wrap="square" tIns="91425">
+          <a:bodyPr spcFirstLastPara="1" wrap="square" lIns="91425" tIns="91425" rIns="91425" bIns="91425" anchor="t" anchorCtr="0">
             <a:noAutofit/>
           </a:bodyPr>
           <a:lstStyle>
@@ -4145,15 +4089,19 @@
               <a:defRPr/>
             </a:lvl9pPr>
           </a:lstStyle>
-          <a:p/>
+          <a:p>
+            <a:endParaRPr/>
+          </a:p>
         </p:txBody>
       </p:sp>
       <p:sp>
         <p:nvSpPr>
           <p:cNvPr id="22" name="Google Shape;22;p5"/>
-          <p:cNvSpPr txBox="1"/>
+          <p:cNvSpPr txBox="1">
+            <a:spLocks noGrp="1"/>
+          </p:cNvSpPr>
           <p:nvPr>
-            <p:ph idx="1" type="body"/>
+            <p:ph type="body" idx="1"/>
           </p:nvPr>
         </p:nvSpPr>
         <p:spPr>
@@ -4166,11 +4114,11 @@
           </a:prstGeom>
         </p:spPr>
         <p:txBody>
-          <a:bodyPr anchorCtr="0" anchor="t" bIns="91425" lIns="91425" spcFirstLastPara="1" rIns="91425" wrap="square" tIns="91425">
+          <a:bodyPr spcFirstLastPara="1" wrap="square" lIns="91425" tIns="91425" rIns="91425" bIns="91425" anchor="t" anchorCtr="0">
             <a:noAutofit/>
           </a:bodyPr>
           <a:lstStyle>
-            <a:lvl1pPr indent="-317500" lvl="0" marL="457200">
+            <a:lvl1pPr marL="457200" lvl="0" indent="-317500">
               <a:spcBef>
                 <a:spcPts val="0"/>
               </a:spcBef>
@@ -4181,7 +4129,7 @@
               <a:buChar char="●"/>
               <a:defRPr sz="1400"/>
             </a:lvl1pPr>
-            <a:lvl2pPr indent="-304800" lvl="1" marL="914400">
+            <a:lvl2pPr marL="914400" lvl="1" indent="-304800">
               <a:spcBef>
                 <a:spcPts val="1600"/>
               </a:spcBef>
@@ -4192,7 +4140,7 @@
               <a:buChar char="○"/>
               <a:defRPr sz="1200"/>
             </a:lvl2pPr>
-            <a:lvl3pPr indent="-304800" lvl="2" marL="1371600">
+            <a:lvl3pPr marL="1371600" lvl="2" indent="-304800">
               <a:spcBef>
                 <a:spcPts val="1600"/>
               </a:spcBef>
@@ -4203,7 +4151,7 @@
               <a:buChar char="■"/>
               <a:defRPr sz="1200"/>
             </a:lvl3pPr>
-            <a:lvl4pPr indent="-304800" lvl="3" marL="1828800">
+            <a:lvl4pPr marL="1828800" lvl="3" indent="-304800">
               <a:spcBef>
                 <a:spcPts val="1600"/>
               </a:spcBef>
@@ -4214,7 +4162,7 @@
               <a:buChar char="●"/>
               <a:defRPr sz="1200"/>
             </a:lvl4pPr>
-            <a:lvl5pPr indent="-304800" lvl="4" marL="2286000">
+            <a:lvl5pPr marL="2286000" lvl="4" indent="-304800">
               <a:spcBef>
                 <a:spcPts val="1600"/>
               </a:spcBef>
@@ -4225,7 +4173,7 @@
               <a:buChar char="○"/>
               <a:defRPr sz="1200"/>
             </a:lvl5pPr>
-            <a:lvl6pPr indent="-304800" lvl="5" marL="2743200">
+            <a:lvl6pPr marL="2743200" lvl="5" indent="-304800">
               <a:spcBef>
                 <a:spcPts val="1600"/>
               </a:spcBef>
@@ -4236,7 +4184,7 @@
               <a:buChar char="■"/>
               <a:defRPr sz="1200"/>
             </a:lvl6pPr>
-            <a:lvl7pPr indent="-304800" lvl="6" marL="3200400">
+            <a:lvl7pPr marL="3200400" lvl="6" indent="-304800">
               <a:spcBef>
                 <a:spcPts val="1600"/>
               </a:spcBef>
@@ -4247,7 +4195,7 @@
               <a:buChar char="●"/>
               <a:defRPr sz="1200"/>
             </a:lvl7pPr>
-            <a:lvl8pPr indent="-304800" lvl="7" marL="3657600">
+            <a:lvl8pPr marL="3657600" lvl="7" indent="-304800">
               <a:spcBef>
                 <a:spcPts val="1600"/>
               </a:spcBef>
@@ -4258,7 +4206,7 @@
               <a:buChar char="○"/>
               <a:defRPr sz="1200"/>
             </a:lvl8pPr>
-            <a:lvl9pPr indent="-304800" lvl="8" marL="4114800">
+            <a:lvl9pPr marL="4114800" lvl="8" indent="-304800">
               <a:spcBef>
                 <a:spcPts val="1600"/>
               </a:spcBef>
@@ -4270,15 +4218,19 @@
               <a:defRPr sz="1200"/>
             </a:lvl9pPr>
           </a:lstStyle>
-          <a:p/>
+          <a:p>
+            <a:endParaRPr/>
+          </a:p>
         </p:txBody>
       </p:sp>
       <p:sp>
         <p:nvSpPr>
           <p:cNvPr id="23" name="Google Shape;23;p5"/>
-          <p:cNvSpPr txBox="1"/>
+          <p:cNvSpPr txBox="1">
+            <a:spLocks noGrp="1"/>
+          </p:cNvSpPr>
           <p:nvPr>
-            <p:ph idx="2" type="body"/>
+            <p:ph type="body" idx="2"/>
           </p:nvPr>
         </p:nvSpPr>
         <p:spPr>
@@ -4291,11 +4243,11 @@
           </a:prstGeom>
         </p:spPr>
         <p:txBody>
-          <a:bodyPr anchorCtr="0" anchor="t" bIns="91425" lIns="91425" spcFirstLastPara="1" rIns="91425" wrap="square" tIns="91425">
+          <a:bodyPr spcFirstLastPara="1" wrap="square" lIns="91425" tIns="91425" rIns="91425" bIns="91425" anchor="t" anchorCtr="0">
             <a:noAutofit/>
           </a:bodyPr>
           <a:lstStyle>
-            <a:lvl1pPr indent="-317500" lvl="0" marL="457200">
+            <a:lvl1pPr marL="457200" lvl="0" indent="-317500">
               <a:spcBef>
                 <a:spcPts val="0"/>
               </a:spcBef>
@@ -4306,7 +4258,7 @@
               <a:buChar char="●"/>
               <a:defRPr sz="1400"/>
             </a:lvl1pPr>
-            <a:lvl2pPr indent="-304800" lvl="1" marL="914400">
+            <a:lvl2pPr marL="914400" lvl="1" indent="-304800">
               <a:spcBef>
                 <a:spcPts val="1600"/>
               </a:spcBef>
@@ -4317,7 +4269,7 @@
               <a:buChar char="○"/>
               <a:defRPr sz="1200"/>
             </a:lvl2pPr>
-            <a:lvl3pPr indent="-304800" lvl="2" marL="1371600">
+            <a:lvl3pPr marL="1371600" lvl="2" indent="-304800">
               <a:spcBef>
                 <a:spcPts val="1600"/>
               </a:spcBef>
@@ -4328,7 +4280,7 @@
               <a:buChar char="■"/>
               <a:defRPr sz="1200"/>
             </a:lvl3pPr>
-            <a:lvl4pPr indent="-304800" lvl="3" marL="1828800">
+            <a:lvl4pPr marL="1828800" lvl="3" indent="-304800">
               <a:spcBef>
                 <a:spcPts val="1600"/>
               </a:spcBef>
@@ -4339,7 +4291,7 @@
               <a:buChar char="●"/>
               <a:defRPr sz="1200"/>
             </a:lvl4pPr>
-            <a:lvl5pPr indent="-304800" lvl="4" marL="2286000">
+            <a:lvl5pPr marL="2286000" lvl="4" indent="-304800">
               <a:spcBef>
                 <a:spcPts val="1600"/>
               </a:spcBef>
@@ -4350,7 +4302,7 @@
               <a:buChar char="○"/>
               <a:defRPr sz="1200"/>
             </a:lvl5pPr>
-            <a:lvl6pPr indent="-304800" lvl="5" marL="2743200">
+            <a:lvl6pPr marL="2743200" lvl="5" indent="-304800">
               <a:spcBef>
                 <a:spcPts val="1600"/>
               </a:spcBef>
@@ -4361,7 +4313,7 @@
               <a:buChar char="■"/>
               <a:defRPr sz="1200"/>
             </a:lvl6pPr>
-            <a:lvl7pPr indent="-304800" lvl="6" marL="3200400">
+            <a:lvl7pPr marL="3200400" lvl="6" indent="-304800">
               <a:spcBef>
                 <a:spcPts val="1600"/>
               </a:spcBef>
@@ -4372,7 +4324,7 @@
               <a:buChar char="●"/>
               <a:defRPr sz="1200"/>
             </a:lvl7pPr>
-            <a:lvl8pPr indent="-304800" lvl="7" marL="3657600">
+            <a:lvl8pPr marL="3657600" lvl="7" indent="-304800">
               <a:spcBef>
                 <a:spcPts val="1600"/>
               </a:spcBef>
@@ -4383,7 +4335,7 @@
               <a:buChar char="○"/>
               <a:defRPr sz="1200"/>
             </a:lvl8pPr>
-            <a:lvl9pPr indent="-304800" lvl="8" marL="4114800">
+            <a:lvl9pPr marL="4114800" lvl="8" indent="-304800">
               <a:spcBef>
                 <a:spcPts val="1600"/>
               </a:spcBef>
@@ -4395,15 +4347,19 @@
               <a:defRPr sz="1200"/>
             </a:lvl9pPr>
           </a:lstStyle>
-          <a:p/>
+          <a:p>
+            <a:endParaRPr/>
+          </a:p>
         </p:txBody>
       </p:sp>
       <p:sp>
         <p:nvSpPr>
           <p:cNvPr id="24" name="Google Shape;24;p5"/>
-          <p:cNvSpPr txBox="1"/>
+          <p:cNvSpPr txBox="1">
+            <a:spLocks noGrp="1"/>
+          </p:cNvSpPr>
           <p:nvPr>
-            <p:ph idx="12" type="sldNum"/>
+            <p:ph type="sldNum" idx="12"/>
           </p:nvPr>
         </p:nvSpPr>
         <p:spPr>
@@ -4416,7 +4372,7 @@
           </a:prstGeom>
         </p:spPr>
         <p:txBody>
-          <a:bodyPr anchorCtr="0" anchor="ctr" bIns="91425" lIns="91425" spcFirstLastPara="1" rIns="91425" wrap="square" tIns="91425">
+          <a:bodyPr spcFirstLastPara="1" wrap="square" lIns="91425" tIns="91425" rIns="91425" bIns="91425" anchor="ctr" anchorCtr="0">
             <a:noAutofit/>
           </a:bodyPr>
           <a:lstStyle>
@@ -4458,7 +4414,7 @@
             </a:lvl9pPr>
           </a:lstStyle>
           <a:p>
-            <a:pPr indent="0" lvl="0" marL="0" rtl="0" algn="r">
+            <a:pPr marL="0" lvl="0" indent="0" algn="r" rtl="0">
               <a:spcBef>
                 <a:spcPts val="0"/>
               </a:spcBef>
@@ -4484,11 +4440,11 @@
 </file>
 
 <file path=ppt/slideLayouts/slideLayout5.xml><?xml version="1.0" encoding="utf-8"?>
-<p:sldLayout xmlns:a="http://schemas.openxmlformats.org/drawingml/2006/main" xmlns:r="http://schemas.openxmlformats.org/officeDocument/2006/relationships" xmlns:mc="http://schemas.openxmlformats.org/markup-compatibility/2006" xmlns:mv="urn:schemas-microsoft-com:mac:vml" xmlns:p="http://schemas.openxmlformats.org/presentationml/2006/main" xmlns:c="http://schemas.openxmlformats.org/drawingml/2006/chart" xmlns:dgm="http://schemas.openxmlformats.org/drawingml/2006/diagram" xmlns:o="urn:schemas-microsoft-com:office:office" xmlns:v="urn:schemas-microsoft-com:vml" xmlns:pvml="urn:schemas-microsoft-com:office:powerpoint" xmlns:com="http://schemas.openxmlformats.org/drawingml/2006/compatibility" xmlns:p14="http://schemas.microsoft.com/office/powerpoint/2010/main" xmlns:p15="http://schemas.microsoft.com/office/powerpoint/2012/main" matchingName="Title only" type="titleOnly">
+<p:sldLayout xmlns:a="http://schemas.openxmlformats.org/drawingml/2006/main" xmlns:r="http://schemas.openxmlformats.org/officeDocument/2006/relationships" xmlns:p="http://schemas.openxmlformats.org/presentationml/2006/main" matchingName="Title only" type="titleOnly">
   <p:cSld name="TITLE_ONLY">
     <p:spTree>
       <p:nvGrpSpPr>
-        <p:cNvPr id="25" name="Shape 25"/>
+        <p:cNvPr id="1" name="Shape 25"/>
         <p:cNvGrpSpPr/>
         <p:nvPr/>
       </p:nvGrpSpPr>
@@ -4503,7 +4459,9 @@
       <p:sp>
         <p:nvSpPr>
           <p:cNvPr id="26" name="Google Shape;26;p6"/>
-          <p:cNvSpPr txBox="1"/>
+          <p:cNvSpPr txBox="1">
+            <a:spLocks noGrp="1"/>
+          </p:cNvSpPr>
           <p:nvPr>
             <p:ph type="title"/>
           </p:nvPr>
@@ -4518,7 +4476,7 @@
           </a:prstGeom>
         </p:spPr>
         <p:txBody>
-          <a:bodyPr anchorCtr="0" anchor="t" bIns="91425" lIns="91425" spcFirstLastPara="1" rIns="91425" wrap="square" tIns="91425">
+          <a:bodyPr spcFirstLastPara="1" wrap="square" lIns="91425" tIns="91425" rIns="91425" bIns="91425" anchor="t" anchorCtr="0">
             <a:noAutofit/>
           </a:bodyPr>
           <a:lstStyle>
@@ -4622,15 +4580,19 @@
               <a:defRPr/>
             </a:lvl9pPr>
           </a:lstStyle>
-          <a:p/>
+          <a:p>
+            <a:endParaRPr/>
+          </a:p>
         </p:txBody>
       </p:sp>
       <p:sp>
         <p:nvSpPr>
           <p:cNvPr id="27" name="Google Shape;27;p6"/>
-          <p:cNvSpPr txBox="1"/>
+          <p:cNvSpPr txBox="1">
+            <a:spLocks noGrp="1"/>
+          </p:cNvSpPr>
           <p:nvPr>
-            <p:ph idx="12" type="sldNum"/>
+            <p:ph type="sldNum" idx="12"/>
           </p:nvPr>
         </p:nvSpPr>
         <p:spPr>
@@ -4643,7 +4605,7 @@
           </a:prstGeom>
         </p:spPr>
         <p:txBody>
-          <a:bodyPr anchorCtr="0" anchor="ctr" bIns="91425" lIns="91425" spcFirstLastPara="1" rIns="91425" wrap="square" tIns="91425">
+          <a:bodyPr spcFirstLastPara="1" wrap="square" lIns="91425" tIns="91425" rIns="91425" bIns="91425" anchor="ctr" anchorCtr="0">
             <a:noAutofit/>
           </a:bodyPr>
           <a:lstStyle>
@@ -4685,7 +4647,7 @@
             </a:lvl9pPr>
           </a:lstStyle>
           <a:p>
-            <a:pPr indent="0" lvl="0" marL="0" rtl="0" algn="r">
+            <a:pPr marL="0" lvl="0" indent="0" algn="r" rtl="0">
               <a:spcBef>
                 <a:spcPts val="0"/>
               </a:spcBef>
@@ -4711,11 +4673,11 @@
 </file>
 
 <file path=ppt/slideLayouts/slideLayout6.xml><?xml version="1.0" encoding="utf-8"?>
-<p:sldLayout xmlns:a="http://schemas.openxmlformats.org/drawingml/2006/main" xmlns:r="http://schemas.openxmlformats.org/officeDocument/2006/relationships" xmlns:mc="http://schemas.openxmlformats.org/markup-compatibility/2006" xmlns:mv="urn:schemas-microsoft-com:mac:vml" xmlns:p="http://schemas.openxmlformats.org/presentationml/2006/main" xmlns:c="http://schemas.openxmlformats.org/drawingml/2006/chart" xmlns:dgm="http://schemas.openxmlformats.org/drawingml/2006/diagram" xmlns:o="urn:schemas-microsoft-com:office:office" xmlns:v="urn:schemas-microsoft-com:vml" xmlns:pvml="urn:schemas-microsoft-com:office:powerpoint" xmlns:com="http://schemas.openxmlformats.org/drawingml/2006/compatibility" xmlns:p14="http://schemas.microsoft.com/office/powerpoint/2010/main" xmlns:p15="http://schemas.microsoft.com/office/powerpoint/2012/main" matchingName="One column text">
+<p:sldLayout xmlns:a="http://schemas.openxmlformats.org/drawingml/2006/main" xmlns:r="http://schemas.openxmlformats.org/officeDocument/2006/relationships" xmlns:p="http://schemas.openxmlformats.org/presentationml/2006/main" matchingName="One column text">
   <p:cSld name="ONE_COLUMN_TEXT">
     <p:spTree>
       <p:nvGrpSpPr>
-        <p:cNvPr id="28" name="Shape 28"/>
+        <p:cNvPr id="1" name="Shape 28"/>
         <p:cNvGrpSpPr/>
         <p:nvPr/>
       </p:nvGrpSpPr>
@@ -4730,7 +4692,9 @@
       <p:sp>
         <p:nvSpPr>
           <p:cNvPr id="29" name="Google Shape;29;p7"/>
-          <p:cNvSpPr txBox="1"/>
+          <p:cNvSpPr txBox="1">
+            <a:spLocks noGrp="1"/>
+          </p:cNvSpPr>
           <p:nvPr>
             <p:ph type="title"/>
           </p:nvPr>
@@ -4745,7 +4709,7 @@
           </a:prstGeom>
         </p:spPr>
         <p:txBody>
-          <a:bodyPr anchorCtr="0" anchor="b" bIns="91425" lIns="91425" spcFirstLastPara="1" rIns="91425" wrap="square" tIns="91425">
+          <a:bodyPr spcFirstLastPara="1" wrap="square" lIns="91425" tIns="91425" rIns="91425" bIns="91425" anchor="b" anchorCtr="0">
             <a:noAutofit/>
           </a:bodyPr>
           <a:lstStyle>
@@ -4849,15 +4813,19 @@
               <a:defRPr sz="2400"/>
             </a:lvl9pPr>
           </a:lstStyle>
-          <a:p/>
+          <a:p>
+            <a:endParaRPr/>
+          </a:p>
         </p:txBody>
       </p:sp>
       <p:sp>
         <p:nvSpPr>
           <p:cNvPr id="30" name="Google Shape;30;p7"/>
-          <p:cNvSpPr txBox="1"/>
+          <p:cNvSpPr txBox="1">
+            <a:spLocks noGrp="1"/>
+          </p:cNvSpPr>
           <p:nvPr>
-            <p:ph idx="1" type="body"/>
+            <p:ph type="body" idx="1"/>
           </p:nvPr>
         </p:nvSpPr>
         <p:spPr>
@@ -4870,11 +4838,11 @@
           </a:prstGeom>
         </p:spPr>
         <p:txBody>
-          <a:bodyPr anchorCtr="0" anchor="t" bIns="91425" lIns="91425" spcFirstLastPara="1" rIns="91425" wrap="square" tIns="91425">
+          <a:bodyPr spcFirstLastPara="1" wrap="square" lIns="91425" tIns="91425" rIns="91425" bIns="91425" anchor="t" anchorCtr="0">
             <a:noAutofit/>
           </a:bodyPr>
           <a:lstStyle>
-            <a:lvl1pPr indent="-304800" lvl="0" marL="457200">
+            <a:lvl1pPr marL="457200" lvl="0" indent="-304800">
               <a:spcBef>
                 <a:spcPts val="0"/>
               </a:spcBef>
@@ -4885,7 +4853,7 @@
               <a:buChar char="●"/>
               <a:defRPr sz="1200"/>
             </a:lvl1pPr>
-            <a:lvl2pPr indent="-304800" lvl="1" marL="914400">
+            <a:lvl2pPr marL="914400" lvl="1" indent="-304800">
               <a:spcBef>
                 <a:spcPts val="1600"/>
               </a:spcBef>
@@ -4896,7 +4864,7 @@
               <a:buChar char="○"/>
               <a:defRPr sz="1200"/>
             </a:lvl2pPr>
-            <a:lvl3pPr indent="-304800" lvl="2" marL="1371600">
+            <a:lvl3pPr marL="1371600" lvl="2" indent="-304800">
               <a:spcBef>
                 <a:spcPts val="1600"/>
               </a:spcBef>
@@ -4907,7 +4875,7 @@
               <a:buChar char="■"/>
               <a:defRPr sz="1200"/>
             </a:lvl3pPr>
-            <a:lvl4pPr indent="-304800" lvl="3" marL="1828800">
+            <a:lvl4pPr marL="1828800" lvl="3" indent="-304800">
               <a:spcBef>
                 <a:spcPts val="1600"/>
               </a:spcBef>
@@ -4918,7 +4886,7 @@
               <a:buChar char="●"/>
               <a:defRPr sz="1200"/>
             </a:lvl4pPr>
-            <a:lvl5pPr indent="-304800" lvl="4" marL="2286000">
+            <a:lvl5pPr marL="2286000" lvl="4" indent="-304800">
               <a:spcBef>
                 <a:spcPts val="1600"/>
               </a:spcBef>
@@ -4929,7 +4897,7 @@
               <a:buChar char="○"/>
               <a:defRPr sz="1200"/>
             </a:lvl5pPr>
-            <a:lvl6pPr indent="-304800" lvl="5" marL="2743200">
+            <a:lvl6pPr marL="2743200" lvl="5" indent="-304800">
               <a:spcBef>
                 <a:spcPts val="1600"/>
               </a:spcBef>
@@ -4940,7 +4908,7 @@
               <a:buChar char="■"/>
               <a:defRPr sz="1200"/>
             </a:lvl6pPr>
-            <a:lvl7pPr indent="-304800" lvl="6" marL="3200400">
+            <a:lvl7pPr marL="3200400" lvl="6" indent="-304800">
               <a:spcBef>
                 <a:spcPts val="1600"/>
               </a:spcBef>
@@ -4951,7 +4919,7 @@
               <a:buChar char="●"/>
               <a:defRPr sz="1200"/>
             </a:lvl7pPr>
-            <a:lvl8pPr indent="-304800" lvl="7" marL="3657600">
+            <a:lvl8pPr marL="3657600" lvl="7" indent="-304800">
               <a:spcBef>
                 <a:spcPts val="1600"/>
               </a:spcBef>
@@ -4962,7 +4930,7 @@
               <a:buChar char="○"/>
               <a:defRPr sz="1200"/>
             </a:lvl8pPr>
-            <a:lvl9pPr indent="-304800" lvl="8" marL="4114800">
+            <a:lvl9pPr marL="4114800" lvl="8" indent="-304800">
               <a:spcBef>
                 <a:spcPts val="1600"/>
               </a:spcBef>
@@ -4974,15 +4942,19 @@
               <a:defRPr sz="1200"/>
             </a:lvl9pPr>
           </a:lstStyle>
-          <a:p/>
+          <a:p>
+            <a:endParaRPr/>
+          </a:p>
         </p:txBody>
       </p:sp>
       <p:sp>
         <p:nvSpPr>
           <p:cNvPr id="31" name="Google Shape;31;p7"/>
-          <p:cNvSpPr txBox="1"/>
+          <p:cNvSpPr txBox="1">
+            <a:spLocks noGrp="1"/>
+          </p:cNvSpPr>
           <p:nvPr>
-            <p:ph idx="12" type="sldNum"/>
+            <p:ph type="sldNum" idx="12"/>
           </p:nvPr>
         </p:nvSpPr>
         <p:spPr>
@@ -4995,7 +4967,7 @@
           </a:prstGeom>
         </p:spPr>
         <p:txBody>
-          <a:bodyPr anchorCtr="0" anchor="ctr" bIns="91425" lIns="91425" spcFirstLastPara="1" rIns="91425" wrap="square" tIns="91425">
+          <a:bodyPr spcFirstLastPara="1" wrap="square" lIns="91425" tIns="91425" rIns="91425" bIns="91425" anchor="ctr" anchorCtr="0">
             <a:noAutofit/>
           </a:bodyPr>
           <a:lstStyle>
@@ -5037,7 +5009,7 @@
             </a:lvl9pPr>
           </a:lstStyle>
           <a:p>
-            <a:pPr indent="0" lvl="0" marL="0" rtl="0" algn="r">
+            <a:pPr marL="0" lvl="0" indent="0" algn="r" rtl="0">
               <a:spcBef>
                 <a:spcPts val="0"/>
               </a:spcBef>
@@ -5063,11 +5035,11 @@
 </file>
 
 <file path=ppt/slideLayouts/slideLayout7.xml><?xml version="1.0" encoding="utf-8"?>
-<p:sldLayout xmlns:a="http://schemas.openxmlformats.org/drawingml/2006/main" xmlns:r="http://schemas.openxmlformats.org/officeDocument/2006/relationships" xmlns:mc="http://schemas.openxmlformats.org/markup-compatibility/2006" xmlns:mv="urn:schemas-microsoft-com:mac:vml" xmlns:p="http://schemas.openxmlformats.org/presentationml/2006/main" xmlns:c="http://schemas.openxmlformats.org/drawingml/2006/chart" xmlns:dgm="http://schemas.openxmlformats.org/drawingml/2006/diagram" xmlns:o="urn:schemas-microsoft-com:office:office" xmlns:v="urn:schemas-microsoft-com:vml" xmlns:pvml="urn:schemas-microsoft-com:office:powerpoint" xmlns:com="http://schemas.openxmlformats.org/drawingml/2006/compatibility" xmlns:p14="http://schemas.microsoft.com/office/powerpoint/2010/main" xmlns:p15="http://schemas.microsoft.com/office/powerpoint/2012/main" matchingName="Main point">
+<p:sldLayout xmlns:a="http://schemas.openxmlformats.org/drawingml/2006/main" xmlns:r="http://schemas.openxmlformats.org/officeDocument/2006/relationships" xmlns:p="http://schemas.openxmlformats.org/presentationml/2006/main" matchingName="Main point">
   <p:cSld name="MAIN_POINT">
     <p:spTree>
       <p:nvGrpSpPr>
-        <p:cNvPr id="32" name="Shape 32"/>
+        <p:cNvPr id="1" name="Shape 32"/>
         <p:cNvGrpSpPr/>
         <p:nvPr/>
       </p:nvGrpSpPr>
@@ -5082,7 +5054,9 @@
       <p:sp>
         <p:nvSpPr>
           <p:cNvPr id="33" name="Google Shape;33;p8"/>
-          <p:cNvSpPr txBox="1"/>
+          <p:cNvSpPr txBox="1">
+            <a:spLocks noGrp="1"/>
+          </p:cNvSpPr>
           <p:nvPr>
             <p:ph type="title"/>
           </p:nvPr>
@@ -5097,7 +5071,7 @@
           </a:prstGeom>
         </p:spPr>
         <p:txBody>
-          <a:bodyPr anchorCtr="0" anchor="ctr" bIns="91425" lIns="91425" spcFirstLastPara="1" rIns="91425" wrap="square" tIns="91425">
+          <a:bodyPr spcFirstLastPara="1" wrap="square" lIns="91425" tIns="91425" rIns="91425" bIns="91425" anchor="ctr" anchorCtr="0">
             <a:noAutofit/>
           </a:bodyPr>
           <a:lstStyle>
@@ -5201,15 +5175,19 @@
               <a:defRPr sz="4800"/>
             </a:lvl9pPr>
           </a:lstStyle>
-          <a:p/>
+          <a:p>
+            <a:endParaRPr/>
+          </a:p>
         </p:txBody>
       </p:sp>
       <p:sp>
         <p:nvSpPr>
           <p:cNvPr id="34" name="Google Shape;34;p8"/>
-          <p:cNvSpPr txBox="1"/>
+          <p:cNvSpPr txBox="1">
+            <a:spLocks noGrp="1"/>
+          </p:cNvSpPr>
           <p:nvPr>
-            <p:ph idx="12" type="sldNum"/>
+            <p:ph type="sldNum" idx="12"/>
           </p:nvPr>
         </p:nvSpPr>
         <p:spPr>
@@ -5222,7 +5200,7 @@
           </a:prstGeom>
         </p:spPr>
         <p:txBody>
-          <a:bodyPr anchorCtr="0" anchor="ctr" bIns="91425" lIns="91425" spcFirstLastPara="1" rIns="91425" wrap="square" tIns="91425">
+          <a:bodyPr spcFirstLastPara="1" wrap="square" lIns="91425" tIns="91425" rIns="91425" bIns="91425" anchor="ctr" anchorCtr="0">
             <a:noAutofit/>
           </a:bodyPr>
           <a:lstStyle>
@@ -5264,7 +5242,7 @@
             </a:lvl9pPr>
           </a:lstStyle>
           <a:p>
-            <a:pPr indent="0" lvl="0" marL="0" rtl="0" algn="r">
+            <a:pPr marL="0" lvl="0" indent="0" algn="r" rtl="0">
               <a:spcBef>
                 <a:spcPts val="0"/>
               </a:spcBef>
@@ -5290,11 +5268,11 @@
 </file>
 
 <file path=ppt/slideLayouts/slideLayout8.xml><?xml version="1.0" encoding="utf-8"?>
-<p:sldLayout xmlns:a="http://schemas.openxmlformats.org/drawingml/2006/main" xmlns:r="http://schemas.openxmlformats.org/officeDocument/2006/relationships" xmlns:mc="http://schemas.openxmlformats.org/markup-compatibility/2006" xmlns:mv="urn:schemas-microsoft-com:mac:vml" xmlns:p="http://schemas.openxmlformats.org/presentationml/2006/main" xmlns:c="http://schemas.openxmlformats.org/drawingml/2006/chart" xmlns:dgm="http://schemas.openxmlformats.org/drawingml/2006/diagram" xmlns:o="urn:schemas-microsoft-com:office:office" xmlns:v="urn:schemas-microsoft-com:vml" xmlns:pvml="urn:schemas-microsoft-com:office:powerpoint" xmlns:com="http://schemas.openxmlformats.org/drawingml/2006/compatibility" xmlns:p14="http://schemas.microsoft.com/office/powerpoint/2010/main" xmlns:p15="http://schemas.microsoft.com/office/powerpoint/2012/main" matchingName="Section title and description">
+<p:sldLayout xmlns:a="http://schemas.openxmlformats.org/drawingml/2006/main" xmlns:r="http://schemas.openxmlformats.org/officeDocument/2006/relationships" xmlns:p="http://schemas.openxmlformats.org/presentationml/2006/main" matchingName="Section title and description">
   <p:cSld name="SECTION_TITLE_AND_DESCRIPTION">
     <p:spTree>
       <p:nvGrpSpPr>
-        <p:cNvPr id="35" name="Shape 35"/>
+        <p:cNvPr id="1" name="Shape 35"/>
         <p:cNvGrpSpPr/>
         <p:nvPr/>
       </p:nvGrpSpPr>
@@ -5328,12 +5306,12 @@
           </a:ln>
         </p:spPr>
         <p:txBody>
-          <a:bodyPr anchorCtr="0" anchor="ctr" bIns="91425" lIns="91425" spcFirstLastPara="1" rIns="91425" wrap="square" tIns="91425">
+          <a:bodyPr spcFirstLastPara="1" wrap="square" lIns="91425" tIns="91425" rIns="91425" bIns="91425" anchor="ctr" anchorCtr="0">
             <a:noAutofit/>
           </a:bodyPr>
           <a:lstStyle/>
           <a:p>
-            <a:pPr indent="0" lvl="0" marL="0" rtl="0" algn="l">
+            <a:pPr marL="0" lvl="0" indent="0" algn="l" rtl="0">
               <a:spcBef>
                 <a:spcPts val="0"/>
               </a:spcBef>
@@ -5342,9 +5320,6 @@
               </a:spcAft>
               <a:buNone/>
             </a:pPr>
-            <a:r>
-              <a:t/>
-            </a:r>
             <a:endParaRPr/>
           </a:p>
         </p:txBody>
@@ -5352,7 +5327,9 @@
       <p:sp>
         <p:nvSpPr>
           <p:cNvPr id="37" name="Google Shape;37;p9"/>
-          <p:cNvSpPr txBox="1"/>
+          <p:cNvSpPr txBox="1">
+            <a:spLocks noGrp="1"/>
+          </p:cNvSpPr>
           <p:nvPr>
             <p:ph type="title"/>
           </p:nvPr>
@@ -5367,7 +5344,7 @@
           </a:prstGeom>
         </p:spPr>
         <p:txBody>
-          <a:bodyPr anchorCtr="0" anchor="b" bIns="91425" lIns="91425" spcFirstLastPara="1" rIns="91425" wrap="square" tIns="91425">
+          <a:bodyPr spcFirstLastPara="1" wrap="square" lIns="91425" tIns="91425" rIns="91425" bIns="91425" anchor="b" anchorCtr="0">
             <a:noAutofit/>
           </a:bodyPr>
           <a:lstStyle>
@@ -5471,15 +5448,19 @@
               <a:defRPr sz="4200"/>
             </a:lvl9pPr>
           </a:lstStyle>
-          <a:p/>
+          <a:p>
+            <a:endParaRPr/>
+          </a:p>
         </p:txBody>
       </p:sp>
       <p:sp>
         <p:nvSpPr>
           <p:cNvPr id="38" name="Google Shape;38;p9"/>
-          <p:cNvSpPr txBox="1"/>
+          <p:cNvSpPr txBox="1">
+            <a:spLocks noGrp="1"/>
+          </p:cNvSpPr>
           <p:nvPr>
-            <p:ph idx="1" type="subTitle"/>
+            <p:ph type="subTitle" idx="1"/>
           </p:nvPr>
         </p:nvSpPr>
         <p:spPr>
@@ -5492,7 +5473,7 @@
           </a:prstGeom>
         </p:spPr>
         <p:txBody>
-          <a:bodyPr anchorCtr="0" anchor="t" bIns="91425" lIns="91425" spcFirstLastPara="1" rIns="91425" wrap="square" tIns="91425">
+          <a:bodyPr spcFirstLastPara="1" wrap="square" lIns="91425" tIns="91425" rIns="91425" bIns="91425" anchor="t" anchorCtr="0">
             <a:noAutofit/>
           </a:bodyPr>
           <a:lstStyle>
@@ -5623,15 +5604,19 @@
               <a:defRPr sz="2100"/>
             </a:lvl9pPr>
           </a:lstStyle>
-          <a:p/>
+          <a:p>
+            <a:endParaRPr/>
+          </a:p>
         </p:txBody>
       </p:sp>
       <p:sp>
         <p:nvSpPr>
           <p:cNvPr id="39" name="Google Shape;39;p9"/>
-          <p:cNvSpPr txBox="1"/>
+          <p:cNvSpPr txBox="1">
+            <a:spLocks noGrp="1"/>
+          </p:cNvSpPr>
           <p:nvPr>
-            <p:ph idx="2" type="body"/>
+            <p:ph type="body" idx="2"/>
           </p:nvPr>
         </p:nvSpPr>
         <p:spPr>
@@ -5644,11 +5629,11 @@
           </a:prstGeom>
         </p:spPr>
         <p:txBody>
-          <a:bodyPr anchorCtr="0" anchor="ctr" bIns="91425" lIns="91425" spcFirstLastPara="1" rIns="91425" wrap="square" tIns="91425">
+          <a:bodyPr spcFirstLastPara="1" wrap="square" lIns="91425" tIns="91425" rIns="91425" bIns="91425" anchor="ctr" anchorCtr="0">
             <a:noAutofit/>
           </a:bodyPr>
           <a:lstStyle>
-            <a:lvl1pPr indent="-342900" lvl="0" marL="457200">
+            <a:lvl1pPr marL="457200" lvl="0" indent="-342900">
               <a:spcBef>
                 <a:spcPts val="0"/>
               </a:spcBef>
@@ -5659,7 +5644,7 @@
               <a:buChar char="●"/>
               <a:defRPr/>
             </a:lvl1pPr>
-            <a:lvl2pPr indent="-317500" lvl="1" marL="914400">
+            <a:lvl2pPr marL="914400" lvl="1" indent="-317500">
               <a:spcBef>
                 <a:spcPts val="1600"/>
               </a:spcBef>
@@ -5670,7 +5655,7 @@
               <a:buChar char="○"/>
               <a:defRPr/>
             </a:lvl2pPr>
-            <a:lvl3pPr indent="-317500" lvl="2" marL="1371600">
+            <a:lvl3pPr marL="1371600" lvl="2" indent="-317500">
               <a:spcBef>
                 <a:spcPts val="1600"/>
               </a:spcBef>
@@ -5681,7 +5666,7 @@
               <a:buChar char="■"/>
               <a:defRPr/>
             </a:lvl3pPr>
-            <a:lvl4pPr indent="-317500" lvl="3" marL="1828800">
+            <a:lvl4pPr marL="1828800" lvl="3" indent="-317500">
               <a:spcBef>
                 <a:spcPts val="1600"/>
               </a:spcBef>
@@ -5692,7 +5677,7 @@
               <a:buChar char="●"/>
               <a:defRPr/>
             </a:lvl4pPr>
-            <a:lvl5pPr indent="-317500" lvl="4" marL="2286000">
+            <a:lvl5pPr marL="2286000" lvl="4" indent="-317500">
               <a:spcBef>
                 <a:spcPts val="1600"/>
               </a:spcBef>
@@ -5703,7 +5688,7 @@
               <a:buChar char="○"/>
               <a:defRPr/>
             </a:lvl5pPr>
-            <a:lvl6pPr indent="-317500" lvl="5" marL="2743200">
+            <a:lvl6pPr marL="2743200" lvl="5" indent="-317500">
               <a:spcBef>
                 <a:spcPts val="1600"/>
               </a:spcBef>
@@ -5714,7 +5699,7 @@
               <a:buChar char="■"/>
               <a:defRPr/>
             </a:lvl6pPr>
-            <a:lvl7pPr indent="-317500" lvl="6" marL="3200400">
+            <a:lvl7pPr marL="3200400" lvl="6" indent="-317500">
               <a:spcBef>
                 <a:spcPts val="1600"/>
               </a:spcBef>
@@ -5725,7 +5710,7 @@
               <a:buChar char="●"/>
               <a:defRPr/>
             </a:lvl7pPr>
-            <a:lvl8pPr indent="-317500" lvl="7" marL="3657600">
+            <a:lvl8pPr marL="3657600" lvl="7" indent="-317500">
               <a:spcBef>
                 <a:spcPts val="1600"/>
               </a:spcBef>
@@ -5736,7 +5721,7 @@
               <a:buChar char="○"/>
               <a:defRPr/>
             </a:lvl8pPr>
-            <a:lvl9pPr indent="-317500" lvl="8" marL="4114800">
+            <a:lvl9pPr marL="4114800" lvl="8" indent="-317500">
               <a:spcBef>
                 <a:spcPts val="1600"/>
               </a:spcBef>
@@ -5748,15 +5733,19 @@
               <a:defRPr/>
             </a:lvl9pPr>
           </a:lstStyle>
-          <a:p/>
+          <a:p>
+            <a:endParaRPr/>
+          </a:p>
         </p:txBody>
       </p:sp>
       <p:sp>
         <p:nvSpPr>
           <p:cNvPr id="40" name="Google Shape;40;p9"/>
-          <p:cNvSpPr txBox="1"/>
+          <p:cNvSpPr txBox="1">
+            <a:spLocks noGrp="1"/>
+          </p:cNvSpPr>
           <p:nvPr>
-            <p:ph idx="12" type="sldNum"/>
+            <p:ph type="sldNum" idx="12"/>
           </p:nvPr>
         </p:nvSpPr>
         <p:spPr>
@@ -5769,7 +5758,7 @@
           </a:prstGeom>
         </p:spPr>
         <p:txBody>
-          <a:bodyPr anchorCtr="0" anchor="ctr" bIns="91425" lIns="91425" spcFirstLastPara="1" rIns="91425" wrap="square" tIns="91425">
+          <a:bodyPr spcFirstLastPara="1" wrap="square" lIns="91425" tIns="91425" rIns="91425" bIns="91425" anchor="ctr" anchorCtr="0">
             <a:noAutofit/>
           </a:bodyPr>
           <a:lstStyle>
@@ -5811,7 +5800,7 @@
             </a:lvl9pPr>
           </a:lstStyle>
           <a:p>
-            <a:pPr indent="0" lvl="0" marL="0" rtl="0" algn="r">
+            <a:pPr marL="0" lvl="0" indent="0" algn="r" rtl="0">
               <a:spcBef>
                 <a:spcPts val="0"/>
               </a:spcBef>
@@ -5837,11 +5826,11 @@
 </file>
 
 <file path=ppt/slideLayouts/slideLayout9.xml><?xml version="1.0" encoding="utf-8"?>
-<p:sldLayout xmlns:a="http://schemas.openxmlformats.org/drawingml/2006/main" xmlns:r="http://schemas.openxmlformats.org/officeDocument/2006/relationships" xmlns:mc="http://schemas.openxmlformats.org/markup-compatibility/2006" xmlns:mv="urn:schemas-microsoft-com:mac:vml" xmlns:p="http://schemas.openxmlformats.org/presentationml/2006/main" xmlns:c="http://schemas.openxmlformats.org/drawingml/2006/chart" xmlns:dgm="http://schemas.openxmlformats.org/drawingml/2006/diagram" xmlns:o="urn:schemas-microsoft-com:office:office" xmlns:v="urn:schemas-microsoft-com:vml" xmlns:pvml="urn:schemas-microsoft-com:office:powerpoint" xmlns:com="http://schemas.openxmlformats.org/drawingml/2006/compatibility" xmlns:p14="http://schemas.microsoft.com/office/powerpoint/2010/main" xmlns:p15="http://schemas.microsoft.com/office/powerpoint/2012/main" matchingName="Caption">
+<p:sldLayout xmlns:a="http://schemas.openxmlformats.org/drawingml/2006/main" xmlns:r="http://schemas.openxmlformats.org/officeDocument/2006/relationships" xmlns:p="http://schemas.openxmlformats.org/presentationml/2006/main" matchingName="Caption">
   <p:cSld name="CAPTION_ONLY">
     <p:spTree>
       <p:nvGrpSpPr>
-        <p:cNvPr id="41" name="Shape 41"/>
+        <p:cNvPr id="1" name="Shape 41"/>
         <p:cNvGrpSpPr/>
         <p:nvPr/>
       </p:nvGrpSpPr>
@@ -5856,9 +5845,11 @@
       <p:sp>
         <p:nvSpPr>
           <p:cNvPr id="42" name="Google Shape;42;p10"/>
-          <p:cNvSpPr txBox="1"/>
+          <p:cNvSpPr txBox="1">
+            <a:spLocks noGrp="1"/>
+          </p:cNvSpPr>
           <p:nvPr>
-            <p:ph idx="1" type="body"/>
+            <p:ph type="body" idx="1"/>
           </p:nvPr>
         </p:nvSpPr>
         <p:spPr>
@@ -5871,11 +5862,11 @@
           </a:prstGeom>
         </p:spPr>
         <p:txBody>
-          <a:bodyPr anchorCtr="0" anchor="ctr" bIns="91425" lIns="91425" spcFirstLastPara="1" rIns="91425" wrap="square" tIns="91425">
+          <a:bodyPr spcFirstLastPara="1" wrap="square" lIns="91425" tIns="91425" rIns="91425" bIns="91425" anchor="ctr" anchorCtr="0">
             <a:noAutofit/>
           </a:bodyPr>
           <a:lstStyle>
-            <a:lvl1pPr indent="-228600" lvl="0" marL="457200">
+            <a:lvl1pPr marL="457200" lvl="0" indent="-228600">
               <a:lnSpc>
                 <a:spcPct val="100000"/>
               </a:lnSpc>
@@ -5890,15 +5881,19 @@
               <a:defRPr/>
             </a:lvl1pPr>
           </a:lstStyle>
-          <a:p/>
+          <a:p>
+            <a:endParaRPr/>
+          </a:p>
         </p:txBody>
       </p:sp>
       <p:sp>
         <p:nvSpPr>
           <p:cNvPr id="43" name="Google Shape;43;p10"/>
-          <p:cNvSpPr txBox="1"/>
+          <p:cNvSpPr txBox="1">
+            <a:spLocks noGrp="1"/>
+          </p:cNvSpPr>
           <p:nvPr>
-            <p:ph idx="12" type="sldNum"/>
+            <p:ph type="sldNum" idx="12"/>
           </p:nvPr>
         </p:nvSpPr>
         <p:spPr>
@@ -5911,7 +5906,7 @@
           </a:prstGeom>
         </p:spPr>
         <p:txBody>
-          <a:bodyPr anchorCtr="0" anchor="ctr" bIns="91425" lIns="91425" spcFirstLastPara="1" rIns="91425" wrap="square" tIns="91425">
+          <a:bodyPr spcFirstLastPara="1" wrap="square" lIns="91425" tIns="91425" rIns="91425" bIns="91425" anchor="ctr" anchorCtr="0">
             <a:noAutofit/>
           </a:bodyPr>
           <a:lstStyle>
@@ -5953,7 +5948,7 @@
             </a:lvl9pPr>
           </a:lstStyle>
           <a:p>
-            <a:pPr indent="0" lvl="0" marL="0" rtl="0" algn="r">
+            <a:pPr marL="0" lvl="0" indent="0" algn="r" rtl="0">
               <a:spcBef>
                 <a:spcPts val="0"/>
               </a:spcBef>
@@ -5979,18 +5974,19 @@
 </file>
 
 <file path=ppt/slideMasters/slideMaster1.xml><?xml version="1.0" encoding="utf-8"?>
-<p:sldMaster xmlns:a="http://schemas.openxmlformats.org/drawingml/2006/main" xmlns:r="http://schemas.openxmlformats.org/officeDocument/2006/relationships" xmlns:mc="http://schemas.openxmlformats.org/markup-compatibility/2006" xmlns:mv="urn:schemas-microsoft-com:mac:vml" xmlns:p="http://schemas.openxmlformats.org/presentationml/2006/main" xmlns:c="http://schemas.openxmlformats.org/drawingml/2006/chart" xmlns:dgm="http://schemas.openxmlformats.org/drawingml/2006/diagram" xmlns:o="urn:schemas-microsoft-com:office:office" xmlns:v="urn:schemas-microsoft-com:vml" xmlns:pvml="urn:schemas-microsoft-com:office:powerpoint" xmlns:com="http://schemas.openxmlformats.org/drawingml/2006/compatibility" xmlns:p14="http://schemas.microsoft.com/office/powerpoint/2010/main" xmlns:p15="http://schemas.microsoft.com/office/powerpoint/2012/main">
+<p:sldMaster xmlns:a="http://schemas.openxmlformats.org/drawingml/2006/main" xmlns:r="http://schemas.openxmlformats.org/officeDocument/2006/relationships" xmlns:p="http://schemas.openxmlformats.org/presentationml/2006/main">
   <p:cSld name="simple-light-2">
     <p:bg>
       <p:bgPr>
         <a:solidFill>
           <a:schemeClr val="lt1"/>
         </a:solidFill>
+        <a:effectLst/>
       </p:bgPr>
     </p:bg>
     <p:spTree>
       <p:nvGrpSpPr>
-        <p:cNvPr id="5" name="Shape 5"/>
+        <p:cNvPr id="1" name="Shape 5"/>
         <p:cNvGrpSpPr/>
         <p:nvPr/>
       </p:nvGrpSpPr>
@@ -6005,7 +6001,9 @@
       <p:sp>
         <p:nvSpPr>
           <p:cNvPr id="6" name="Google Shape;6;p1"/>
-          <p:cNvSpPr txBox="1"/>
+          <p:cNvSpPr txBox="1">
+            <a:spLocks noGrp="1"/>
+          </p:cNvSpPr>
           <p:nvPr>
             <p:ph type="title"/>
           </p:nvPr>
@@ -6024,7 +6022,7 @@
           </a:ln>
         </p:spPr>
         <p:txBody>
-          <a:bodyPr anchorCtr="0" anchor="t" bIns="91425" lIns="91425" spcFirstLastPara="1" rIns="91425" wrap="square" tIns="91425">
+          <a:bodyPr spcFirstLastPara="1" wrap="square" lIns="91425" tIns="91425" rIns="91425" bIns="91425" anchor="t" anchorCtr="0">
             <a:noAutofit/>
           </a:bodyPr>
           <a:lstStyle>
@@ -6191,15 +6189,19 @@
               </a:defRPr>
             </a:lvl9pPr>
           </a:lstStyle>
-          <a:p/>
+          <a:p>
+            <a:endParaRPr/>
+          </a:p>
         </p:txBody>
       </p:sp>
       <p:sp>
         <p:nvSpPr>
           <p:cNvPr id="7" name="Google Shape;7;p1"/>
-          <p:cNvSpPr txBox="1"/>
+          <p:cNvSpPr txBox="1">
+            <a:spLocks noGrp="1"/>
+          </p:cNvSpPr>
           <p:nvPr>
-            <p:ph idx="1" type="body"/>
+            <p:ph type="body" idx="1"/>
           </p:nvPr>
         </p:nvSpPr>
         <p:spPr>
@@ -6216,11 +6218,11 @@
           </a:ln>
         </p:spPr>
         <p:txBody>
-          <a:bodyPr anchorCtr="0" anchor="t" bIns="91425" lIns="91425" spcFirstLastPara="1" rIns="91425" wrap="square" tIns="91425">
+          <a:bodyPr spcFirstLastPara="1" wrap="square" lIns="91425" tIns="91425" rIns="91425" bIns="91425" anchor="t" anchorCtr="0">
             <a:noAutofit/>
           </a:bodyPr>
           <a:lstStyle>
-            <a:lvl1pPr indent="-342900" lvl="0" marL="457200">
+            <a:lvl1pPr marL="457200" lvl="0" indent="-342900">
               <a:lnSpc>
                 <a:spcPct val="115000"/>
               </a:lnSpc>
@@ -6241,7 +6243,7 @@
                 </a:solidFill>
               </a:defRPr>
             </a:lvl1pPr>
-            <a:lvl2pPr indent="-317500" lvl="1" marL="914400">
+            <a:lvl2pPr marL="914400" lvl="1" indent="-317500">
               <a:lnSpc>
                 <a:spcPct val="115000"/>
               </a:lnSpc>
@@ -6262,7 +6264,7 @@
                 </a:solidFill>
               </a:defRPr>
             </a:lvl2pPr>
-            <a:lvl3pPr indent="-317500" lvl="2" marL="1371600">
+            <a:lvl3pPr marL="1371600" lvl="2" indent="-317500">
               <a:lnSpc>
                 <a:spcPct val="115000"/>
               </a:lnSpc>
@@ -6283,7 +6285,7 @@
                 </a:solidFill>
               </a:defRPr>
             </a:lvl3pPr>
-            <a:lvl4pPr indent="-317500" lvl="3" marL="1828800">
+            <a:lvl4pPr marL="1828800" lvl="3" indent="-317500">
               <a:lnSpc>
                 <a:spcPct val="115000"/>
               </a:lnSpc>
@@ -6304,7 +6306,7 @@
                 </a:solidFill>
               </a:defRPr>
             </a:lvl4pPr>
-            <a:lvl5pPr indent="-317500" lvl="4" marL="2286000">
+            <a:lvl5pPr marL="2286000" lvl="4" indent="-317500">
               <a:lnSpc>
                 <a:spcPct val="115000"/>
               </a:lnSpc>
@@ -6325,7 +6327,7 @@
                 </a:solidFill>
               </a:defRPr>
             </a:lvl5pPr>
-            <a:lvl6pPr indent="-317500" lvl="5" marL="2743200">
+            <a:lvl6pPr marL="2743200" lvl="5" indent="-317500">
               <a:lnSpc>
                 <a:spcPct val="115000"/>
               </a:lnSpc>
@@ -6346,7 +6348,7 @@
                 </a:solidFill>
               </a:defRPr>
             </a:lvl6pPr>
-            <a:lvl7pPr indent="-317500" lvl="6" marL="3200400">
+            <a:lvl7pPr marL="3200400" lvl="6" indent="-317500">
               <a:lnSpc>
                 <a:spcPct val="115000"/>
               </a:lnSpc>
@@ -6367,7 +6369,7 @@
                 </a:solidFill>
               </a:defRPr>
             </a:lvl7pPr>
-            <a:lvl8pPr indent="-317500" lvl="7" marL="3657600">
+            <a:lvl8pPr marL="3657600" lvl="7" indent="-317500">
               <a:lnSpc>
                 <a:spcPct val="115000"/>
               </a:lnSpc>
@@ -6388,7 +6390,7 @@
                 </a:solidFill>
               </a:defRPr>
             </a:lvl8pPr>
-            <a:lvl9pPr indent="-317500" lvl="8" marL="4114800">
+            <a:lvl9pPr marL="4114800" lvl="8" indent="-317500">
               <a:lnSpc>
                 <a:spcPct val="115000"/>
               </a:lnSpc>
@@ -6410,15 +6412,19 @@
               </a:defRPr>
             </a:lvl9pPr>
           </a:lstStyle>
-          <a:p/>
+          <a:p>
+            <a:endParaRPr/>
+          </a:p>
         </p:txBody>
       </p:sp>
       <p:sp>
         <p:nvSpPr>
           <p:cNvPr id="8" name="Google Shape;8;p1"/>
-          <p:cNvSpPr txBox="1"/>
+          <p:cNvSpPr txBox="1">
+            <a:spLocks noGrp="1"/>
+          </p:cNvSpPr>
           <p:nvPr>
-            <p:ph idx="12" type="sldNum"/>
+            <p:ph type="sldNum" idx="12"/>
           </p:nvPr>
         </p:nvSpPr>
         <p:spPr>
@@ -6435,7 +6441,7 @@
           </a:ln>
         </p:spPr>
         <p:txBody>
-          <a:bodyPr anchorCtr="0" anchor="ctr" bIns="91425" lIns="91425" spcFirstLastPara="1" rIns="91425" wrap="square" tIns="91425">
+          <a:bodyPr spcFirstLastPara="1" wrap="square" lIns="91425" tIns="91425" rIns="91425" bIns="91425" anchor="ctr" anchorCtr="0">
             <a:noAutofit/>
           </a:bodyPr>
           <a:lstStyle>
@@ -6513,7 +6519,7 @@
             </a:lvl9pPr>
           </a:lstStyle>
           <a:p>
-            <a:pPr indent="0" lvl="0" marL="0" rtl="0" algn="r">
+            <a:pPr marL="0" lvl="0" indent="0" algn="r" rtl="0">
               <a:spcBef>
                 <a:spcPts val="0"/>
               </a:spcBef>
@@ -6532,7 +6538,7 @@
       </p:sp>
     </p:spTree>
   </p:cSld>
-  <p:clrMap accent1="accent1" accent2="accent2" accent3="accent3" accent4="accent4" accent5="accent5" accent6="accent6" bg1="lt1" bg2="dk2" tx1="dk1" tx2="lt2" folHlink="folHlink" hlink="hlink"/>
+  <p:clrMap bg1="lt1" tx1="dk1" bg2="dk2" tx2="lt2" accent1="accent1" accent2="accent2" accent3="accent3" accent4="accent4" accent5="accent5" accent6="accent6" hlink="hlink" folHlink="folHlink"/>
   <p:sldLayoutIdLst>
     <p:sldLayoutId id="2147483648" r:id="rId1"/>
     <p:sldLayoutId id="2147483649" r:id="rId2"/>
@@ -6546,10 +6552,10 @@
     <p:sldLayoutId id="2147483657" r:id="rId10"/>
     <p:sldLayoutId id="2147483658" r:id="rId11"/>
   </p:sldLayoutIdLst>
-  <p:hf dt="0" ftr="0" hdr="0" sldNum="0"/>
+  <p:hf sldNum="0" hdr="0" ftr="0" dt="0"/>
   <p:txStyles>
     <p:titleStyle>
-      <a:defPPr lvl="0" marR="0" rtl="0" algn="l">
+      <a:defPPr marR="0" lvl="0" algn="l" rtl="0">
         <a:lnSpc>
           <a:spcPct val="100000"/>
         </a:lnSpc>
@@ -6560,7 +6566,7 @@
           <a:spcPts val="0"/>
         </a:spcAft>
       </a:defPPr>
-      <a:lvl1pPr lvl="0" marR="0" rtl="0" algn="l">
+      <a:lvl1pPr marR="0" lvl="0" algn="l" rtl="0">
         <a:lnSpc>
           <a:spcPct val="100000"/>
         </a:lnSpc>
@@ -6574,7 +6580,7 @@
           <a:srgbClr val="000000"/>
         </a:buClr>
         <a:buFont typeface="Arial"/>
-        <a:defRPr b="0" i="0" sz="1400" u="none" cap="none" strike="noStrike">
+        <a:defRPr sz="1400" b="0" i="0" u="none" strike="noStrike" cap="none">
           <a:solidFill>
             <a:srgbClr val="000000"/>
           </a:solidFill>
@@ -6584,7 +6590,7 @@
           <a:sym typeface="Arial"/>
         </a:defRPr>
       </a:lvl1pPr>
-      <a:lvl2pPr lvl="1" marR="0" rtl="0" algn="l">
+      <a:lvl2pPr marR="0" lvl="1" algn="l" rtl="0">
         <a:lnSpc>
           <a:spcPct val="100000"/>
         </a:lnSpc>
@@ -6598,7 +6604,7 @@
           <a:srgbClr val="000000"/>
         </a:buClr>
         <a:buFont typeface="Arial"/>
-        <a:defRPr b="0" i="0" sz="1400" u="none" cap="none" strike="noStrike">
+        <a:defRPr sz="1400" b="0" i="0" u="none" strike="noStrike" cap="none">
           <a:solidFill>
             <a:srgbClr val="000000"/>
           </a:solidFill>
@@ -6608,7 +6614,7 @@
           <a:sym typeface="Arial"/>
         </a:defRPr>
       </a:lvl2pPr>
-      <a:lvl3pPr lvl="2" marR="0" rtl="0" algn="l">
+      <a:lvl3pPr marR="0" lvl="2" algn="l" rtl="0">
         <a:lnSpc>
           <a:spcPct val="100000"/>
         </a:lnSpc>
@@ -6622,7 +6628,7 @@
           <a:srgbClr val="000000"/>
         </a:buClr>
         <a:buFont typeface="Arial"/>
-        <a:defRPr b="0" i="0" sz="1400" u="none" cap="none" strike="noStrike">
+        <a:defRPr sz="1400" b="0" i="0" u="none" strike="noStrike" cap="none">
           <a:solidFill>
             <a:srgbClr val="000000"/>
           </a:solidFill>
@@ -6632,7 +6638,7 @@
           <a:sym typeface="Arial"/>
         </a:defRPr>
       </a:lvl3pPr>
-      <a:lvl4pPr lvl="3" marR="0" rtl="0" algn="l">
+      <a:lvl4pPr marR="0" lvl="3" algn="l" rtl="0">
         <a:lnSpc>
           <a:spcPct val="100000"/>
         </a:lnSpc>
@@ -6646,7 +6652,7 @@
           <a:srgbClr val="000000"/>
         </a:buClr>
         <a:buFont typeface="Arial"/>
-        <a:defRPr b="0" i="0" sz="1400" u="none" cap="none" strike="noStrike">
+        <a:defRPr sz="1400" b="0" i="0" u="none" strike="noStrike" cap="none">
           <a:solidFill>
             <a:srgbClr val="000000"/>
           </a:solidFill>
@@ -6656,7 +6662,7 @@
           <a:sym typeface="Arial"/>
         </a:defRPr>
       </a:lvl4pPr>
-      <a:lvl5pPr lvl="4" marR="0" rtl="0" algn="l">
+      <a:lvl5pPr marR="0" lvl="4" algn="l" rtl="0">
         <a:lnSpc>
           <a:spcPct val="100000"/>
         </a:lnSpc>
@@ -6670,7 +6676,7 @@
           <a:srgbClr val="000000"/>
         </a:buClr>
         <a:buFont typeface="Arial"/>
-        <a:defRPr b="0" i="0" sz="1400" u="none" cap="none" strike="noStrike">
+        <a:defRPr sz="1400" b="0" i="0" u="none" strike="noStrike" cap="none">
           <a:solidFill>
             <a:srgbClr val="000000"/>
           </a:solidFill>
@@ -6680,7 +6686,7 @@
           <a:sym typeface="Arial"/>
         </a:defRPr>
       </a:lvl5pPr>
-      <a:lvl6pPr lvl="5" marR="0" rtl="0" algn="l">
+      <a:lvl6pPr marR="0" lvl="5" algn="l" rtl="0">
         <a:lnSpc>
           <a:spcPct val="100000"/>
         </a:lnSpc>
@@ -6694,7 +6700,7 @@
           <a:srgbClr val="000000"/>
         </a:buClr>
         <a:buFont typeface="Arial"/>
-        <a:defRPr b="0" i="0" sz="1400" u="none" cap="none" strike="noStrike">
+        <a:defRPr sz="1400" b="0" i="0" u="none" strike="noStrike" cap="none">
           <a:solidFill>
             <a:srgbClr val="000000"/>
           </a:solidFill>
@@ -6704,7 +6710,7 @@
           <a:sym typeface="Arial"/>
         </a:defRPr>
       </a:lvl6pPr>
-      <a:lvl7pPr lvl="6" marR="0" rtl="0" algn="l">
+      <a:lvl7pPr marR="0" lvl="6" algn="l" rtl="0">
         <a:lnSpc>
           <a:spcPct val="100000"/>
         </a:lnSpc>
@@ -6718,7 +6724,7 @@
           <a:srgbClr val="000000"/>
         </a:buClr>
         <a:buFont typeface="Arial"/>
-        <a:defRPr b="0" i="0" sz="1400" u="none" cap="none" strike="noStrike">
+        <a:defRPr sz="1400" b="0" i="0" u="none" strike="noStrike" cap="none">
           <a:solidFill>
             <a:srgbClr val="000000"/>
           </a:solidFill>
@@ -6728,7 +6734,7 @@
           <a:sym typeface="Arial"/>
         </a:defRPr>
       </a:lvl7pPr>
-      <a:lvl8pPr lvl="7" marR="0" rtl="0" algn="l">
+      <a:lvl8pPr marR="0" lvl="7" algn="l" rtl="0">
         <a:lnSpc>
           <a:spcPct val="100000"/>
         </a:lnSpc>
@@ -6742,7 +6748,7 @@
           <a:srgbClr val="000000"/>
         </a:buClr>
         <a:buFont typeface="Arial"/>
-        <a:defRPr b="0" i="0" sz="1400" u="none" cap="none" strike="noStrike">
+        <a:defRPr sz="1400" b="0" i="0" u="none" strike="noStrike" cap="none">
           <a:solidFill>
             <a:srgbClr val="000000"/>
           </a:solidFill>
@@ -6752,7 +6758,7 @@
           <a:sym typeface="Arial"/>
         </a:defRPr>
       </a:lvl8pPr>
-      <a:lvl9pPr lvl="8" marR="0" rtl="0" algn="l">
+      <a:lvl9pPr marR="0" lvl="8" algn="l" rtl="0">
         <a:lnSpc>
           <a:spcPct val="100000"/>
         </a:lnSpc>
@@ -6766,7 +6772,7 @@
           <a:srgbClr val="000000"/>
         </a:buClr>
         <a:buFont typeface="Arial"/>
-        <a:defRPr b="0" i="0" sz="1400" u="none" cap="none" strike="noStrike">
+        <a:defRPr sz="1400" b="0" i="0" u="none" strike="noStrike" cap="none">
           <a:solidFill>
             <a:srgbClr val="000000"/>
           </a:solidFill>
@@ -6778,7 +6784,7 @@
       </a:lvl9pPr>
     </p:titleStyle>
     <p:bodyStyle>
-      <a:defPPr lvl="0" marR="0" rtl="0" algn="l">
+      <a:defPPr marR="0" lvl="0" algn="l" rtl="0">
         <a:lnSpc>
           <a:spcPct val="100000"/>
         </a:lnSpc>
@@ -6789,7 +6795,7 @@
           <a:spcPts val="0"/>
         </a:spcAft>
       </a:defPPr>
-      <a:lvl1pPr lvl="0" marR="0" rtl="0" algn="l">
+      <a:lvl1pPr marR="0" lvl="0" algn="l" rtl="0">
         <a:lnSpc>
           <a:spcPct val="100000"/>
         </a:lnSpc>
@@ -6803,7 +6809,7 @@
           <a:srgbClr val="000000"/>
         </a:buClr>
         <a:buFont typeface="Arial"/>
-        <a:defRPr b="0" i="0" sz="1400" u="none" cap="none" strike="noStrike">
+        <a:defRPr sz="1400" b="0" i="0" u="none" strike="noStrike" cap="none">
           <a:solidFill>
             <a:srgbClr val="000000"/>
           </a:solidFill>
@@ -6813,7 +6819,7 @@
           <a:sym typeface="Arial"/>
         </a:defRPr>
       </a:lvl1pPr>
-      <a:lvl2pPr lvl="1" marR="0" rtl="0" algn="l">
+      <a:lvl2pPr marR="0" lvl="1" algn="l" rtl="0">
         <a:lnSpc>
           <a:spcPct val="100000"/>
         </a:lnSpc>
@@ -6827,7 +6833,7 @@
           <a:srgbClr val="000000"/>
         </a:buClr>
         <a:buFont typeface="Arial"/>
-        <a:defRPr b="0" i="0" sz="1400" u="none" cap="none" strike="noStrike">
+        <a:defRPr sz="1400" b="0" i="0" u="none" strike="noStrike" cap="none">
           <a:solidFill>
             <a:srgbClr val="000000"/>
           </a:solidFill>
@@ -6837,7 +6843,7 @@
           <a:sym typeface="Arial"/>
         </a:defRPr>
       </a:lvl2pPr>
-      <a:lvl3pPr lvl="2" marR="0" rtl="0" algn="l">
+      <a:lvl3pPr marR="0" lvl="2" algn="l" rtl="0">
         <a:lnSpc>
           <a:spcPct val="100000"/>
         </a:lnSpc>
@@ -6851,7 +6857,7 @@
           <a:srgbClr val="000000"/>
         </a:buClr>
         <a:buFont typeface="Arial"/>
-        <a:defRPr b="0" i="0" sz="1400" u="none" cap="none" strike="noStrike">
+        <a:defRPr sz="1400" b="0" i="0" u="none" strike="noStrike" cap="none">
           <a:solidFill>
             <a:srgbClr val="000000"/>
           </a:solidFill>
@@ -6861,7 +6867,7 @@
           <a:sym typeface="Arial"/>
         </a:defRPr>
       </a:lvl3pPr>
-      <a:lvl4pPr lvl="3" marR="0" rtl="0" algn="l">
+      <a:lvl4pPr marR="0" lvl="3" algn="l" rtl="0">
         <a:lnSpc>
           <a:spcPct val="100000"/>
         </a:lnSpc>
@@ -6875,7 +6881,7 @@
           <a:srgbClr val="000000"/>
         </a:buClr>
         <a:buFont typeface="Arial"/>
-        <a:defRPr b="0" i="0" sz="1400" u="none" cap="none" strike="noStrike">
+        <a:defRPr sz="1400" b="0" i="0" u="none" strike="noStrike" cap="none">
           <a:solidFill>
             <a:srgbClr val="000000"/>
           </a:solidFill>
@@ -6885,7 +6891,7 @@
           <a:sym typeface="Arial"/>
         </a:defRPr>
       </a:lvl4pPr>
-      <a:lvl5pPr lvl="4" marR="0" rtl="0" algn="l">
+      <a:lvl5pPr marR="0" lvl="4" algn="l" rtl="0">
         <a:lnSpc>
           <a:spcPct val="100000"/>
         </a:lnSpc>
@@ -6899,7 +6905,7 @@
           <a:srgbClr val="000000"/>
         </a:buClr>
         <a:buFont typeface="Arial"/>
-        <a:defRPr b="0" i="0" sz="1400" u="none" cap="none" strike="noStrike">
+        <a:defRPr sz="1400" b="0" i="0" u="none" strike="noStrike" cap="none">
           <a:solidFill>
             <a:srgbClr val="000000"/>
           </a:solidFill>
@@ -6909,7 +6915,7 @@
           <a:sym typeface="Arial"/>
         </a:defRPr>
       </a:lvl5pPr>
-      <a:lvl6pPr lvl="5" marR="0" rtl="0" algn="l">
+      <a:lvl6pPr marR="0" lvl="5" algn="l" rtl="0">
         <a:lnSpc>
           <a:spcPct val="100000"/>
         </a:lnSpc>
@@ -6923,7 +6929,7 @@
           <a:srgbClr val="000000"/>
         </a:buClr>
         <a:buFont typeface="Arial"/>
-        <a:defRPr b="0" i="0" sz="1400" u="none" cap="none" strike="noStrike">
+        <a:defRPr sz="1400" b="0" i="0" u="none" strike="noStrike" cap="none">
           <a:solidFill>
             <a:srgbClr val="000000"/>
           </a:solidFill>
@@ -6933,7 +6939,7 @@
           <a:sym typeface="Arial"/>
         </a:defRPr>
       </a:lvl6pPr>
-      <a:lvl7pPr lvl="6" marR="0" rtl="0" algn="l">
+      <a:lvl7pPr marR="0" lvl="6" algn="l" rtl="0">
         <a:lnSpc>
           <a:spcPct val="100000"/>
         </a:lnSpc>
@@ -6947,7 +6953,7 @@
           <a:srgbClr val="000000"/>
         </a:buClr>
         <a:buFont typeface="Arial"/>
-        <a:defRPr b="0" i="0" sz="1400" u="none" cap="none" strike="noStrike">
+        <a:defRPr sz="1400" b="0" i="0" u="none" strike="noStrike" cap="none">
           <a:solidFill>
             <a:srgbClr val="000000"/>
           </a:solidFill>
@@ -6957,7 +6963,7 @@
           <a:sym typeface="Arial"/>
         </a:defRPr>
       </a:lvl7pPr>
-      <a:lvl8pPr lvl="7" marR="0" rtl="0" algn="l">
+      <a:lvl8pPr marR="0" lvl="7" algn="l" rtl="0">
         <a:lnSpc>
           <a:spcPct val="100000"/>
         </a:lnSpc>
@@ -6971,7 +6977,7 @@
           <a:srgbClr val="000000"/>
         </a:buClr>
         <a:buFont typeface="Arial"/>
-        <a:defRPr b="0" i="0" sz="1400" u="none" cap="none" strike="noStrike">
+        <a:defRPr sz="1400" b="0" i="0" u="none" strike="noStrike" cap="none">
           <a:solidFill>
             <a:srgbClr val="000000"/>
           </a:solidFill>
@@ -6981,7 +6987,7 @@
           <a:sym typeface="Arial"/>
         </a:defRPr>
       </a:lvl8pPr>
-      <a:lvl9pPr lvl="8" marR="0" rtl="0" algn="l">
+      <a:lvl9pPr marR="0" lvl="8" algn="l" rtl="0">
         <a:lnSpc>
           <a:spcPct val="100000"/>
         </a:lnSpc>
@@ -6995,7 +7001,7 @@
           <a:srgbClr val="000000"/>
         </a:buClr>
         <a:buFont typeface="Arial"/>
-        <a:defRPr b="0" i="0" sz="1400" u="none" cap="none" strike="noStrike">
+        <a:defRPr sz="1400" b="0" i="0" u="none" strike="noStrike" cap="none">
           <a:solidFill>
             <a:srgbClr val="000000"/>
           </a:solidFill>
@@ -7007,7 +7013,7 @@
       </a:lvl9pPr>
     </p:bodyStyle>
     <p:otherStyle>
-      <a:defPPr lvl="0" marR="0" rtl="0" algn="l">
+      <a:defPPr marR="0" lvl="0" algn="l" rtl="0">
         <a:lnSpc>
           <a:spcPct val="100000"/>
         </a:lnSpc>
@@ -7018,7 +7024,7 @@
           <a:spcPts val="0"/>
         </a:spcAft>
       </a:defPPr>
-      <a:lvl1pPr lvl="0" marR="0" rtl="0" algn="l">
+      <a:lvl1pPr marR="0" lvl="0" algn="l" rtl="0">
         <a:lnSpc>
           <a:spcPct val="100000"/>
         </a:lnSpc>
@@ -7032,7 +7038,7 @@
           <a:srgbClr val="000000"/>
         </a:buClr>
         <a:buFont typeface="Arial"/>
-        <a:defRPr b="0" i="0" sz="1400" u="none" cap="none" strike="noStrike">
+        <a:defRPr sz="1400" b="0" i="0" u="none" strike="noStrike" cap="none">
           <a:solidFill>
             <a:srgbClr val="000000"/>
           </a:solidFill>
@@ -7042,7 +7048,7 @@
           <a:sym typeface="Arial"/>
         </a:defRPr>
       </a:lvl1pPr>
-      <a:lvl2pPr lvl="1" marR="0" rtl="0" algn="l">
+      <a:lvl2pPr marR="0" lvl="1" algn="l" rtl="0">
         <a:lnSpc>
           <a:spcPct val="100000"/>
         </a:lnSpc>
@@ -7056,7 +7062,7 @@
           <a:srgbClr val="000000"/>
         </a:buClr>
         <a:buFont typeface="Arial"/>
-        <a:defRPr b="0" i="0" sz="1400" u="none" cap="none" strike="noStrike">
+        <a:defRPr sz="1400" b="0" i="0" u="none" strike="noStrike" cap="none">
           <a:solidFill>
             <a:srgbClr val="000000"/>
           </a:solidFill>
@@ -7066,7 +7072,7 @@
           <a:sym typeface="Arial"/>
         </a:defRPr>
       </a:lvl2pPr>
-      <a:lvl3pPr lvl="2" marR="0" rtl="0" algn="l">
+      <a:lvl3pPr marR="0" lvl="2" algn="l" rtl="0">
         <a:lnSpc>
           <a:spcPct val="100000"/>
         </a:lnSpc>
@@ -7080,7 +7086,7 @@
           <a:srgbClr val="000000"/>
         </a:buClr>
         <a:buFont typeface="Arial"/>
-        <a:defRPr b="0" i="0" sz="1400" u="none" cap="none" strike="noStrike">
+        <a:defRPr sz="1400" b="0" i="0" u="none" strike="noStrike" cap="none">
           <a:solidFill>
             <a:srgbClr val="000000"/>
           </a:solidFill>
@@ -7090,7 +7096,7 @@
           <a:sym typeface="Arial"/>
         </a:defRPr>
       </a:lvl3pPr>
-      <a:lvl4pPr lvl="3" marR="0" rtl="0" algn="l">
+      <a:lvl4pPr marR="0" lvl="3" algn="l" rtl="0">
         <a:lnSpc>
           <a:spcPct val="100000"/>
         </a:lnSpc>
@@ -7104,7 +7110,7 @@
           <a:srgbClr val="000000"/>
         </a:buClr>
         <a:buFont typeface="Arial"/>
-        <a:defRPr b="0" i="0" sz="1400" u="none" cap="none" strike="noStrike">
+        <a:defRPr sz="1400" b="0" i="0" u="none" strike="noStrike" cap="none">
           <a:solidFill>
             <a:srgbClr val="000000"/>
           </a:solidFill>
@@ -7114,7 +7120,7 @@
           <a:sym typeface="Arial"/>
         </a:defRPr>
       </a:lvl4pPr>
-      <a:lvl5pPr lvl="4" marR="0" rtl="0" algn="l">
+      <a:lvl5pPr marR="0" lvl="4" algn="l" rtl="0">
         <a:lnSpc>
           <a:spcPct val="100000"/>
         </a:lnSpc>
@@ -7128,7 +7134,7 @@
           <a:srgbClr val="000000"/>
         </a:buClr>
         <a:buFont typeface="Arial"/>
-        <a:defRPr b="0" i="0" sz="1400" u="none" cap="none" strike="noStrike">
+        <a:defRPr sz="1400" b="0" i="0" u="none" strike="noStrike" cap="none">
           <a:solidFill>
             <a:srgbClr val="000000"/>
           </a:solidFill>
@@ -7138,7 +7144,7 @@
           <a:sym typeface="Arial"/>
         </a:defRPr>
       </a:lvl5pPr>
-      <a:lvl6pPr lvl="5" marR="0" rtl="0" algn="l">
+      <a:lvl6pPr marR="0" lvl="5" algn="l" rtl="0">
         <a:lnSpc>
           <a:spcPct val="100000"/>
         </a:lnSpc>
@@ -7152,7 +7158,7 @@
           <a:srgbClr val="000000"/>
         </a:buClr>
         <a:buFont typeface="Arial"/>
-        <a:defRPr b="0" i="0" sz="1400" u="none" cap="none" strike="noStrike">
+        <a:defRPr sz="1400" b="0" i="0" u="none" strike="noStrike" cap="none">
           <a:solidFill>
             <a:srgbClr val="000000"/>
           </a:solidFill>
@@ -7162,7 +7168,7 @@
           <a:sym typeface="Arial"/>
         </a:defRPr>
       </a:lvl6pPr>
-      <a:lvl7pPr lvl="6" marR="0" rtl="0" algn="l">
+      <a:lvl7pPr marR="0" lvl="6" algn="l" rtl="0">
         <a:lnSpc>
           <a:spcPct val="100000"/>
         </a:lnSpc>
@@ -7176,7 +7182,7 @@
           <a:srgbClr val="000000"/>
         </a:buClr>
         <a:buFont typeface="Arial"/>
-        <a:defRPr b="0" i="0" sz="1400" u="none" cap="none" strike="noStrike">
+        <a:defRPr sz="1400" b="0" i="0" u="none" strike="noStrike" cap="none">
           <a:solidFill>
             <a:srgbClr val="000000"/>
           </a:solidFill>
@@ -7186,7 +7192,7 @@
           <a:sym typeface="Arial"/>
         </a:defRPr>
       </a:lvl7pPr>
-      <a:lvl8pPr lvl="7" marR="0" rtl="0" algn="l">
+      <a:lvl8pPr marR="0" lvl="7" algn="l" rtl="0">
         <a:lnSpc>
           <a:spcPct val="100000"/>
         </a:lnSpc>
@@ -7200,7 +7206,7 @@
           <a:srgbClr val="000000"/>
         </a:buClr>
         <a:buFont typeface="Arial"/>
-        <a:defRPr b="0" i="0" sz="1400" u="none" cap="none" strike="noStrike">
+        <a:defRPr sz="1400" b="0" i="0" u="none" strike="noStrike" cap="none">
           <a:solidFill>
             <a:srgbClr val="000000"/>
           </a:solidFill>
@@ -7210,7 +7216,7 @@
           <a:sym typeface="Arial"/>
         </a:defRPr>
       </a:lvl8pPr>
-      <a:lvl9pPr lvl="8" marR="0" rtl="0" algn="l">
+      <a:lvl9pPr marR="0" lvl="8" algn="l" rtl="0">
         <a:lnSpc>
           <a:spcPct val="100000"/>
         </a:lnSpc>
@@ -7224,7 +7230,7 @@
           <a:srgbClr val="000000"/>
         </a:buClr>
         <a:buFont typeface="Arial"/>
-        <a:defRPr b="0" i="0" sz="1400" u="none" cap="none" strike="noStrike">
+        <a:defRPr sz="1400" b="0" i="0" u="none" strike="noStrike" cap="none">
           <a:solidFill>
             <a:srgbClr val="000000"/>
           </a:solidFill>
@@ -7240,11 +7246,11 @@
 </file>
 
 <file path=ppt/slides/slide1.xml><?xml version="1.0" encoding="utf-8"?>
-<p:sld xmlns:a="http://schemas.openxmlformats.org/drawingml/2006/main" xmlns:r="http://schemas.openxmlformats.org/officeDocument/2006/relationships" xmlns:mc="http://schemas.openxmlformats.org/markup-compatibility/2006" xmlns:mv="urn:schemas-microsoft-com:mac:vml" xmlns:p="http://schemas.openxmlformats.org/presentationml/2006/main" xmlns:c="http://schemas.openxmlformats.org/drawingml/2006/chart" xmlns:dgm="http://schemas.openxmlformats.org/drawingml/2006/diagram" xmlns:o="urn:schemas-microsoft-com:office:office" xmlns:v="urn:schemas-microsoft-com:vml" xmlns:pvml="urn:schemas-microsoft-com:office:powerpoint" xmlns:com="http://schemas.openxmlformats.org/drawingml/2006/compatibility" xmlns:p14="http://schemas.microsoft.com/office/powerpoint/2010/main" xmlns:p15="http://schemas.microsoft.com/office/powerpoint/2012/main">
+<p:sld xmlns:a="http://schemas.openxmlformats.org/drawingml/2006/main" xmlns:r="http://schemas.openxmlformats.org/officeDocument/2006/relationships" xmlns:p="http://schemas.openxmlformats.org/presentationml/2006/main">
   <p:cSld>
     <p:spTree>
       <p:nvGrpSpPr>
-        <p:cNvPr id="53" name="Shape 53"/>
+        <p:cNvPr id="1" name="Shape 53"/>
         <p:cNvGrpSpPr/>
         <p:nvPr/>
       </p:nvGrpSpPr>
@@ -7259,7 +7265,9 @@
       <p:sp>
         <p:nvSpPr>
           <p:cNvPr id="54" name="Google Shape;54;p13"/>
-          <p:cNvSpPr txBox="1"/>
+          <p:cNvSpPr txBox="1">
+            <a:spLocks noGrp="1"/>
+          </p:cNvSpPr>
           <p:nvPr>
             <p:ph type="ctrTitle"/>
           </p:nvPr>
@@ -7274,12 +7282,12 @@
           </a:prstGeom>
         </p:spPr>
         <p:txBody>
-          <a:bodyPr anchorCtr="0" anchor="b" bIns="91425" lIns="91425" spcFirstLastPara="1" rIns="91425" wrap="square" tIns="91425">
+          <a:bodyPr spcFirstLastPara="1" wrap="square" lIns="91425" tIns="91425" rIns="91425" bIns="91425" anchor="b" anchorCtr="0">
             <a:noAutofit/>
           </a:bodyPr>
           <a:lstStyle/>
           <a:p>
-            <a:pPr indent="0" lvl="0" marL="0" rtl="0" algn="ctr">
+            <a:pPr marL="0" lvl="0" indent="0" algn="ctr" rtl="0">
               <a:spcBef>
                 <a:spcPts val="0"/>
               </a:spcBef>
@@ -7295,7 +7303,7 @@
             <a:endParaRPr/>
           </a:p>
           <a:p>
-            <a:pPr indent="0" lvl="0" marL="0" rtl="0" algn="ctr">
+            <a:pPr marL="0" lvl="0" indent="0" algn="ctr" rtl="0">
               <a:spcBef>
                 <a:spcPts val="0"/>
               </a:spcBef>
@@ -7315,9 +7323,11 @@
       <p:sp>
         <p:nvSpPr>
           <p:cNvPr id="55" name="Google Shape;55;p13"/>
-          <p:cNvSpPr txBox="1"/>
+          <p:cNvSpPr txBox="1">
+            <a:spLocks noGrp="1"/>
+          </p:cNvSpPr>
           <p:nvPr>
-            <p:ph idx="1" type="subTitle"/>
+            <p:ph type="subTitle" idx="1"/>
           </p:nvPr>
         </p:nvSpPr>
         <p:spPr>
@@ -7330,12 +7340,12 @@
           </a:prstGeom>
         </p:spPr>
         <p:txBody>
-          <a:bodyPr anchorCtr="0" anchor="t" bIns="91425" lIns="91425" spcFirstLastPara="1" rIns="91425" wrap="square" tIns="91425">
+          <a:bodyPr spcFirstLastPara="1" wrap="square" lIns="91425" tIns="91425" rIns="91425" bIns="91425" anchor="t" anchorCtr="0">
             <a:noAutofit/>
           </a:bodyPr>
           <a:lstStyle/>
           <a:p>
-            <a:pPr indent="0" lvl="0" marL="0" rtl="0" algn="ctr">
+            <a:pPr marL="0" lvl="0" indent="0" algn="ctr" rtl="0">
               <a:spcBef>
                 <a:spcPts val="0"/>
               </a:spcBef>
@@ -7361,11 +7371,11 @@
 </file>
 
 <file path=ppt/slides/slide10.xml><?xml version="1.0" encoding="utf-8"?>
-<p:sld xmlns:a="http://schemas.openxmlformats.org/drawingml/2006/main" xmlns:r="http://schemas.openxmlformats.org/officeDocument/2006/relationships" xmlns:mc="http://schemas.openxmlformats.org/markup-compatibility/2006" xmlns:mv="urn:schemas-microsoft-com:mac:vml" xmlns:p="http://schemas.openxmlformats.org/presentationml/2006/main" xmlns:c="http://schemas.openxmlformats.org/drawingml/2006/chart" xmlns:dgm="http://schemas.openxmlformats.org/drawingml/2006/diagram" xmlns:o="urn:schemas-microsoft-com:office:office" xmlns:v="urn:schemas-microsoft-com:vml" xmlns:pvml="urn:schemas-microsoft-com:office:powerpoint" xmlns:com="http://schemas.openxmlformats.org/drawingml/2006/compatibility" xmlns:p14="http://schemas.microsoft.com/office/powerpoint/2010/main" xmlns:p15="http://schemas.microsoft.com/office/powerpoint/2012/main">
+<p:sld xmlns:a="http://schemas.openxmlformats.org/drawingml/2006/main" xmlns:r="http://schemas.openxmlformats.org/officeDocument/2006/relationships" xmlns:p="http://schemas.openxmlformats.org/presentationml/2006/main">
   <p:cSld>
     <p:spTree>
       <p:nvGrpSpPr>
-        <p:cNvPr id="117" name="Shape 117"/>
+        <p:cNvPr id="1" name="Shape 117"/>
         <p:cNvGrpSpPr/>
         <p:nvPr/>
       </p:nvGrpSpPr>
@@ -7380,7 +7390,9 @@
       <p:sp>
         <p:nvSpPr>
           <p:cNvPr id="118" name="Google Shape;118;p22"/>
-          <p:cNvSpPr txBox="1"/>
+          <p:cNvSpPr txBox="1">
+            <a:spLocks noGrp="1"/>
+          </p:cNvSpPr>
           <p:nvPr>
             <p:ph type="title"/>
           </p:nvPr>
@@ -7395,12 +7407,12 @@
           </a:prstGeom>
         </p:spPr>
         <p:txBody>
-          <a:bodyPr anchorCtr="0" anchor="t" bIns="91425" lIns="91425" spcFirstLastPara="1" rIns="91425" wrap="square" tIns="91425">
+          <a:bodyPr spcFirstLastPara="1" wrap="square" lIns="91425" tIns="91425" rIns="91425" bIns="91425" anchor="t" anchorCtr="0">
             <a:noAutofit/>
           </a:bodyPr>
           <a:lstStyle/>
           <a:p>
-            <a:pPr indent="0" lvl="0" marL="0" rtl="0" algn="l">
+            <a:pPr marL="0" lvl="0" indent="0" algn="l" rtl="0">
               <a:spcBef>
                 <a:spcPts val="0"/>
               </a:spcBef>
@@ -7420,9 +7432,11 @@
       <p:sp>
         <p:nvSpPr>
           <p:cNvPr id="119" name="Google Shape;119;p22"/>
-          <p:cNvSpPr txBox="1"/>
+          <p:cNvSpPr txBox="1">
+            <a:spLocks noGrp="1"/>
+          </p:cNvSpPr>
           <p:nvPr>
-            <p:ph idx="1" type="body"/>
+            <p:ph type="body" idx="1"/>
           </p:nvPr>
         </p:nvSpPr>
         <p:spPr>
@@ -7435,12 +7449,12 @@
           </a:prstGeom>
         </p:spPr>
         <p:txBody>
-          <a:bodyPr anchorCtr="0" anchor="t" bIns="91425" lIns="91425" spcFirstLastPara="1" rIns="91425" wrap="square" tIns="91425">
+          <a:bodyPr spcFirstLastPara="1" wrap="square" lIns="91425" tIns="91425" rIns="91425" bIns="91425" anchor="t" anchorCtr="0">
             <a:noAutofit/>
           </a:bodyPr>
           <a:lstStyle/>
           <a:p>
-            <a:pPr indent="-342900" lvl="0" marL="457200" rtl="0" algn="l">
+            <a:pPr marL="457200" lvl="0" indent="-342900" algn="l" rtl="0">
               <a:spcBef>
                 <a:spcPts val="0"/>
               </a:spcBef>
@@ -7457,7 +7471,7 @@
             <a:endParaRPr/>
           </a:p>
           <a:p>
-            <a:pPr indent="-342900" lvl="0" marL="457200" rtl="0" algn="l">
+            <a:pPr marL="457200" lvl="0" indent="-342900" algn="l" rtl="0">
               <a:spcBef>
                 <a:spcPts val="0"/>
               </a:spcBef>
@@ -7568,11 +7582,11 @@
 </file>
 
 <file path=ppt/slides/slide11.xml><?xml version="1.0" encoding="utf-8"?>
-<p:sld xmlns:a="http://schemas.openxmlformats.org/drawingml/2006/main" xmlns:r="http://schemas.openxmlformats.org/officeDocument/2006/relationships" xmlns:mc="http://schemas.openxmlformats.org/markup-compatibility/2006" xmlns:mv="urn:schemas-microsoft-com:mac:vml" xmlns:p="http://schemas.openxmlformats.org/presentationml/2006/main" xmlns:c="http://schemas.openxmlformats.org/drawingml/2006/chart" xmlns:dgm="http://schemas.openxmlformats.org/drawingml/2006/diagram" xmlns:o="urn:schemas-microsoft-com:office:office" xmlns:v="urn:schemas-microsoft-com:vml" xmlns:pvml="urn:schemas-microsoft-com:office:powerpoint" xmlns:com="http://schemas.openxmlformats.org/drawingml/2006/compatibility" xmlns:p14="http://schemas.microsoft.com/office/powerpoint/2010/main" xmlns:p15="http://schemas.microsoft.com/office/powerpoint/2012/main">
+<p:sld xmlns:a="http://schemas.openxmlformats.org/drawingml/2006/main" xmlns:r="http://schemas.openxmlformats.org/officeDocument/2006/relationships" xmlns:p="http://schemas.openxmlformats.org/presentationml/2006/main">
   <p:cSld>
     <p:spTree>
       <p:nvGrpSpPr>
-        <p:cNvPr id="126" name="Shape 126"/>
+        <p:cNvPr id="1" name="Shape 126"/>
         <p:cNvGrpSpPr/>
         <p:nvPr/>
       </p:nvGrpSpPr>
@@ -7587,7 +7601,9 @@
       <p:sp>
         <p:nvSpPr>
           <p:cNvPr id="127" name="Google Shape;127;p23"/>
-          <p:cNvSpPr txBox="1"/>
+          <p:cNvSpPr txBox="1">
+            <a:spLocks noGrp="1"/>
+          </p:cNvSpPr>
           <p:nvPr>
             <p:ph type="title"/>
           </p:nvPr>
@@ -7602,12 +7618,12 @@
           </a:prstGeom>
         </p:spPr>
         <p:txBody>
-          <a:bodyPr anchorCtr="0" anchor="t" bIns="91425" lIns="91425" spcFirstLastPara="1" rIns="91425" wrap="square" tIns="91425">
+          <a:bodyPr spcFirstLastPara="1" wrap="square" lIns="91425" tIns="91425" rIns="91425" bIns="91425" anchor="t" anchorCtr="0">
             <a:noAutofit/>
           </a:bodyPr>
           <a:lstStyle/>
           <a:p>
-            <a:pPr indent="0" lvl="0" marL="0" rtl="0" algn="l">
+            <a:pPr marL="0" lvl="0" indent="0" algn="l" rtl="0">
               <a:spcBef>
                 <a:spcPts val="0"/>
               </a:spcBef>
@@ -7627,9 +7643,11 @@
       <p:sp>
         <p:nvSpPr>
           <p:cNvPr id="128" name="Google Shape;128;p23"/>
-          <p:cNvSpPr txBox="1"/>
+          <p:cNvSpPr txBox="1">
+            <a:spLocks noGrp="1"/>
+          </p:cNvSpPr>
           <p:nvPr>
-            <p:ph idx="1" type="body"/>
+            <p:ph type="body" idx="1"/>
           </p:nvPr>
         </p:nvSpPr>
         <p:spPr>
@@ -7642,12 +7660,12 @@
           </a:prstGeom>
         </p:spPr>
         <p:txBody>
-          <a:bodyPr anchorCtr="0" anchor="t" bIns="91425" lIns="91425" spcFirstLastPara="1" rIns="91425" wrap="square" tIns="91425">
+          <a:bodyPr spcFirstLastPara="1" wrap="square" lIns="91425" tIns="91425" rIns="91425" bIns="91425" anchor="t" anchorCtr="0">
             <a:noAutofit/>
           </a:bodyPr>
           <a:lstStyle/>
           <a:p>
-            <a:pPr indent="-342900" lvl="0" marL="457200" rtl="0" algn="l">
+            <a:pPr marL="457200" lvl="0" indent="-342900" algn="l" rtl="0">
               <a:spcBef>
                 <a:spcPts val="0"/>
               </a:spcBef>
@@ -7659,16 +7677,12 @@
             </a:pPr>
             <a:r>
               <a:rPr lang="en"/>
-              <a:t>Don’t memorize these </a:t>
-            </a:r>
-            <a:r>
-              <a:rPr lang="en"/>
-              <a:t>formulas</a:t>
+              <a:t>Don’t memorize these formulas</a:t>
             </a:r>
             <a:endParaRPr/>
           </a:p>
           <a:p>
-            <a:pPr indent="-342900" lvl="0" marL="457200" rtl="0" algn="l">
+            <a:pPr marL="457200" lvl="0" indent="-342900" algn="l" rtl="0">
               <a:spcBef>
                 <a:spcPts val="0"/>
               </a:spcBef>
@@ -7685,7 +7699,7 @@
             <a:endParaRPr/>
           </a:p>
           <a:p>
-            <a:pPr indent="0" lvl="0" marL="0" rtl="0" algn="l">
+            <a:pPr marL="0" lvl="0" indent="0" algn="l" rtl="0">
               <a:spcBef>
                 <a:spcPts val="1600"/>
               </a:spcBef>
@@ -7694,13 +7708,10 @@
               </a:spcAft>
               <a:buNone/>
             </a:pPr>
-            <a:r>
-              <a:t/>
-            </a:r>
             <a:endParaRPr/>
           </a:p>
           <a:p>
-            <a:pPr indent="-342900" lvl="0" marL="457200" rtl="0" algn="l">
+            <a:pPr marL="457200" lvl="0" indent="-342900" algn="l" rtl="0">
               <a:spcBef>
                 <a:spcPts val="1600"/>
               </a:spcBef>
@@ -7717,7 +7728,7 @@
             <a:endParaRPr/>
           </a:p>
           <a:p>
-            <a:pPr indent="-317500" lvl="1" marL="914400" rtl="0" algn="l">
+            <a:pPr marL="914400" lvl="1" indent="-317500" algn="l" rtl="0">
               <a:spcBef>
                 <a:spcPts val="0"/>
               </a:spcBef>
@@ -7734,7 +7745,7 @@
             <a:endParaRPr/>
           </a:p>
           <a:p>
-            <a:pPr indent="-342900" lvl="0" marL="457200" rtl="0" algn="l">
+            <a:pPr marL="457200" lvl="0" indent="-342900" algn="l" rtl="0">
               <a:spcBef>
                 <a:spcPts val="0"/>
               </a:spcBef>
@@ -7751,7 +7762,7 @@
             <a:endParaRPr/>
           </a:p>
           <a:p>
-            <a:pPr indent="-317500" lvl="1" marL="914400" rtl="0" algn="l">
+            <a:pPr marL="914400" lvl="1" indent="-317500" algn="l" rtl="0">
               <a:spcBef>
                 <a:spcPts val="0"/>
               </a:spcBef>
@@ -7768,7 +7779,7 @@
             <a:endParaRPr/>
           </a:p>
           <a:p>
-            <a:pPr indent="-342900" lvl="0" marL="457200" rtl="0" algn="l">
+            <a:pPr marL="457200" lvl="0" indent="-342900" algn="l" rtl="0">
               <a:spcBef>
                 <a:spcPts val="0"/>
               </a:spcBef>
@@ -7851,344 +7862,11 @@
 </file>
 
 <file path=ppt/slides/slide12.xml><?xml version="1.0" encoding="utf-8"?>
-<p:sld xmlns:a="http://schemas.openxmlformats.org/drawingml/2006/main" xmlns:r="http://schemas.openxmlformats.org/officeDocument/2006/relationships" xmlns:mc="http://schemas.openxmlformats.org/markup-compatibility/2006" xmlns:mv="urn:schemas-microsoft-com:mac:vml" xmlns:p="http://schemas.openxmlformats.org/presentationml/2006/main" xmlns:c="http://schemas.openxmlformats.org/drawingml/2006/chart" xmlns:dgm="http://schemas.openxmlformats.org/drawingml/2006/diagram" xmlns:o="urn:schemas-microsoft-com:office:office" xmlns:v="urn:schemas-microsoft-com:vml" xmlns:pvml="urn:schemas-microsoft-com:office:powerpoint" xmlns:com="http://schemas.openxmlformats.org/drawingml/2006/compatibility" xmlns:p14="http://schemas.microsoft.com/office/powerpoint/2010/main" xmlns:p15="http://schemas.microsoft.com/office/powerpoint/2012/main">
+<p:sld xmlns:a="http://schemas.openxmlformats.org/drawingml/2006/main" xmlns:r="http://schemas.openxmlformats.org/officeDocument/2006/relationships" xmlns:p="http://schemas.openxmlformats.org/presentationml/2006/main">
   <p:cSld>
     <p:spTree>
       <p:nvGrpSpPr>
-        <p:cNvPr id="134" name="Shape 134"/>
-        <p:cNvGrpSpPr/>
-        <p:nvPr/>
-      </p:nvGrpSpPr>
-      <p:grpSpPr>
-        <a:xfrm>
-          <a:off x="0" y="0"/>
-          <a:ext cx="0" cy="0"/>
-          <a:chOff x="0" y="0"/>
-          <a:chExt cx="0" cy="0"/>
-        </a:xfrm>
-      </p:grpSpPr>
-      <p:sp>
-        <p:nvSpPr>
-          <p:cNvPr id="135" name="Google Shape;135;p24"/>
-          <p:cNvSpPr txBox="1"/>
-          <p:nvPr>
-            <p:ph type="title"/>
-          </p:nvPr>
-        </p:nvSpPr>
-        <p:spPr>
-          <a:xfrm>
-            <a:off x="311700" y="445025"/>
-            <a:ext cx="8520600" cy="572700"/>
-          </a:xfrm>
-          <a:prstGeom prst="rect">
-            <a:avLst/>
-          </a:prstGeom>
-        </p:spPr>
-        <p:txBody>
-          <a:bodyPr anchorCtr="0" anchor="t" bIns="91425" lIns="91425" spcFirstLastPara="1" rIns="91425" wrap="square" tIns="91425">
-            <a:noAutofit/>
-          </a:bodyPr>
-          <a:lstStyle/>
-          <a:p>
-            <a:pPr indent="0" lvl="0" marL="0" rtl="0" algn="l">
-              <a:spcBef>
-                <a:spcPts val="0"/>
-              </a:spcBef>
-              <a:spcAft>
-                <a:spcPts val="0"/>
-              </a:spcAft>
-              <a:buNone/>
-            </a:pPr>
-            <a:r>
-              <a:rPr lang="en"/>
-              <a:t>Open and Shorted Stubs</a:t>
-            </a:r>
-            <a:endParaRPr/>
-          </a:p>
-        </p:txBody>
-      </p:sp>
-      <p:sp>
-        <p:nvSpPr>
-          <p:cNvPr id="136" name="Google Shape;136;p24"/>
-          <p:cNvSpPr txBox="1"/>
-          <p:nvPr>
-            <p:ph idx="1" type="body"/>
-          </p:nvPr>
-        </p:nvSpPr>
-        <p:spPr>
-          <a:xfrm>
-            <a:off x="311700" y="1152475"/>
-            <a:ext cx="8520600" cy="3416400"/>
-          </a:xfrm>
-          <a:prstGeom prst="rect">
-            <a:avLst/>
-          </a:prstGeom>
-        </p:spPr>
-        <p:txBody>
-          <a:bodyPr anchorCtr="0" anchor="t" bIns="91425" lIns="91425" spcFirstLastPara="1" rIns="91425" wrap="square" tIns="91425">
-            <a:noAutofit/>
-          </a:bodyPr>
-          <a:lstStyle/>
-          <a:p>
-            <a:pPr indent="-342900" lvl="0" marL="457200" rtl="0" algn="l">
-              <a:spcBef>
-                <a:spcPts val="0"/>
-              </a:spcBef>
-              <a:spcAft>
-                <a:spcPts val="0"/>
-              </a:spcAft>
-              <a:buSzPts val="1800"/>
-              <a:buChar char="●"/>
-            </a:pPr>
-            <a:r>
-              <a:rPr lang="en"/>
-              <a:t>Open Stub:</a:t>
-            </a:r>
-            <a:endParaRPr/>
-          </a:p>
-          <a:p>
-            <a:pPr indent="-317500" lvl="1" marL="914400" rtl="0" algn="l">
-              <a:spcBef>
-                <a:spcPts val="0"/>
-              </a:spcBef>
-              <a:spcAft>
-                <a:spcPts val="0"/>
-              </a:spcAft>
-              <a:buSzPts val="1400"/>
-              <a:buChar char="○"/>
-            </a:pPr>
-            <a:r>
-              <a:rPr lang="en"/>
-              <a:t>R</a:t>
-            </a:r>
-            <a:r>
-              <a:rPr baseline="-25000" lang="en"/>
-              <a:t>L</a:t>
-            </a:r>
-            <a:r>
-              <a:rPr lang="en"/>
-              <a:t> = ∞</a:t>
-            </a:r>
-            <a:endParaRPr/>
-          </a:p>
-          <a:p>
-            <a:pPr indent="-317500" lvl="1" marL="914400" rtl="0" algn="l">
-              <a:spcBef>
-                <a:spcPts val="0"/>
-              </a:spcBef>
-              <a:spcAft>
-                <a:spcPts val="0"/>
-              </a:spcAft>
-              <a:buSzPts val="1400"/>
-              <a:buChar char="○"/>
-            </a:pPr>
-            <a:r>
-              <a:rPr lang="en"/>
-              <a:t>I</a:t>
-            </a:r>
-            <a:r>
-              <a:rPr baseline="-25000" lang="en"/>
-              <a:t>L</a:t>
-            </a:r>
-            <a:r>
-              <a:rPr lang="en"/>
-              <a:t> = 0</a:t>
-            </a:r>
-            <a:endParaRPr/>
-          </a:p>
-          <a:p>
-            <a:pPr indent="-342900" lvl="0" marL="457200" rtl="0" algn="l">
-              <a:spcBef>
-                <a:spcPts val="0"/>
-              </a:spcBef>
-              <a:spcAft>
-                <a:spcPts val="0"/>
-              </a:spcAft>
-              <a:buSzPts val="1800"/>
-              <a:buChar char="●"/>
-            </a:pPr>
-            <a:r>
-              <a:rPr lang="en"/>
-              <a:t>Shorted Stub:</a:t>
-            </a:r>
-            <a:endParaRPr/>
-          </a:p>
-          <a:p>
-            <a:pPr indent="-317500" lvl="1" marL="914400" rtl="0" algn="l">
-              <a:spcBef>
-                <a:spcPts val="0"/>
-              </a:spcBef>
-              <a:spcAft>
-                <a:spcPts val="0"/>
-              </a:spcAft>
-              <a:buSzPts val="1400"/>
-              <a:buChar char="○"/>
-            </a:pPr>
-            <a:r>
-              <a:rPr lang="en"/>
-              <a:t>R</a:t>
-            </a:r>
-            <a:r>
-              <a:rPr baseline="-25000" lang="en"/>
-              <a:t>L</a:t>
-            </a:r>
-            <a:r>
-              <a:rPr lang="en"/>
-              <a:t> = 0</a:t>
-            </a:r>
-            <a:endParaRPr/>
-          </a:p>
-          <a:p>
-            <a:pPr indent="-317500" lvl="1" marL="914400" rtl="0" algn="l">
-              <a:spcBef>
-                <a:spcPts val="0"/>
-              </a:spcBef>
-              <a:spcAft>
-                <a:spcPts val="0"/>
-              </a:spcAft>
-              <a:buSzPts val="1400"/>
-              <a:buChar char="○"/>
-            </a:pPr>
-            <a:r>
-              <a:rPr lang="en"/>
-              <a:t>V</a:t>
-            </a:r>
-            <a:r>
-              <a:rPr baseline="-25000" lang="en"/>
-              <a:t>L</a:t>
-            </a:r>
-            <a:r>
-              <a:rPr lang="en"/>
-              <a:t> = 0</a:t>
-            </a:r>
-            <a:endParaRPr/>
-          </a:p>
-          <a:p>
-            <a:pPr indent="-342900" lvl="0" marL="457200" rtl="0" algn="l">
-              <a:spcBef>
-                <a:spcPts val="0"/>
-              </a:spcBef>
-              <a:spcAft>
-                <a:spcPts val="0"/>
-              </a:spcAft>
-              <a:buSzPts val="1800"/>
-              <a:buChar char="●"/>
-            </a:pPr>
-            <a:r>
-              <a:rPr lang="en"/>
-              <a:t>Both produce a standing wave for both voltage and current</a:t>
-            </a:r>
-            <a:endParaRPr/>
-          </a:p>
-        </p:txBody>
-      </p:sp>
-    </p:spTree>
-  </p:cSld>
-  <p:clrMapOvr>
-    <a:masterClrMapping/>
-  </p:clrMapOvr>
-</p:sld>
-</file>
-
-<file path=ppt/slides/slide13.xml><?xml version="1.0" encoding="utf-8"?>
-<p:sld xmlns:a="http://schemas.openxmlformats.org/drawingml/2006/main" xmlns:r="http://schemas.openxmlformats.org/officeDocument/2006/relationships" xmlns:mc="http://schemas.openxmlformats.org/markup-compatibility/2006" xmlns:mv="urn:schemas-microsoft-com:mac:vml" xmlns:p="http://schemas.openxmlformats.org/presentationml/2006/main" xmlns:c="http://schemas.openxmlformats.org/drawingml/2006/chart" xmlns:dgm="http://schemas.openxmlformats.org/drawingml/2006/diagram" xmlns:o="urn:schemas-microsoft-com:office:office" xmlns:v="urn:schemas-microsoft-com:vml" xmlns:pvml="urn:schemas-microsoft-com:office:powerpoint" xmlns:com="http://schemas.openxmlformats.org/drawingml/2006/compatibility" xmlns:p14="http://schemas.microsoft.com/office/powerpoint/2010/main" xmlns:p15="http://schemas.microsoft.com/office/powerpoint/2012/main">
-  <p:cSld>
-    <p:spTree>
-      <p:nvGrpSpPr>
-        <p:cNvPr id="140" name="Shape 140"/>
-        <p:cNvGrpSpPr/>
-        <p:nvPr/>
-      </p:nvGrpSpPr>
-      <p:grpSpPr>
-        <a:xfrm>
-          <a:off x="0" y="0"/>
-          <a:ext cx="0" cy="0"/>
-          <a:chOff x="0" y="0"/>
-          <a:chExt cx="0" cy="0"/>
-        </a:xfrm>
-      </p:grpSpPr>
-      <p:sp>
-        <p:nvSpPr>
-          <p:cNvPr id="141" name="Google Shape;141;p25"/>
-          <p:cNvSpPr txBox="1"/>
-          <p:nvPr>
-            <p:ph type="title"/>
-          </p:nvPr>
-        </p:nvSpPr>
-        <p:spPr>
-          <a:xfrm>
-            <a:off x="311700" y="445025"/>
-            <a:ext cx="8520600" cy="572700"/>
-          </a:xfrm>
-          <a:prstGeom prst="rect">
-            <a:avLst/>
-          </a:prstGeom>
-        </p:spPr>
-        <p:txBody>
-          <a:bodyPr anchorCtr="0" anchor="t" bIns="91425" lIns="91425" spcFirstLastPara="1" rIns="91425" wrap="square" tIns="91425">
-            <a:noAutofit/>
-          </a:bodyPr>
-          <a:lstStyle/>
-          <a:p>
-            <a:pPr indent="0" lvl="0" marL="0" rtl="0" algn="l">
-              <a:spcBef>
-                <a:spcPts val="0"/>
-              </a:spcBef>
-              <a:spcAft>
-                <a:spcPts val="0"/>
-              </a:spcAft>
-              <a:buNone/>
-            </a:pPr>
-            <a:r>
-              <a:rPr lang="en"/>
-              <a:t>Microwave Resonators</a:t>
-            </a:r>
-            <a:endParaRPr/>
-          </a:p>
-        </p:txBody>
-      </p:sp>
-      <p:pic>
-        <p:nvPicPr>
-          <p:cNvPr id="142" name="Google Shape;142;p25"/>
-          <p:cNvPicPr preferRelativeResize="0"/>
-          <p:nvPr/>
-        </p:nvPicPr>
-        <p:blipFill>
-          <a:blip r:embed="rId3">
-            <a:alphaModFix/>
-          </a:blip>
-          <a:stretch>
-            <a:fillRect/>
-          </a:stretch>
-        </p:blipFill>
-        <p:spPr>
-          <a:xfrm>
-            <a:off x="1834498" y="1017723"/>
-            <a:ext cx="5475026" cy="4139650"/>
-          </a:xfrm>
-          <a:prstGeom prst="rect">
-            <a:avLst/>
-          </a:prstGeom>
-          <a:noFill/>
-          <a:ln>
-            <a:noFill/>
-          </a:ln>
-        </p:spPr>
-      </p:pic>
-    </p:spTree>
-  </p:cSld>
-  <p:clrMapOvr>
-    <a:masterClrMapping/>
-  </p:clrMapOvr>
-</p:sld>
-</file>
-
-<file path=ppt/slides/slide14.xml><?xml version="1.0" encoding="utf-8"?>
-<p:sld xmlns:a="http://schemas.openxmlformats.org/drawingml/2006/main" xmlns:r="http://schemas.openxmlformats.org/officeDocument/2006/relationships" xmlns:mc="http://schemas.openxmlformats.org/markup-compatibility/2006" xmlns:mv="urn:schemas-microsoft-com:mac:vml" xmlns:p="http://schemas.openxmlformats.org/presentationml/2006/main" xmlns:c="http://schemas.openxmlformats.org/drawingml/2006/chart" xmlns:dgm="http://schemas.openxmlformats.org/drawingml/2006/diagram" xmlns:o="urn:schemas-microsoft-com:office:office" xmlns:v="urn:schemas-microsoft-com:vml" xmlns:pvml="urn:schemas-microsoft-com:office:powerpoint" xmlns:com="http://schemas.openxmlformats.org/drawingml/2006/compatibility" xmlns:p14="http://schemas.microsoft.com/office/powerpoint/2010/main" xmlns:p15="http://schemas.microsoft.com/office/powerpoint/2012/main">
-  <p:cSld>
-    <p:spTree>
-      <p:nvGrpSpPr>
-        <p:cNvPr id="146" name="Shape 146"/>
+        <p:cNvPr id="1" name="Shape 146"/>
         <p:cNvGrpSpPr/>
         <p:nvPr/>
       </p:nvGrpSpPr>
@@ -8203,7 +7881,9 @@
       <p:sp>
         <p:nvSpPr>
           <p:cNvPr id="147" name="Google Shape;147;p26"/>
-          <p:cNvSpPr txBox="1"/>
+          <p:cNvSpPr txBox="1">
+            <a:spLocks noGrp="1"/>
+          </p:cNvSpPr>
           <p:nvPr>
             <p:ph type="title"/>
           </p:nvPr>
@@ -8218,12 +7898,12 @@
           </a:prstGeom>
         </p:spPr>
         <p:txBody>
-          <a:bodyPr anchorCtr="0" anchor="ctr" bIns="91425" lIns="91425" spcFirstLastPara="1" rIns="91425" wrap="square" tIns="91425">
+          <a:bodyPr spcFirstLastPara="1" wrap="square" lIns="91425" tIns="91425" rIns="91425" bIns="91425" anchor="ctr" anchorCtr="0">
             <a:noAutofit/>
           </a:bodyPr>
           <a:lstStyle/>
           <a:p>
-            <a:pPr indent="0" lvl="0" marL="0" rtl="0" algn="ctr">
+            <a:pPr marL="0" lvl="0" indent="0" algn="ctr" rtl="0">
               <a:spcBef>
                 <a:spcPts val="0"/>
               </a:spcBef>
@@ -8248,12 +7928,12 @@
 </p:sld>
 </file>
 
-<file path=ppt/slides/slide15.xml><?xml version="1.0" encoding="utf-8"?>
-<p:sld xmlns:a="http://schemas.openxmlformats.org/drawingml/2006/main" xmlns:r="http://schemas.openxmlformats.org/officeDocument/2006/relationships" xmlns:mc="http://schemas.openxmlformats.org/markup-compatibility/2006" xmlns:mv="urn:schemas-microsoft-com:mac:vml" xmlns:p="http://schemas.openxmlformats.org/presentationml/2006/main" xmlns:c="http://schemas.openxmlformats.org/drawingml/2006/chart" xmlns:dgm="http://schemas.openxmlformats.org/drawingml/2006/diagram" xmlns:o="urn:schemas-microsoft-com:office:office" xmlns:v="urn:schemas-microsoft-com:vml" xmlns:pvml="urn:schemas-microsoft-com:office:powerpoint" xmlns:com="http://schemas.openxmlformats.org/drawingml/2006/compatibility" xmlns:p14="http://schemas.microsoft.com/office/powerpoint/2010/main" xmlns:p15="http://schemas.microsoft.com/office/powerpoint/2012/main">
+<file path=ppt/slides/slide13.xml><?xml version="1.0" encoding="utf-8"?>
+<p:sld xmlns:a="http://schemas.openxmlformats.org/drawingml/2006/main" xmlns:r="http://schemas.openxmlformats.org/officeDocument/2006/relationships" xmlns:p="http://schemas.openxmlformats.org/presentationml/2006/main">
   <p:cSld>
     <p:spTree>
       <p:nvGrpSpPr>
-        <p:cNvPr id="151" name="Shape 151"/>
+        <p:cNvPr id="1" name="Shape 151"/>
         <p:cNvGrpSpPr/>
         <p:nvPr/>
       </p:nvGrpSpPr>
@@ -8313,12 +7993,12 @@
           </a:ln>
         </p:spPr>
         <p:txBody>
-          <a:bodyPr anchorCtr="0" anchor="t" bIns="91425" lIns="91425" spcFirstLastPara="1" rIns="91425" wrap="square" tIns="91425">
+          <a:bodyPr spcFirstLastPara="1" wrap="square" lIns="91425" tIns="91425" rIns="91425" bIns="91425" anchor="t" anchorCtr="0">
             <a:noAutofit/>
           </a:bodyPr>
           <a:lstStyle/>
           <a:p>
-            <a:pPr indent="0" lvl="0" marL="0" rtl="0" algn="l">
+            <a:pPr marL="0" lvl="0" indent="0" algn="l" rtl="0">
               <a:spcBef>
                 <a:spcPts val="0"/>
               </a:spcBef>
@@ -8343,12 +8023,12 @@
 </p:sld>
 </file>
 
-<file path=ppt/slides/slide16.xml><?xml version="1.0" encoding="utf-8"?>
-<p:sld xmlns:a="http://schemas.openxmlformats.org/drawingml/2006/main" xmlns:r="http://schemas.openxmlformats.org/officeDocument/2006/relationships" xmlns:mc="http://schemas.openxmlformats.org/markup-compatibility/2006" xmlns:mv="urn:schemas-microsoft-com:mac:vml" xmlns:p="http://schemas.openxmlformats.org/presentationml/2006/main" xmlns:c="http://schemas.openxmlformats.org/drawingml/2006/chart" xmlns:dgm="http://schemas.openxmlformats.org/drawingml/2006/diagram" xmlns:o="urn:schemas-microsoft-com:office:office" xmlns:v="urn:schemas-microsoft-com:vml" xmlns:pvml="urn:schemas-microsoft-com:office:powerpoint" xmlns:com="http://schemas.openxmlformats.org/drawingml/2006/compatibility" xmlns:p14="http://schemas.microsoft.com/office/powerpoint/2010/main" xmlns:p15="http://schemas.microsoft.com/office/powerpoint/2012/main">
+<file path=ppt/slides/slide14.xml><?xml version="1.0" encoding="utf-8"?>
+<p:sld xmlns:a="http://schemas.openxmlformats.org/drawingml/2006/main" xmlns:r="http://schemas.openxmlformats.org/officeDocument/2006/relationships" xmlns:p="http://schemas.openxmlformats.org/presentationml/2006/main">
   <p:cSld>
     <p:spTree>
       <p:nvGrpSpPr>
-        <p:cNvPr id="157" name="Shape 157"/>
+        <p:cNvPr id="1" name="Shape 157"/>
         <p:cNvGrpSpPr/>
         <p:nvPr/>
       </p:nvGrpSpPr>
@@ -8408,12 +8088,12 @@
           </a:ln>
         </p:spPr>
         <p:txBody>
-          <a:bodyPr anchorCtr="0" anchor="t" bIns="91425" lIns="91425" spcFirstLastPara="1" rIns="91425" wrap="square" tIns="91425">
+          <a:bodyPr spcFirstLastPara="1" wrap="square" lIns="91425" tIns="91425" rIns="91425" bIns="91425" anchor="t" anchorCtr="0">
             <a:noAutofit/>
           </a:bodyPr>
           <a:lstStyle/>
           <a:p>
-            <a:pPr indent="0" lvl="0" marL="0" rtl="0" algn="l">
+            <a:pPr marL="0" lvl="0" indent="0" algn="l" rtl="0">
               <a:spcBef>
                 <a:spcPts val="0"/>
               </a:spcBef>
@@ -8438,12 +8118,12 @@
 </p:sld>
 </file>
 
-<file path=ppt/slides/slide17.xml><?xml version="1.0" encoding="utf-8"?>
-<p:sld xmlns:a="http://schemas.openxmlformats.org/drawingml/2006/main" xmlns:r="http://schemas.openxmlformats.org/officeDocument/2006/relationships" xmlns:mc="http://schemas.openxmlformats.org/markup-compatibility/2006" xmlns:mv="urn:schemas-microsoft-com:mac:vml" xmlns:p="http://schemas.openxmlformats.org/presentationml/2006/main" xmlns:c="http://schemas.openxmlformats.org/drawingml/2006/chart" xmlns:dgm="http://schemas.openxmlformats.org/drawingml/2006/diagram" xmlns:o="urn:schemas-microsoft-com:office:office" xmlns:v="urn:schemas-microsoft-com:vml" xmlns:pvml="urn:schemas-microsoft-com:office:powerpoint" xmlns:com="http://schemas.openxmlformats.org/drawingml/2006/compatibility" xmlns:p14="http://schemas.microsoft.com/office/powerpoint/2010/main" xmlns:p15="http://schemas.microsoft.com/office/powerpoint/2012/main">
+<file path=ppt/slides/slide15.xml><?xml version="1.0" encoding="utf-8"?>
+<p:sld xmlns:a="http://schemas.openxmlformats.org/drawingml/2006/main" xmlns:r="http://schemas.openxmlformats.org/officeDocument/2006/relationships" xmlns:p="http://schemas.openxmlformats.org/presentationml/2006/main">
   <p:cSld>
     <p:spTree>
       <p:nvGrpSpPr>
-        <p:cNvPr id="163" name="Shape 163"/>
+        <p:cNvPr id="1" name="Shape 163"/>
         <p:cNvGrpSpPr/>
         <p:nvPr/>
       </p:nvGrpSpPr>
@@ -8475,12 +8155,12 @@
           </a:ln>
         </p:spPr>
         <p:txBody>
-          <a:bodyPr anchorCtr="0" anchor="t" bIns="91425" lIns="91425" spcFirstLastPara="1" rIns="91425" wrap="square" tIns="91425">
+          <a:bodyPr spcFirstLastPara="1" wrap="square" lIns="91425" tIns="91425" rIns="91425" bIns="91425" anchor="t" anchorCtr="0">
             <a:noAutofit/>
           </a:bodyPr>
           <a:lstStyle/>
           <a:p>
-            <a:pPr indent="0" lvl="0" marL="0" rtl="0" algn="l">
+            <a:pPr marL="0" lvl="0" indent="0" algn="l" rtl="0">
               <a:spcBef>
                 <a:spcPts val="0"/>
               </a:spcBef>
@@ -8491,11 +8171,7 @@
             </a:pPr>
             <a:r>
               <a:rPr lang="en" sz="1800"/>
-              <a:t>Spring </a:t>
-            </a:r>
-            <a:r>
-              <a:rPr lang="en" sz="1800"/>
-              <a:t>2016 #1</a:t>
+              <a:t>Spring 2016 #1</a:t>
             </a:r>
             <a:endParaRPr sz="1800"/>
           </a:p>
@@ -8565,12 +8241,12 @@
 </p:sld>
 </file>
 
-<file path=ppt/slides/slide18.xml><?xml version="1.0" encoding="utf-8"?>
-<p:sld xmlns:a="http://schemas.openxmlformats.org/drawingml/2006/main" xmlns:r="http://schemas.openxmlformats.org/officeDocument/2006/relationships" xmlns:mc="http://schemas.openxmlformats.org/markup-compatibility/2006" xmlns:mv="urn:schemas-microsoft-com:mac:vml" xmlns:p="http://schemas.openxmlformats.org/presentationml/2006/main" xmlns:c="http://schemas.openxmlformats.org/drawingml/2006/chart" xmlns:dgm="http://schemas.openxmlformats.org/drawingml/2006/diagram" xmlns:o="urn:schemas-microsoft-com:office:office" xmlns:v="urn:schemas-microsoft-com:vml" xmlns:pvml="urn:schemas-microsoft-com:office:powerpoint" xmlns:com="http://schemas.openxmlformats.org/drawingml/2006/compatibility" xmlns:p14="http://schemas.microsoft.com/office/powerpoint/2010/main" xmlns:p15="http://schemas.microsoft.com/office/powerpoint/2012/main">
+<file path=ppt/slides/slide16.xml><?xml version="1.0" encoding="utf-8"?>
+<p:sld xmlns:a="http://schemas.openxmlformats.org/drawingml/2006/main" xmlns:r="http://schemas.openxmlformats.org/officeDocument/2006/relationships" xmlns:p="http://schemas.openxmlformats.org/presentationml/2006/main">
   <p:cSld>
     <p:spTree>
       <p:nvGrpSpPr>
-        <p:cNvPr id="170" name="Shape 170"/>
+        <p:cNvPr id="1" name="Shape 170"/>
         <p:cNvGrpSpPr/>
         <p:nvPr/>
       </p:nvGrpSpPr>
@@ -8602,12 +8278,12 @@
           </a:ln>
         </p:spPr>
         <p:txBody>
-          <a:bodyPr anchorCtr="0" anchor="t" bIns="91425" lIns="91425" spcFirstLastPara="1" rIns="91425" wrap="square" tIns="91425">
+          <a:bodyPr spcFirstLastPara="1" wrap="square" lIns="91425" tIns="91425" rIns="91425" bIns="91425" anchor="t" anchorCtr="0">
             <a:noAutofit/>
           </a:bodyPr>
           <a:lstStyle/>
           <a:p>
-            <a:pPr indent="0" lvl="0" marL="0" rtl="0" algn="l">
+            <a:pPr marL="0" lvl="0" indent="0" algn="l" rtl="0">
               <a:spcBef>
                 <a:spcPts val="0"/>
               </a:spcBef>
@@ -8634,7 +8310,7 @@
           <a:blip r:embed="rId3">
             <a:alphaModFix/>
           </a:blip>
-          <a:srcRect b="73257" l="0" r="0" t="0"/>
+          <a:srcRect b="73257"/>
           <a:stretch/>
         </p:blipFill>
         <p:spPr>
@@ -8658,10 +8334,10 @@
           <p:nvPr/>
         </p:nvPicPr>
         <p:blipFill rotWithShape="1">
-          <a:blip r:embed="rId4">
+          <a:blip r:embed="rId3">
             <a:alphaModFix/>
           </a:blip>
-          <a:srcRect b="0" l="6688" r="12821" t="44453"/>
+          <a:srcRect l="6688" t="44453" r="12821"/>
           <a:stretch/>
         </p:blipFill>
         <p:spPr>
@@ -8681,6 +8357,34 @@
       <p:pic>
         <p:nvPicPr>
           <p:cNvPr id="174" name="Google Shape;174;p30"/>
+          <p:cNvPicPr preferRelativeResize="0"/>
+          <p:nvPr/>
+        </p:nvPicPr>
+        <p:blipFill>
+          <a:blip r:embed="rId4">
+            <a:alphaModFix/>
+          </a:blip>
+          <a:stretch>
+            <a:fillRect/>
+          </a:stretch>
+        </p:blipFill>
+        <p:spPr>
+          <a:xfrm>
+            <a:off x="152400" y="0"/>
+            <a:ext cx="8839199" cy="1103248"/>
+          </a:xfrm>
+          <a:prstGeom prst="rect">
+            <a:avLst/>
+          </a:prstGeom>
+          <a:noFill/>
+          <a:ln>
+            <a:noFill/>
+          </a:ln>
+        </p:spPr>
+      </p:pic>
+      <p:pic>
+        <p:nvPicPr>
+          <p:cNvPr id="175" name="Google Shape;175;p30"/>
           <p:cNvPicPr preferRelativeResize="0"/>
           <p:nvPr/>
         </p:nvPicPr>
@@ -8694,8 +8398,8 @@
         </p:blipFill>
         <p:spPr>
           <a:xfrm>
-            <a:off x="152400" y="0"/>
-            <a:ext cx="8839199" cy="1103248"/>
+            <a:off x="152400" y="3523525"/>
+            <a:ext cx="8839200" cy="503101"/>
           </a:xfrm>
           <a:prstGeom prst="rect">
             <a:avLst/>
@@ -8708,7 +8412,7 @@
       </p:pic>
       <p:pic>
         <p:nvPicPr>
-          <p:cNvPr id="175" name="Google Shape;175;p30"/>
+          <p:cNvPr id="176" name="Google Shape;176;p30"/>
           <p:cNvPicPr preferRelativeResize="0"/>
           <p:nvPr/>
         </p:nvPicPr>
@@ -8722,34 +8426,6 @@
         </p:blipFill>
         <p:spPr>
           <a:xfrm>
-            <a:off x="152400" y="3523525"/>
-            <a:ext cx="8839200" cy="503101"/>
-          </a:xfrm>
-          <a:prstGeom prst="rect">
-            <a:avLst/>
-          </a:prstGeom>
-          <a:noFill/>
-          <a:ln>
-            <a:noFill/>
-          </a:ln>
-        </p:spPr>
-      </p:pic>
-      <p:pic>
-        <p:nvPicPr>
-          <p:cNvPr id="176" name="Google Shape;176;p30"/>
-          <p:cNvPicPr preferRelativeResize="0"/>
-          <p:nvPr/>
-        </p:nvPicPr>
-        <p:blipFill>
-          <a:blip r:embed="rId7">
-            <a:alphaModFix/>
-          </a:blip>
-          <a:stretch>
-            <a:fillRect/>
-          </a:stretch>
-        </p:blipFill>
-        <p:spPr>
-          <a:xfrm>
             <a:off x="152400" y="4179025"/>
             <a:ext cx="8839200" cy="523238"/>
           </a:xfrm>
@@ -8771,11 +8447,11 @@
 </file>
 
 <file path=ppt/slides/slide2.xml><?xml version="1.0" encoding="utf-8"?>
-<p:sld xmlns:a="http://schemas.openxmlformats.org/drawingml/2006/main" xmlns:r="http://schemas.openxmlformats.org/officeDocument/2006/relationships" xmlns:mc="http://schemas.openxmlformats.org/markup-compatibility/2006" xmlns:mv="urn:schemas-microsoft-com:mac:vml" xmlns:p="http://schemas.openxmlformats.org/presentationml/2006/main" xmlns:c="http://schemas.openxmlformats.org/drawingml/2006/chart" xmlns:dgm="http://schemas.openxmlformats.org/drawingml/2006/diagram" xmlns:o="urn:schemas-microsoft-com:office:office" xmlns:v="urn:schemas-microsoft-com:vml" xmlns:pvml="urn:schemas-microsoft-com:office:powerpoint" xmlns:com="http://schemas.openxmlformats.org/drawingml/2006/compatibility" xmlns:p14="http://schemas.microsoft.com/office/powerpoint/2010/main" xmlns:p15="http://schemas.microsoft.com/office/powerpoint/2012/main">
+<p:sld xmlns:a="http://schemas.openxmlformats.org/drawingml/2006/main" xmlns:r="http://schemas.openxmlformats.org/officeDocument/2006/relationships" xmlns:p="http://schemas.openxmlformats.org/presentationml/2006/main">
   <p:cSld>
     <p:spTree>
       <p:nvGrpSpPr>
-        <p:cNvPr id="59" name="Shape 59"/>
+        <p:cNvPr id="1" name="Shape 59"/>
         <p:cNvGrpSpPr/>
         <p:nvPr/>
       </p:nvGrpSpPr>
@@ -8824,11 +8500,11 @@
 </file>
 
 <file path=ppt/slides/slide3.xml><?xml version="1.0" encoding="utf-8"?>
-<p:sld xmlns:a="http://schemas.openxmlformats.org/drawingml/2006/main" xmlns:r="http://schemas.openxmlformats.org/officeDocument/2006/relationships" xmlns:mc="http://schemas.openxmlformats.org/markup-compatibility/2006" xmlns:mv="urn:schemas-microsoft-com:mac:vml" xmlns:p="http://schemas.openxmlformats.org/presentationml/2006/main" xmlns:c="http://schemas.openxmlformats.org/drawingml/2006/chart" xmlns:dgm="http://schemas.openxmlformats.org/drawingml/2006/diagram" xmlns:o="urn:schemas-microsoft-com:office:office" xmlns:v="urn:schemas-microsoft-com:vml" xmlns:pvml="urn:schemas-microsoft-com:office:powerpoint" xmlns:com="http://schemas.openxmlformats.org/drawingml/2006/compatibility" xmlns:p14="http://schemas.microsoft.com/office/powerpoint/2010/main" xmlns:p15="http://schemas.microsoft.com/office/powerpoint/2012/main">
+<p:sld xmlns:a="http://schemas.openxmlformats.org/drawingml/2006/main" xmlns:r="http://schemas.openxmlformats.org/officeDocument/2006/relationships" xmlns:p="http://schemas.openxmlformats.org/presentationml/2006/main">
   <p:cSld>
     <p:spTree>
       <p:nvGrpSpPr>
-        <p:cNvPr id="64" name="Shape 64"/>
+        <p:cNvPr id="1" name="Shape 64"/>
         <p:cNvGrpSpPr/>
         <p:nvPr/>
       </p:nvGrpSpPr>
@@ -8877,11 +8553,11 @@
 </file>
 
 <file path=ppt/slides/slide4.xml><?xml version="1.0" encoding="utf-8"?>
-<p:sld xmlns:a="http://schemas.openxmlformats.org/drawingml/2006/main" xmlns:r="http://schemas.openxmlformats.org/officeDocument/2006/relationships" xmlns:mc="http://schemas.openxmlformats.org/markup-compatibility/2006" xmlns:mv="urn:schemas-microsoft-com:mac:vml" xmlns:p="http://schemas.openxmlformats.org/presentationml/2006/main" xmlns:c="http://schemas.openxmlformats.org/drawingml/2006/chart" xmlns:dgm="http://schemas.openxmlformats.org/drawingml/2006/diagram" xmlns:o="urn:schemas-microsoft-com:office:office" xmlns:v="urn:schemas-microsoft-com:vml" xmlns:pvml="urn:schemas-microsoft-com:office:powerpoint" xmlns:com="http://schemas.openxmlformats.org/drawingml/2006/compatibility" xmlns:p14="http://schemas.microsoft.com/office/powerpoint/2010/main" xmlns:p15="http://schemas.microsoft.com/office/powerpoint/2012/main">
+<p:sld xmlns:a="http://schemas.openxmlformats.org/drawingml/2006/main" xmlns:r="http://schemas.openxmlformats.org/officeDocument/2006/relationships" xmlns:p="http://schemas.openxmlformats.org/presentationml/2006/main">
   <p:cSld>
     <p:spTree>
       <p:nvGrpSpPr>
-        <p:cNvPr id="69" name="Shape 69"/>
+        <p:cNvPr id="1" name="Shape 69"/>
         <p:cNvGrpSpPr/>
         <p:nvPr/>
       </p:nvGrpSpPr>
@@ -8896,7 +8572,9 @@
       <p:sp>
         <p:nvSpPr>
           <p:cNvPr id="70" name="Google Shape;70;p16"/>
-          <p:cNvSpPr txBox="1"/>
+          <p:cNvSpPr txBox="1">
+            <a:spLocks noGrp="1"/>
+          </p:cNvSpPr>
           <p:nvPr>
             <p:ph type="title"/>
           </p:nvPr>
@@ -8911,12 +8589,12 @@
           </a:prstGeom>
         </p:spPr>
         <p:txBody>
-          <a:bodyPr anchorCtr="0" anchor="t" bIns="91425" lIns="91425" spcFirstLastPara="1" rIns="91425" wrap="square" tIns="91425">
+          <a:bodyPr spcFirstLastPara="1" wrap="square" lIns="91425" tIns="91425" rIns="91425" bIns="91425" anchor="t" anchorCtr="0">
             <a:noAutofit/>
           </a:bodyPr>
           <a:lstStyle/>
           <a:p>
-            <a:pPr indent="0" lvl="0" marL="0" rtl="0" algn="l">
+            <a:pPr marL="0" lvl="0" indent="0" algn="l" rtl="0">
               <a:spcBef>
                 <a:spcPts val="0"/>
               </a:spcBef>
@@ -8936,9 +8614,11 @@
       <p:sp>
         <p:nvSpPr>
           <p:cNvPr id="71" name="Google Shape;71;p16"/>
-          <p:cNvSpPr txBox="1"/>
+          <p:cNvSpPr txBox="1">
+            <a:spLocks noGrp="1"/>
+          </p:cNvSpPr>
           <p:nvPr>
-            <p:ph idx="1" type="body"/>
+            <p:ph type="body" idx="1"/>
           </p:nvPr>
         </p:nvSpPr>
         <p:spPr>
@@ -8951,12 +8631,12 @@
           </a:prstGeom>
         </p:spPr>
         <p:txBody>
-          <a:bodyPr anchorCtr="0" anchor="t" bIns="91425" lIns="91425" spcFirstLastPara="1" rIns="91425" wrap="square" tIns="91425">
+          <a:bodyPr spcFirstLastPara="1" wrap="square" lIns="91425" tIns="91425" rIns="91425" bIns="91425" anchor="t" anchorCtr="0">
             <a:noAutofit/>
           </a:bodyPr>
           <a:lstStyle/>
           <a:p>
-            <a:pPr indent="-342900" lvl="0" marL="457200" rtl="0" algn="l">
+            <a:pPr marL="457200" lvl="0" indent="-342900" algn="l" rtl="0">
               <a:spcBef>
                 <a:spcPts val="0"/>
               </a:spcBef>
@@ -8976,7 +8656,7 @@
             <a:endParaRPr/>
           </a:p>
           <a:p>
-            <a:pPr indent="-342900" lvl="0" marL="457200" rtl="0" algn="l">
+            <a:pPr marL="457200" lvl="0" indent="-342900" algn="l" rtl="0">
               <a:spcBef>
                 <a:spcPts val="0"/>
               </a:spcBef>
@@ -9059,11 +8739,11 @@
 </file>
 
 <file path=ppt/slides/slide5.xml><?xml version="1.0" encoding="utf-8"?>
-<p:sld xmlns:a="http://schemas.openxmlformats.org/drawingml/2006/main" xmlns:r="http://schemas.openxmlformats.org/officeDocument/2006/relationships" xmlns:mc="http://schemas.openxmlformats.org/markup-compatibility/2006" xmlns:mv="urn:schemas-microsoft-com:mac:vml" xmlns:p="http://schemas.openxmlformats.org/presentationml/2006/main" xmlns:c="http://schemas.openxmlformats.org/drawingml/2006/chart" xmlns:dgm="http://schemas.openxmlformats.org/drawingml/2006/diagram" xmlns:o="urn:schemas-microsoft-com:office:office" xmlns:v="urn:schemas-microsoft-com:vml" xmlns:pvml="urn:schemas-microsoft-com:office:powerpoint" xmlns:com="http://schemas.openxmlformats.org/drawingml/2006/compatibility" xmlns:p14="http://schemas.microsoft.com/office/powerpoint/2010/main" xmlns:p15="http://schemas.microsoft.com/office/powerpoint/2012/main">
+<p:sld xmlns:a="http://schemas.openxmlformats.org/drawingml/2006/main" xmlns:r="http://schemas.openxmlformats.org/officeDocument/2006/relationships" xmlns:p="http://schemas.openxmlformats.org/presentationml/2006/main">
   <p:cSld>
     <p:spTree>
       <p:nvGrpSpPr>
-        <p:cNvPr id="77" name="Shape 77"/>
+        <p:cNvPr id="1" name="Shape 77"/>
         <p:cNvGrpSpPr/>
         <p:nvPr/>
       </p:nvGrpSpPr>
@@ -9078,7 +8758,9 @@
       <p:sp>
         <p:nvSpPr>
           <p:cNvPr id="78" name="Google Shape;78;p17"/>
-          <p:cNvSpPr txBox="1"/>
+          <p:cNvSpPr txBox="1">
+            <a:spLocks noGrp="1"/>
+          </p:cNvSpPr>
           <p:nvPr>
             <p:ph type="title"/>
           </p:nvPr>
@@ -9093,12 +8775,12 @@
           </a:prstGeom>
         </p:spPr>
         <p:txBody>
-          <a:bodyPr anchorCtr="0" anchor="t" bIns="91425" lIns="91425" spcFirstLastPara="1" rIns="91425" wrap="square" tIns="91425">
+          <a:bodyPr spcFirstLastPara="1" wrap="square" lIns="91425" tIns="91425" rIns="91425" bIns="91425" anchor="t" anchorCtr="0">
             <a:noAutofit/>
           </a:bodyPr>
           <a:lstStyle/>
           <a:p>
-            <a:pPr indent="0" lvl="0" marL="0" rtl="0" algn="l">
+            <a:pPr marL="0" lvl="0" indent="0" algn="l" rtl="0">
               <a:spcBef>
                 <a:spcPts val="0"/>
               </a:spcBef>
@@ -9118,9 +8800,11 @@
       <p:sp>
         <p:nvSpPr>
           <p:cNvPr id="79" name="Google Shape;79;p17"/>
-          <p:cNvSpPr txBox="1"/>
+          <p:cNvSpPr txBox="1">
+            <a:spLocks noGrp="1"/>
+          </p:cNvSpPr>
           <p:nvPr>
-            <p:ph idx="1" type="body"/>
+            <p:ph type="body" idx="1"/>
           </p:nvPr>
         </p:nvSpPr>
         <p:spPr>
@@ -9133,12 +8817,12 @@
           </a:prstGeom>
         </p:spPr>
         <p:txBody>
-          <a:bodyPr anchorCtr="0" anchor="t" bIns="91425" lIns="91425" spcFirstLastPara="1" rIns="91425" wrap="square" tIns="91425">
+          <a:bodyPr spcFirstLastPara="1" wrap="square" lIns="91425" tIns="91425" rIns="91425" bIns="91425" anchor="t" anchorCtr="0">
             <a:noAutofit/>
           </a:bodyPr>
           <a:lstStyle/>
           <a:p>
-            <a:pPr indent="-342900" lvl="0" marL="457200" rtl="0" algn="l">
+            <a:pPr marL="457200" lvl="0" indent="-342900" algn="l" rtl="0">
               <a:spcBef>
                 <a:spcPts val="0"/>
               </a:spcBef>
@@ -9150,15 +8834,7 @@
             </a:pPr>
             <a:r>
               <a:rPr lang="en"/>
-              <a:t>Propagation </a:t>
-            </a:r>
-            <a:r>
-              <a:rPr lang="en"/>
-              <a:t>velocity in some media</a:t>
-            </a:r>
-            <a:r>
-              <a:rPr lang="en"/>
-              <a:t> is frequency dependent</a:t>
+              <a:t>Propagation velocity in some media is frequency dependent</a:t>
             </a:r>
             <a:br>
               <a:rPr lang="en"/>
@@ -9166,7 +8842,7 @@
             <a:endParaRPr/>
           </a:p>
           <a:p>
-            <a:pPr indent="-342900" lvl="0" marL="457200" rtl="0" algn="l">
+            <a:pPr marL="457200" lvl="0" indent="-342900" algn="l" rtl="0">
               <a:spcBef>
                 <a:spcPts val="0"/>
               </a:spcBef>
@@ -9183,7 +8859,7 @@
             <a:endParaRPr/>
           </a:p>
           <a:p>
-            <a:pPr indent="0" lvl="0" marL="0" rtl="0" algn="l">
+            <a:pPr marL="0" lvl="0" indent="0" algn="l" rtl="0">
               <a:spcBef>
                 <a:spcPts val="0"/>
               </a:spcBef>
@@ -9192,13 +8868,10 @@
               </a:spcAft>
               <a:buNone/>
             </a:pPr>
-            <a:r>
-              <a:t/>
-            </a:r>
             <a:endParaRPr/>
           </a:p>
           <a:p>
-            <a:pPr indent="-342900" lvl="0" marL="457200" rtl="0" algn="l">
+            <a:pPr marL="457200" lvl="0" indent="-342900" algn="l" rtl="0">
               <a:spcBef>
                 <a:spcPts val="0"/>
               </a:spcBef>
@@ -9215,7 +8888,7 @@
             <a:endParaRPr/>
           </a:p>
           <a:p>
-            <a:pPr indent="0" lvl="0" marL="0" rtl="0" algn="l">
+            <a:pPr marL="0" lvl="0" indent="0" algn="l" rtl="0">
               <a:spcBef>
                 <a:spcPts val="0"/>
               </a:spcBef>
@@ -9224,13 +8897,10 @@
               </a:spcAft>
               <a:buNone/>
             </a:pPr>
-            <a:r>
-              <a:t/>
-            </a:r>
             <a:endParaRPr/>
           </a:p>
           <a:p>
-            <a:pPr indent="-342900" lvl="0" marL="457200" rtl="0" algn="l">
+            <a:pPr marL="457200" lvl="0" indent="-342900" algn="l" rtl="0">
               <a:spcBef>
                 <a:spcPts val="0"/>
               </a:spcBef>
@@ -9369,11 +9039,11 @@
 </file>
 
 <file path=ppt/slides/slide6.xml><?xml version="1.0" encoding="utf-8"?>
-<p:sld xmlns:a="http://schemas.openxmlformats.org/drawingml/2006/main" xmlns:r="http://schemas.openxmlformats.org/officeDocument/2006/relationships" xmlns:mc="http://schemas.openxmlformats.org/markup-compatibility/2006" xmlns:mv="urn:schemas-microsoft-com:mac:vml" xmlns:p="http://schemas.openxmlformats.org/presentationml/2006/main" xmlns:c="http://schemas.openxmlformats.org/drawingml/2006/chart" xmlns:dgm="http://schemas.openxmlformats.org/drawingml/2006/diagram" xmlns:o="urn:schemas-microsoft-com:office:office" xmlns:v="urn:schemas-microsoft-com:vml" xmlns:pvml="urn:schemas-microsoft-com:office:powerpoint" xmlns:com="http://schemas.openxmlformats.org/drawingml/2006/compatibility" xmlns:p14="http://schemas.microsoft.com/office/powerpoint/2010/main" xmlns:p15="http://schemas.microsoft.com/office/powerpoint/2012/main">
+<p:sld xmlns:a="http://schemas.openxmlformats.org/drawingml/2006/main" xmlns:r="http://schemas.openxmlformats.org/officeDocument/2006/relationships" xmlns:p="http://schemas.openxmlformats.org/presentationml/2006/main">
   <p:cSld>
     <p:spTree>
       <p:nvGrpSpPr>
-        <p:cNvPr id="87" name="Shape 87"/>
+        <p:cNvPr id="1" name="Shape 87"/>
         <p:cNvGrpSpPr/>
         <p:nvPr/>
       </p:nvGrpSpPr>
@@ -9388,7 +9058,9 @@
       <p:sp>
         <p:nvSpPr>
           <p:cNvPr id="88" name="Google Shape;88;p18"/>
-          <p:cNvSpPr txBox="1"/>
+          <p:cNvSpPr txBox="1">
+            <a:spLocks noGrp="1"/>
+          </p:cNvSpPr>
           <p:nvPr>
             <p:ph type="title"/>
           </p:nvPr>
@@ -9403,12 +9075,12 @@
           </a:prstGeom>
         </p:spPr>
         <p:txBody>
-          <a:bodyPr anchorCtr="0" anchor="t" bIns="91425" lIns="91425" spcFirstLastPara="1" rIns="91425" wrap="square" tIns="91425">
+          <a:bodyPr spcFirstLastPara="1" wrap="square" lIns="91425" tIns="91425" rIns="91425" bIns="91425" anchor="t" anchorCtr="0">
             <a:noAutofit/>
           </a:bodyPr>
           <a:lstStyle/>
           <a:p>
-            <a:pPr indent="0" lvl="0" marL="0" rtl="0" algn="l">
+            <a:pPr marL="0" lvl="0" indent="0" algn="l" rtl="0">
               <a:spcBef>
                 <a:spcPts val="0"/>
               </a:spcBef>
@@ -9428,9 +9100,11 @@
       <p:sp>
         <p:nvSpPr>
           <p:cNvPr id="89" name="Google Shape;89;p18"/>
-          <p:cNvSpPr txBox="1"/>
+          <p:cNvSpPr txBox="1">
+            <a:spLocks noGrp="1"/>
+          </p:cNvSpPr>
           <p:nvPr>
-            <p:ph idx="1" type="body"/>
+            <p:ph type="body" idx="1"/>
           </p:nvPr>
         </p:nvSpPr>
         <p:spPr>
@@ -9443,12 +9117,12 @@
           </a:prstGeom>
         </p:spPr>
         <p:txBody>
-          <a:bodyPr anchorCtr="0" anchor="t" bIns="91425" lIns="91425" spcFirstLastPara="1" rIns="91425" wrap="square" tIns="91425">
+          <a:bodyPr spcFirstLastPara="1" wrap="square" lIns="91425" tIns="91425" rIns="91425" bIns="91425" anchor="t" anchorCtr="0">
             <a:noAutofit/>
           </a:bodyPr>
           <a:lstStyle/>
           <a:p>
-            <a:pPr indent="-342900" lvl="0" marL="457200" rtl="0" algn="l">
+            <a:pPr marL="457200" lvl="0" indent="-342900" algn="l" rtl="0">
               <a:spcBef>
                 <a:spcPts val="0"/>
               </a:spcBef>
@@ -9465,7 +9139,7 @@
             <a:endParaRPr/>
           </a:p>
           <a:p>
-            <a:pPr indent="-342900" lvl="0" marL="457200" rtl="0" algn="l">
+            <a:pPr marL="457200" lvl="0" indent="-342900" algn="l" rtl="0">
               <a:spcBef>
                 <a:spcPts val="0"/>
               </a:spcBef>
@@ -9482,7 +9156,7 @@
             <a:endParaRPr/>
           </a:p>
           <a:p>
-            <a:pPr indent="-317500" lvl="1" marL="914400" rtl="0" algn="l">
+            <a:pPr marL="914400" lvl="1" indent="-317500" algn="l" rtl="0">
               <a:spcBef>
                 <a:spcPts val="0"/>
               </a:spcBef>
@@ -9508,7 +9182,7 @@
             <a:endParaRPr/>
           </a:p>
           <a:p>
-            <a:pPr indent="-317500" lvl="1" marL="914400" rtl="0" algn="l">
+            <a:pPr marL="914400" lvl="1" indent="-317500" algn="l" rtl="0">
               <a:spcBef>
                 <a:spcPts val="0"/>
               </a:spcBef>
@@ -9534,7 +9208,7 @@
             <a:endParaRPr/>
           </a:p>
           <a:p>
-            <a:pPr indent="-342900" lvl="0" marL="457200" rtl="0" algn="l">
+            <a:pPr marL="457200" lvl="0" indent="-342900" algn="l" rtl="0">
               <a:spcBef>
                 <a:spcPts val="0"/>
               </a:spcBef>
@@ -9617,11 +9291,11 @@
 </file>
 
 <file path=ppt/slides/slide7.xml><?xml version="1.0" encoding="utf-8"?>
-<p:sld xmlns:a="http://schemas.openxmlformats.org/drawingml/2006/main" xmlns:r="http://schemas.openxmlformats.org/officeDocument/2006/relationships" xmlns:mc="http://schemas.openxmlformats.org/markup-compatibility/2006" xmlns:mv="urn:schemas-microsoft-com:mac:vml" xmlns:p="http://schemas.openxmlformats.org/presentationml/2006/main" xmlns:c="http://schemas.openxmlformats.org/drawingml/2006/chart" xmlns:dgm="http://schemas.openxmlformats.org/drawingml/2006/diagram" xmlns:o="urn:schemas-microsoft-com:office:office" xmlns:v="urn:schemas-microsoft-com:vml" xmlns:pvml="urn:schemas-microsoft-com:office:powerpoint" xmlns:com="http://schemas.openxmlformats.org/drawingml/2006/compatibility" xmlns:p14="http://schemas.microsoft.com/office/powerpoint/2010/main" xmlns:p15="http://schemas.microsoft.com/office/powerpoint/2012/main">
+<p:sld xmlns:a="http://schemas.openxmlformats.org/drawingml/2006/main" xmlns:r="http://schemas.openxmlformats.org/officeDocument/2006/relationships" xmlns:p="http://schemas.openxmlformats.org/presentationml/2006/main">
   <p:cSld>
     <p:spTree>
       <p:nvGrpSpPr>
-        <p:cNvPr id="95" name="Shape 95"/>
+        <p:cNvPr id="1" name="Shape 95"/>
         <p:cNvGrpSpPr/>
         <p:nvPr/>
       </p:nvGrpSpPr>
@@ -9670,11 +9344,11 @@
 </file>
 
 <file path=ppt/slides/slide8.xml><?xml version="1.0" encoding="utf-8"?>
-<p:sld xmlns:a="http://schemas.openxmlformats.org/drawingml/2006/main" xmlns:r="http://schemas.openxmlformats.org/officeDocument/2006/relationships" xmlns:mc="http://schemas.openxmlformats.org/markup-compatibility/2006" xmlns:mv="urn:schemas-microsoft-com:mac:vml" xmlns:p="http://schemas.openxmlformats.org/presentationml/2006/main" xmlns:c="http://schemas.openxmlformats.org/drawingml/2006/chart" xmlns:dgm="http://schemas.openxmlformats.org/drawingml/2006/diagram" xmlns:o="urn:schemas-microsoft-com:office:office" xmlns:v="urn:schemas-microsoft-com:vml" xmlns:pvml="urn:schemas-microsoft-com:office:powerpoint" xmlns:com="http://schemas.openxmlformats.org/drawingml/2006/compatibility" xmlns:p14="http://schemas.microsoft.com/office/powerpoint/2010/main" xmlns:p15="http://schemas.microsoft.com/office/powerpoint/2012/main">
+<p:sld xmlns:a="http://schemas.openxmlformats.org/drawingml/2006/main" xmlns:r="http://schemas.openxmlformats.org/officeDocument/2006/relationships" xmlns:p="http://schemas.openxmlformats.org/presentationml/2006/main">
   <p:cSld>
     <p:spTree>
       <p:nvGrpSpPr>
-        <p:cNvPr id="100" name="Shape 100"/>
+        <p:cNvPr id="1" name="Shape 100"/>
         <p:cNvGrpSpPr/>
         <p:nvPr/>
       </p:nvGrpSpPr>
@@ -9689,7 +9363,9 @@
       <p:sp>
         <p:nvSpPr>
           <p:cNvPr id="101" name="Google Shape;101;p20"/>
-          <p:cNvSpPr txBox="1"/>
+          <p:cNvSpPr txBox="1">
+            <a:spLocks noGrp="1"/>
+          </p:cNvSpPr>
           <p:nvPr>
             <p:ph type="title"/>
           </p:nvPr>
@@ -9704,12 +9380,12 @@
           </a:prstGeom>
         </p:spPr>
         <p:txBody>
-          <a:bodyPr anchorCtr="0" anchor="t" bIns="91425" lIns="91425" spcFirstLastPara="1" rIns="91425" wrap="square" tIns="91425">
+          <a:bodyPr spcFirstLastPara="1" wrap="square" lIns="91425" tIns="91425" rIns="91425" bIns="91425" anchor="t" anchorCtr="0">
             <a:noAutofit/>
           </a:bodyPr>
           <a:lstStyle/>
           <a:p>
-            <a:pPr indent="0" lvl="0" marL="0" rtl="0" algn="l">
+            <a:pPr marL="0" lvl="0" indent="0" algn="l" rtl="0">
               <a:spcBef>
                 <a:spcPts val="0"/>
               </a:spcBef>
@@ -9729,9 +9405,11 @@
       <p:sp>
         <p:nvSpPr>
           <p:cNvPr id="102" name="Google Shape;102;p20"/>
-          <p:cNvSpPr txBox="1"/>
+          <p:cNvSpPr txBox="1">
+            <a:spLocks noGrp="1"/>
+          </p:cNvSpPr>
           <p:nvPr>
-            <p:ph idx="1" type="body"/>
+            <p:ph type="body" idx="1"/>
           </p:nvPr>
         </p:nvSpPr>
         <p:spPr>
@@ -9744,12 +9422,12 @@
           </a:prstGeom>
         </p:spPr>
         <p:txBody>
-          <a:bodyPr anchorCtr="0" anchor="t" bIns="91425" lIns="91425" spcFirstLastPara="1" rIns="91425" wrap="square" tIns="91425">
+          <a:bodyPr spcFirstLastPara="1" wrap="square" lIns="91425" tIns="91425" rIns="91425" bIns="91425" anchor="t" anchorCtr="0">
             <a:noAutofit/>
           </a:bodyPr>
           <a:lstStyle/>
           <a:p>
-            <a:pPr indent="-342900" lvl="0" marL="457200" rtl="0" algn="l">
+            <a:pPr marL="457200" lvl="0" indent="-342900" algn="l" rtl="0">
               <a:spcBef>
                 <a:spcPts val="0"/>
               </a:spcBef>
@@ -9766,7 +9444,7 @@
             <a:endParaRPr/>
           </a:p>
           <a:p>
-            <a:pPr indent="-342900" lvl="0" marL="457200" rtl="0" algn="l">
+            <a:pPr marL="457200" lvl="0" indent="-342900" algn="l" rtl="0">
               <a:spcBef>
                 <a:spcPts val="0"/>
               </a:spcBef>
@@ -9781,7 +9459,7 @@
               <a:t>Perfect transmission at impedance matched interface (Z</a:t>
             </a:r>
             <a:r>
-              <a:rPr baseline="-25000" lang="en"/>
+              <a:rPr lang="en" baseline="-25000"/>
               <a:t>1</a:t>
             </a:r>
             <a:r>
@@ -9789,7 +9467,7 @@
               <a:t>=Z</a:t>
             </a:r>
             <a:r>
-              <a:rPr baseline="-25000" lang="en"/>
+              <a:rPr lang="en" baseline="-25000"/>
               <a:t>2</a:t>
             </a:r>
             <a:r>
@@ -9799,7 +9477,7 @@
             <a:endParaRPr/>
           </a:p>
           <a:p>
-            <a:pPr indent="-342900" lvl="0" marL="457200" rtl="0" algn="l">
+            <a:pPr marL="457200" lvl="0" indent="-342900" algn="l" rtl="0">
               <a:spcBef>
                 <a:spcPts val="0"/>
               </a:spcBef>
@@ -9816,7 +9494,7 @@
             <a:endParaRPr/>
           </a:p>
           <a:p>
-            <a:pPr indent="0" lvl="0" marL="0" rtl="0" algn="l">
+            <a:pPr marL="0" lvl="0" indent="0" algn="l" rtl="0">
               <a:spcBef>
                 <a:spcPts val="1600"/>
               </a:spcBef>
@@ -9825,13 +9503,10 @@
               </a:spcAft>
               <a:buNone/>
             </a:pPr>
-            <a:r>
-              <a:t/>
-            </a:r>
             <a:endParaRPr/>
           </a:p>
           <a:p>
-            <a:pPr indent="-342900" lvl="0" marL="457200" rtl="0" algn="l">
+            <a:pPr marL="457200" lvl="0" indent="-342900" algn="l" rtl="0">
               <a:spcBef>
                 <a:spcPts val="1600"/>
               </a:spcBef>
@@ -9848,7 +9523,7 @@
             <a:endParaRPr/>
           </a:p>
           <a:p>
-            <a:pPr indent="0" lvl="0" marL="0" rtl="0" algn="l">
+            <a:pPr marL="0" lvl="0" indent="0" algn="l" rtl="0">
               <a:spcBef>
                 <a:spcPts val="1600"/>
               </a:spcBef>
@@ -9857,13 +9532,10 @@
               </a:spcAft>
               <a:buNone/>
             </a:pPr>
-            <a:r>
-              <a:t/>
-            </a:r>
             <a:endParaRPr/>
           </a:p>
           <a:p>
-            <a:pPr indent="-342900" lvl="0" marL="457200" rtl="0" algn="l">
+            <a:pPr marL="457200" lvl="0" indent="-342900" algn="l" rtl="0">
               <a:spcBef>
                 <a:spcPts val="1600"/>
               </a:spcBef>
@@ -10002,11 +9674,11 @@
 </file>
 
 <file path=ppt/slides/slide9.xml><?xml version="1.0" encoding="utf-8"?>
-<p:sld xmlns:a="http://schemas.openxmlformats.org/drawingml/2006/main" xmlns:r="http://schemas.openxmlformats.org/officeDocument/2006/relationships" xmlns:mc="http://schemas.openxmlformats.org/markup-compatibility/2006" xmlns:mv="urn:schemas-microsoft-com:mac:vml" xmlns:p="http://schemas.openxmlformats.org/presentationml/2006/main" xmlns:c="http://schemas.openxmlformats.org/drawingml/2006/chart" xmlns:dgm="http://schemas.openxmlformats.org/drawingml/2006/diagram" xmlns:o="urn:schemas-microsoft-com:office:office" xmlns:v="urn:schemas-microsoft-com:vml" xmlns:pvml="urn:schemas-microsoft-com:office:powerpoint" xmlns:com="http://schemas.openxmlformats.org/drawingml/2006/compatibility" xmlns:p14="http://schemas.microsoft.com/office/powerpoint/2010/main" xmlns:p15="http://schemas.microsoft.com/office/powerpoint/2012/main">
+<p:sld xmlns:a="http://schemas.openxmlformats.org/drawingml/2006/main" xmlns:r="http://schemas.openxmlformats.org/officeDocument/2006/relationships" xmlns:p="http://schemas.openxmlformats.org/presentationml/2006/main">
   <p:cSld>
     <p:spTree>
       <p:nvGrpSpPr>
-        <p:cNvPr id="110" name="Shape 110"/>
+        <p:cNvPr id="1" name="Shape 110"/>
         <p:cNvGrpSpPr/>
         <p:nvPr/>
       </p:nvGrpSpPr>
@@ -10021,7 +9693,9 @@
       <p:sp>
         <p:nvSpPr>
           <p:cNvPr id="111" name="Google Shape;111;p21"/>
-          <p:cNvSpPr txBox="1"/>
+          <p:cNvSpPr txBox="1">
+            <a:spLocks noGrp="1"/>
+          </p:cNvSpPr>
           <p:nvPr>
             <p:ph type="title"/>
           </p:nvPr>
@@ -10036,12 +9710,12 @@
           </a:prstGeom>
         </p:spPr>
         <p:txBody>
-          <a:bodyPr anchorCtr="0" anchor="t" bIns="91425" lIns="91425" spcFirstLastPara="1" rIns="91425" wrap="square" tIns="91425">
+          <a:bodyPr spcFirstLastPara="1" wrap="square" lIns="91425" tIns="91425" rIns="91425" bIns="91425" anchor="t" anchorCtr="0">
             <a:noAutofit/>
           </a:bodyPr>
           <a:lstStyle/>
           <a:p>
-            <a:pPr indent="0" lvl="0" marL="0" rtl="0" algn="l">
+            <a:pPr marL="0" lvl="0" indent="0" algn="l" rtl="0">
               <a:spcBef>
                 <a:spcPts val="0"/>
               </a:spcBef>
@@ -10061,9 +9735,11 @@
       <p:sp>
         <p:nvSpPr>
           <p:cNvPr id="112" name="Google Shape;112;p21"/>
-          <p:cNvSpPr txBox="1"/>
+          <p:cNvSpPr txBox="1">
+            <a:spLocks noGrp="1"/>
+          </p:cNvSpPr>
           <p:nvPr>
-            <p:ph idx="1" type="body"/>
+            <p:ph type="body" idx="1"/>
           </p:nvPr>
         </p:nvSpPr>
         <p:spPr>
@@ -10076,12 +9752,12 @@
           </a:prstGeom>
         </p:spPr>
         <p:txBody>
-          <a:bodyPr anchorCtr="0" anchor="t" bIns="91425" lIns="91425" spcFirstLastPara="1" rIns="91425" wrap="square" tIns="91425">
+          <a:bodyPr spcFirstLastPara="1" wrap="square" lIns="91425" tIns="91425" rIns="91425" bIns="91425" anchor="t" anchorCtr="0">
             <a:noAutofit/>
           </a:bodyPr>
           <a:lstStyle/>
           <a:p>
-            <a:pPr indent="-342900" lvl="0" marL="457200" rtl="0" algn="l">
+            <a:pPr marL="457200" lvl="0" indent="-342900" algn="l" rtl="0">
               <a:spcBef>
                 <a:spcPts val="0"/>
               </a:spcBef>
@@ -10098,7 +9774,7 @@
             <a:endParaRPr/>
           </a:p>
           <a:p>
-            <a:pPr indent="-342900" lvl="0" marL="457200" rtl="0" algn="l">
+            <a:pPr marL="457200" lvl="0" indent="-342900" algn="l" rtl="0">
               <a:spcBef>
                 <a:spcPts val="0"/>
               </a:spcBef>
@@ -10115,7 +9791,7 @@
             <a:endParaRPr/>
           </a:p>
           <a:p>
-            <a:pPr indent="-317500" lvl="1" marL="914400" rtl="0" algn="l">
+            <a:pPr marL="914400" lvl="1" indent="-317500" algn="l" rtl="0">
               <a:spcBef>
                 <a:spcPts val="0"/>
               </a:spcBef>
@@ -10132,7 +9808,7 @@
             <a:endParaRPr/>
           </a:p>
           <a:p>
-            <a:pPr indent="-342900" lvl="0" marL="457200" rtl="0" algn="l">
+            <a:pPr marL="457200" lvl="0" indent="-342900" algn="l" rtl="0">
               <a:spcBef>
                 <a:spcPts val="0"/>
               </a:spcBef>
@@ -10187,7 +9863,288 @@
 </file>
 
 <file path=ppt/theme/theme1.xml><?xml version="1.0" encoding="utf-8"?>
-<a:theme xmlns:a="http://schemas.openxmlformats.org/drawingml/2006/main" xmlns:r="http://schemas.openxmlformats.org/officeDocument/2006/relationships">
+<a:theme xmlns:a="http://schemas.openxmlformats.org/drawingml/2006/main" name="Simple Light">
+  <a:themeElements>
+    <a:clrScheme name="Simple Light">
+      <a:dk1>
+        <a:srgbClr val="000000"/>
+      </a:dk1>
+      <a:lt1>
+        <a:srgbClr val="FFFFFF"/>
+      </a:lt1>
+      <a:dk2>
+        <a:srgbClr val="595959"/>
+      </a:dk2>
+      <a:lt2>
+        <a:srgbClr val="EEEEEE"/>
+      </a:lt2>
+      <a:accent1>
+        <a:srgbClr val="FFAB40"/>
+      </a:accent1>
+      <a:accent2>
+        <a:srgbClr val="212121"/>
+      </a:accent2>
+      <a:accent3>
+        <a:srgbClr val="78909C"/>
+      </a:accent3>
+      <a:accent4>
+        <a:srgbClr val="FFAB40"/>
+      </a:accent4>
+      <a:accent5>
+        <a:srgbClr val="0097A7"/>
+      </a:accent5>
+      <a:accent6>
+        <a:srgbClr val="EEFF41"/>
+      </a:accent6>
+      <a:hlink>
+        <a:srgbClr val="0097A7"/>
+      </a:hlink>
+      <a:folHlink>
+        <a:srgbClr val="0097A7"/>
+      </a:folHlink>
+    </a:clrScheme>
+    <a:fontScheme name="Office">
+      <a:majorFont>
+        <a:latin typeface="Arial"/>
+        <a:ea typeface=""/>
+        <a:cs typeface=""/>
+        <a:font script="Jpan" typeface="ＭＳ Ｐゴシック"/>
+        <a:font script="Hang" typeface="맑은 고딕"/>
+        <a:font script="Hans" typeface="宋体"/>
+        <a:font script="Hant" typeface="新細明體"/>
+        <a:font script="Arab" typeface="Times New Roman"/>
+        <a:font script="Hebr" typeface="Times New Roman"/>
+        <a:font script="Thai" typeface="Angsana New"/>
+        <a:font script="Ethi" typeface="Nyala"/>
+        <a:font script="Beng" typeface="Vrinda"/>
+        <a:font script="Gujr" typeface="Shruti"/>
+        <a:font script="Khmr" typeface="MoolBoran"/>
+        <a:font script="Knda" typeface="Tunga"/>
+        <a:font script="Guru" typeface="Raavi"/>
+        <a:font script="Cans" typeface="Euphemia"/>
+        <a:font script="Cher" typeface="Plantagenet Cherokee"/>
+        <a:font script="Yiii" typeface="Microsoft Yi Baiti"/>
+        <a:font script="Tibt" typeface="Microsoft Himalaya"/>
+        <a:font script="Thaa" typeface="MV Boli"/>
+        <a:font script="Deva" typeface="Mangal"/>
+        <a:font script="Telu" typeface="Gautami"/>
+        <a:font script="Taml" typeface="Latha"/>
+        <a:font script="Syrc" typeface="Estrangelo Edessa"/>
+        <a:font script="Orya" typeface="Kalinga"/>
+        <a:font script="Mlym" typeface="Kartika"/>
+        <a:font script="Laoo" typeface="DokChampa"/>
+        <a:font script="Sinh" typeface="Iskoola Pota"/>
+        <a:font script="Mong" typeface="Mongolian Baiti"/>
+        <a:font script="Viet" typeface="Times New Roman"/>
+        <a:font script="Uigh" typeface="Microsoft Uighur"/>
+        <a:font script="Geor" typeface="Sylfaen"/>
+      </a:majorFont>
+      <a:minorFont>
+        <a:latin typeface="Arial"/>
+        <a:ea typeface=""/>
+        <a:cs typeface=""/>
+        <a:font script="Jpan" typeface="ＭＳ Ｐゴシック"/>
+        <a:font script="Hang" typeface="맑은 고딕"/>
+        <a:font script="Hans" typeface="宋体"/>
+        <a:font script="Hant" typeface="新細明體"/>
+        <a:font script="Arab" typeface="Arial"/>
+        <a:font script="Hebr" typeface="Arial"/>
+        <a:font script="Thai" typeface="Cordia New"/>
+        <a:font script="Ethi" typeface="Nyala"/>
+        <a:font script="Beng" typeface="Vrinda"/>
+        <a:font script="Gujr" typeface="Shruti"/>
+        <a:font script="Khmr" typeface="DaunPenh"/>
+        <a:font script="Knda" typeface="Tunga"/>
+        <a:font script="Guru" typeface="Raavi"/>
+        <a:font script="Cans" typeface="Euphemia"/>
+        <a:font script="Cher" typeface="Plantagenet Cherokee"/>
+        <a:font script="Yiii" typeface="Microsoft Yi Baiti"/>
+        <a:font script="Tibt" typeface="Microsoft Himalaya"/>
+        <a:font script="Thaa" typeface="MV Boli"/>
+        <a:font script="Deva" typeface="Mangal"/>
+        <a:font script="Telu" typeface="Gautami"/>
+        <a:font script="Taml" typeface="Latha"/>
+        <a:font script="Syrc" typeface="Estrangelo Edessa"/>
+        <a:font script="Orya" typeface="Kalinga"/>
+        <a:font script="Mlym" typeface="Kartika"/>
+        <a:font script="Laoo" typeface="DokChampa"/>
+        <a:font script="Sinh" typeface="Iskoola Pota"/>
+        <a:font script="Mong" typeface="Mongolian Baiti"/>
+        <a:font script="Viet" typeface="Arial"/>
+        <a:font script="Uigh" typeface="Microsoft Uighur"/>
+        <a:font script="Geor" typeface="Sylfaen"/>
+      </a:minorFont>
+    </a:fontScheme>
+    <a:fmtScheme name="Office">
+      <a:fillStyleLst>
+        <a:solidFill>
+          <a:schemeClr val="phClr"/>
+        </a:solidFill>
+        <a:gradFill rotWithShape="1">
+          <a:gsLst>
+            <a:gs pos="0">
+              <a:schemeClr val="phClr">
+                <a:tint val="50000"/>
+                <a:satMod val="300000"/>
+              </a:schemeClr>
+            </a:gs>
+            <a:gs pos="35000">
+              <a:schemeClr val="phClr">
+                <a:tint val="37000"/>
+                <a:satMod val="300000"/>
+              </a:schemeClr>
+            </a:gs>
+            <a:gs pos="100000">
+              <a:schemeClr val="phClr">
+                <a:tint val="15000"/>
+                <a:satMod val="350000"/>
+              </a:schemeClr>
+            </a:gs>
+          </a:gsLst>
+          <a:lin ang="16200000" scaled="1"/>
+        </a:gradFill>
+        <a:gradFill rotWithShape="1">
+          <a:gsLst>
+            <a:gs pos="0">
+              <a:schemeClr val="phClr">
+                <a:tint val="100000"/>
+                <a:shade val="100000"/>
+                <a:satMod val="130000"/>
+              </a:schemeClr>
+            </a:gs>
+            <a:gs pos="100000">
+              <a:schemeClr val="phClr">
+                <a:tint val="50000"/>
+                <a:shade val="100000"/>
+                <a:satMod val="350000"/>
+              </a:schemeClr>
+            </a:gs>
+          </a:gsLst>
+          <a:lin ang="16200000" scaled="0"/>
+        </a:gradFill>
+      </a:fillStyleLst>
+      <a:lnStyleLst>
+        <a:ln w="9525" cap="flat" cmpd="sng" algn="ctr">
+          <a:solidFill>
+            <a:schemeClr val="phClr">
+              <a:shade val="95000"/>
+              <a:satMod val="105000"/>
+            </a:schemeClr>
+          </a:solidFill>
+          <a:prstDash val="solid"/>
+        </a:ln>
+        <a:ln w="25400" cap="flat" cmpd="sng" algn="ctr">
+          <a:solidFill>
+            <a:schemeClr val="phClr"/>
+          </a:solidFill>
+          <a:prstDash val="solid"/>
+        </a:ln>
+        <a:ln w="38100" cap="flat" cmpd="sng" algn="ctr">
+          <a:solidFill>
+            <a:schemeClr val="phClr"/>
+          </a:solidFill>
+          <a:prstDash val="solid"/>
+        </a:ln>
+      </a:lnStyleLst>
+      <a:effectStyleLst>
+        <a:effectStyle>
+          <a:effectLst>
+            <a:outerShdw blurRad="40000" dist="20000" dir="5400000" rotWithShape="0">
+              <a:srgbClr val="000000">
+                <a:alpha val="38000"/>
+              </a:srgbClr>
+            </a:outerShdw>
+          </a:effectLst>
+        </a:effectStyle>
+        <a:effectStyle>
+          <a:effectLst>
+            <a:outerShdw blurRad="40000" dist="23000" dir="5400000" rotWithShape="0">
+              <a:srgbClr val="000000">
+                <a:alpha val="35000"/>
+              </a:srgbClr>
+            </a:outerShdw>
+          </a:effectLst>
+        </a:effectStyle>
+        <a:effectStyle>
+          <a:effectLst>
+            <a:outerShdw blurRad="40000" dist="23000" dir="5400000" rotWithShape="0">
+              <a:srgbClr val="000000">
+                <a:alpha val="35000"/>
+              </a:srgbClr>
+            </a:outerShdw>
+          </a:effectLst>
+          <a:scene3d>
+            <a:camera prst="orthographicFront">
+              <a:rot lat="0" lon="0" rev="0"/>
+            </a:camera>
+            <a:lightRig rig="threePt" dir="t">
+              <a:rot lat="0" lon="0" rev="1200000"/>
+            </a:lightRig>
+          </a:scene3d>
+          <a:sp3d>
+            <a:bevelT w="63500" h="25400"/>
+          </a:sp3d>
+        </a:effectStyle>
+      </a:effectStyleLst>
+      <a:bgFillStyleLst>
+        <a:solidFill>
+          <a:schemeClr val="phClr"/>
+        </a:solidFill>
+        <a:gradFill rotWithShape="1">
+          <a:gsLst>
+            <a:gs pos="0">
+              <a:schemeClr val="phClr">
+                <a:tint val="40000"/>
+                <a:satMod val="350000"/>
+              </a:schemeClr>
+            </a:gs>
+            <a:gs pos="40000">
+              <a:schemeClr val="phClr">
+                <a:tint val="45000"/>
+                <a:shade val="99000"/>
+                <a:satMod val="350000"/>
+              </a:schemeClr>
+            </a:gs>
+            <a:gs pos="100000">
+              <a:schemeClr val="phClr">
+                <a:shade val="20000"/>
+                <a:satMod val="255000"/>
+              </a:schemeClr>
+            </a:gs>
+          </a:gsLst>
+          <a:path path="circle">
+            <a:fillToRect l="50000" t="-80000" r="50000" b="180000"/>
+          </a:path>
+        </a:gradFill>
+        <a:gradFill rotWithShape="1">
+          <a:gsLst>
+            <a:gs pos="0">
+              <a:schemeClr val="phClr">
+                <a:tint val="80000"/>
+                <a:satMod val="300000"/>
+              </a:schemeClr>
+            </a:gs>
+            <a:gs pos="100000">
+              <a:schemeClr val="phClr">
+                <a:shade val="30000"/>
+                <a:satMod val="200000"/>
+              </a:schemeClr>
+            </a:gs>
+          </a:gsLst>
+          <a:path path="circle">
+            <a:fillToRect l="50000" t="50000" r="50000" b="50000"/>
+          </a:path>
+        </a:gradFill>
+      </a:bgFillStyleLst>
+    </a:fmtScheme>
+  </a:themeElements>
+  <a:objectDefaults/>
+  <a:extraClrSchemeLst/>
+</a:theme>
+</file>
+
+<file path=ppt/theme/theme2.xml><?xml version="1.0" encoding="utf-8"?>
+<a:theme xmlns:a="http://schemas.openxmlformats.org/drawingml/2006/main">
   <a:themeElements>
     <a:clrScheme name="Default">
       <a:dk1>
@@ -10462,284 +10419,7 @@
       </a:bgFillStyleLst>
     </a:fmtScheme>
   </a:themeElements>
-</a:theme>
-</file>
-
-<file path=ppt/theme/theme2.xml><?xml version="1.0" encoding="utf-8"?>
-<a:theme xmlns:a="http://schemas.openxmlformats.org/drawingml/2006/main" xmlns:r="http://schemas.openxmlformats.org/officeDocument/2006/relationships" name="Simple Light">
-  <a:themeElements>
-    <a:clrScheme name="Simple Light">
-      <a:dk1>
-        <a:srgbClr val="000000"/>
-      </a:dk1>
-      <a:lt1>
-        <a:srgbClr val="FFFFFF"/>
-      </a:lt1>
-      <a:dk2>
-        <a:srgbClr val="595959"/>
-      </a:dk2>
-      <a:lt2>
-        <a:srgbClr val="EEEEEE"/>
-      </a:lt2>
-      <a:accent1>
-        <a:srgbClr val="FFAB40"/>
-      </a:accent1>
-      <a:accent2>
-        <a:srgbClr val="212121"/>
-      </a:accent2>
-      <a:accent3>
-        <a:srgbClr val="78909C"/>
-      </a:accent3>
-      <a:accent4>
-        <a:srgbClr val="FFAB40"/>
-      </a:accent4>
-      <a:accent5>
-        <a:srgbClr val="0097A7"/>
-      </a:accent5>
-      <a:accent6>
-        <a:srgbClr val="EEFF41"/>
-      </a:accent6>
-      <a:hlink>
-        <a:srgbClr val="0097A7"/>
-      </a:hlink>
-      <a:folHlink>
-        <a:srgbClr val="0097A7"/>
-      </a:folHlink>
-    </a:clrScheme>
-    <a:fontScheme name="Office">
-      <a:majorFont>
-        <a:latin typeface="Arial"/>
-        <a:ea typeface=""/>
-        <a:cs typeface=""/>
-        <a:font script="Jpan" typeface="ＭＳ Ｐゴシック"/>
-        <a:font script="Hang" typeface="맑은 고딕"/>
-        <a:font script="Hans" typeface="宋体"/>
-        <a:font script="Hant" typeface="新細明體"/>
-        <a:font script="Arab" typeface="Times New Roman"/>
-        <a:font script="Hebr" typeface="Times New Roman"/>
-        <a:font script="Thai" typeface="Angsana New"/>
-        <a:font script="Ethi" typeface="Nyala"/>
-        <a:font script="Beng" typeface="Vrinda"/>
-        <a:font script="Gujr" typeface="Shruti"/>
-        <a:font script="Khmr" typeface="MoolBoran"/>
-        <a:font script="Knda" typeface="Tunga"/>
-        <a:font script="Guru" typeface="Raavi"/>
-        <a:font script="Cans" typeface="Euphemia"/>
-        <a:font script="Cher" typeface="Plantagenet Cherokee"/>
-        <a:font script="Yiii" typeface="Microsoft Yi Baiti"/>
-        <a:font script="Tibt" typeface="Microsoft Himalaya"/>
-        <a:font script="Thaa" typeface="MV Boli"/>
-        <a:font script="Deva" typeface="Mangal"/>
-        <a:font script="Telu" typeface="Gautami"/>
-        <a:font script="Taml" typeface="Latha"/>
-        <a:font script="Syrc" typeface="Estrangelo Edessa"/>
-        <a:font script="Orya" typeface="Kalinga"/>
-        <a:font script="Mlym" typeface="Kartika"/>
-        <a:font script="Laoo" typeface="DokChampa"/>
-        <a:font script="Sinh" typeface="Iskoola Pota"/>
-        <a:font script="Mong" typeface="Mongolian Baiti"/>
-        <a:font script="Viet" typeface="Times New Roman"/>
-        <a:font script="Uigh" typeface="Microsoft Uighur"/>
-        <a:font script="Geor" typeface="Sylfaen"/>
-      </a:majorFont>
-      <a:minorFont>
-        <a:latin typeface="Arial"/>
-        <a:ea typeface=""/>
-        <a:cs typeface=""/>
-        <a:font script="Jpan" typeface="ＭＳ Ｐゴシック"/>
-        <a:font script="Hang" typeface="맑은 고딕"/>
-        <a:font script="Hans" typeface="宋体"/>
-        <a:font script="Hant" typeface="新細明體"/>
-        <a:font script="Arab" typeface="Arial"/>
-        <a:font script="Hebr" typeface="Arial"/>
-        <a:font script="Thai" typeface="Cordia New"/>
-        <a:font script="Ethi" typeface="Nyala"/>
-        <a:font script="Beng" typeface="Vrinda"/>
-        <a:font script="Gujr" typeface="Shruti"/>
-        <a:font script="Khmr" typeface="DaunPenh"/>
-        <a:font script="Knda" typeface="Tunga"/>
-        <a:font script="Guru" typeface="Raavi"/>
-        <a:font script="Cans" typeface="Euphemia"/>
-        <a:font script="Cher" typeface="Plantagenet Cherokee"/>
-        <a:font script="Yiii" typeface="Microsoft Yi Baiti"/>
-        <a:font script="Tibt" typeface="Microsoft Himalaya"/>
-        <a:font script="Thaa" typeface="MV Boli"/>
-        <a:font script="Deva" typeface="Mangal"/>
-        <a:font script="Telu" typeface="Gautami"/>
-        <a:font script="Taml" typeface="Latha"/>
-        <a:font script="Syrc" typeface="Estrangelo Edessa"/>
-        <a:font script="Orya" typeface="Kalinga"/>
-        <a:font script="Mlym" typeface="Kartika"/>
-        <a:font script="Laoo" typeface="DokChampa"/>
-        <a:font script="Sinh" typeface="Iskoola Pota"/>
-        <a:font script="Mong" typeface="Mongolian Baiti"/>
-        <a:font script="Viet" typeface="Arial"/>
-        <a:font script="Uigh" typeface="Microsoft Uighur"/>
-        <a:font script="Geor" typeface="Sylfaen"/>
-      </a:minorFont>
-    </a:fontScheme>
-    <a:fmtScheme name="Office">
-      <a:fillStyleLst>
-        <a:solidFill>
-          <a:schemeClr val="phClr"/>
-        </a:solidFill>
-        <a:gradFill rotWithShape="1">
-          <a:gsLst>
-            <a:gs pos="0">
-              <a:schemeClr val="phClr">
-                <a:tint val="50000"/>
-                <a:satMod val="300000"/>
-              </a:schemeClr>
-            </a:gs>
-            <a:gs pos="35000">
-              <a:schemeClr val="phClr">
-                <a:tint val="37000"/>
-                <a:satMod val="300000"/>
-              </a:schemeClr>
-            </a:gs>
-            <a:gs pos="100000">
-              <a:schemeClr val="phClr">
-                <a:tint val="15000"/>
-                <a:satMod val="350000"/>
-              </a:schemeClr>
-            </a:gs>
-          </a:gsLst>
-          <a:lin ang="16200000" scaled="1"/>
-        </a:gradFill>
-        <a:gradFill rotWithShape="1">
-          <a:gsLst>
-            <a:gs pos="0">
-              <a:schemeClr val="phClr">
-                <a:tint val="100000"/>
-                <a:shade val="100000"/>
-                <a:satMod val="130000"/>
-              </a:schemeClr>
-            </a:gs>
-            <a:gs pos="100000">
-              <a:schemeClr val="phClr">
-                <a:tint val="50000"/>
-                <a:shade val="100000"/>
-                <a:satMod val="350000"/>
-              </a:schemeClr>
-            </a:gs>
-          </a:gsLst>
-          <a:lin ang="16200000" scaled="0"/>
-        </a:gradFill>
-      </a:fillStyleLst>
-      <a:lnStyleLst>
-        <a:ln w="9525" cap="flat" cmpd="sng" algn="ctr">
-          <a:solidFill>
-            <a:schemeClr val="phClr">
-              <a:shade val="95000"/>
-              <a:satMod val="105000"/>
-            </a:schemeClr>
-          </a:solidFill>
-          <a:prstDash val="solid"/>
-        </a:ln>
-        <a:ln w="25400" cap="flat" cmpd="sng" algn="ctr">
-          <a:solidFill>
-            <a:schemeClr val="phClr"/>
-          </a:solidFill>
-          <a:prstDash val="solid"/>
-        </a:ln>
-        <a:ln w="38100" cap="flat" cmpd="sng" algn="ctr">
-          <a:solidFill>
-            <a:schemeClr val="phClr"/>
-          </a:solidFill>
-          <a:prstDash val="solid"/>
-        </a:ln>
-      </a:lnStyleLst>
-      <a:effectStyleLst>
-        <a:effectStyle>
-          <a:effectLst>
-            <a:outerShdw blurRad="40000" dist="20000" dir="5400000" rotWithShape="0">
-              <a:srgbClr val="000000">
-                <a:alpha val="38000"/>
-              </a:srgbClr>
-            </a:outerShdw>
-          </a:effectLst>
-        </a:effectStyle>
-        <a:effectStyle>
-          <a:effectLst>
-            <a:outerShdw blurRad="40000" dist="23000" dir="5400000" rotWithShape="0">
-              <a:srgbClr val="000000">
-                <a:alpha val="35000"/>
-              </a:srgbClr>
-            </a:outerShdw>
-          </a:effectLst>
-        </a:effectStyle>
-        <a:effectStyle>
-          <a:effectLst>
-            <a:outerShdw blurRad="40000" dist="23000" dir="5400000" rotWithShape="0">
-              <a:srgbClr val="000000">
-                <a:alpha val="35000"/>
-              </a:srgbClr>
-            </a:outerShdw>
-          </a:effectLst>
-          <a:scene3d>
-            <a:camera prst="orthographicFront">
-              <a:rot lat="0" lon="0" rev="0"/>
-            </a:camera>
-            <a:lightRig rig="threePt" dir="t">
-              <a:rot lat="0" lon="0" rev="1200000"/>
-            </a:lightRig>
-          </a:scene3d>
-          <a:sp3d>
-            <a:bevelT w="63500" h="25400"/>
-          </a:sp3d>
-        </a:effectStyle>
-      </a:effectStyleLst>
-      <a:bgFillStyleLst>
-        <a:solidFill>
-          <a:schemeClr val="phClr"/>
-        </a:solidFill>
-        <a:gradFill rotWithShape="1">
-          <a:gsLst>
-            <a:gs pos="0">
-              <a:schemeClr val="phClr">
-                <a:tint val="40000"/>
-                <a:satMod val="350000"/>
-              </a:schemeClr>
-            </a:gs>
-            <a:gs pos="40000">
-              <a:schemeClr val="phClr">
-                <a:tint val="45000"/>
-                <a:shade val="99000"/>
-                <a:satMod val="350000"/>
-              </a:schemeClr>
-            </a:gs>
-            <a:gs pos="100000">
-              <a:schemeClr val="phClr">
-                <a:shade val="20000"/>
-                <a:satMod val="255000"/>
-              </a:schemeClr>
-            </a:gs>
-          </a:gsLst>
-          <a:path path="circle">
-            <a:fillToRect l="50000" t="-80000" r="50000" b="180000"/>
-          </a:path>
-        </a:gradFill>
-        <a:gradFill rotWithShape="1">
-          <a:gsLst>
-            <a:gs pos="0">
-              <a:schemeClr val="phClr">
-                <a:tint val="80000"/>
-                <a:satMod val="300000"/>
-              </a:schemeClr>
-            </a:gs>
-            <a:gs pos="100000">
-              <a:schemeClr val="phClr">
-                <a:shade val="30000"/>
-                <a:satMod val="200000"/>
-              </a:schemeClr>
-            </a:gs>
-          </a:gsLst>
-          <a:path path="circle">
-            <a:fillToRect l="50000" t="50000" r="50000" b="50000"/>
-          </a:path>
-        </a:gradFill>
-      </a:bgFillStyleLst>
-    </a:fmtScheme>
-  </a:themeElements>
+  <a:objectDefaults/>
+  <a:extraClrSchemeLst/>
 </a:theme>
 </file>